--- a/Algorytmy/Szyfrowanie asymetryczne.pptx
+++ b/Algorytmy/Szyfrowanie asymetryczne.pptx
@@ -117,6 +117,11 @@
       </a:defRPr>
     </a:lvl9pPr>
   </p:defaultTextStyle>
+  <p:extLst>
+    <p:ext uri="{EFAFB233-063F-42B5-8137-9DF3F51BA10A}">
+      <p15:sldGuideLst xmlns:p15="http://schemas.microsoft.com/office/powerpoint/2012/main"/>
+    </p:ext>
+  </p:extLst>
 </p:presentation>
 </file>
 
@@ -202,7 +207,7 @@
           <a:p>
             <a:fld id="{EDE95631-1927-4FD7-80EB-49AF3E24EC07}" type="datetimeFigureOut">
               <a:rPr lang="pl-PL" smtClean="0"/>
-              <a:t>14.09.2018</a:t>
+              <a:t>01.11.2023</a:t>
             </a:fld>
             <a:endParaRPr lang="pl-PL"/>
           </a:p>
@@ -770,7 +775,7 @@
           <a:p>
             <a:fld id="{0E69F451-542B-42E8-B4C0-1FB20453DD71}" type="datetimeFigureOut">
               <a:rPr lang="pl-PL" smtClean="0"/>
-              <a:t>14.09.2018</a:t>
+              <a:t>01.11.2023</a:t>
             </a:fld>
             <a:endParaRPr lang="pl-PL"/>
           </a:p>
@@ -968,7 +973,7 @@
           <a:p>
             <a:fld id="{0E69F451-542B-42E8-B4C0-1FB20453DD71}" type="datetimeFigureOut">
               <a:rPr lang="pl-PL" smtClean="0"/>
-              <a:t>14.09.2018</a:t>
+              <a:t>01.11.2023</a:t>
             </a:fld>
             <a:endParaRPr lang="pl-PL"/>
           </a:p>
@@ -1176,7 +1181,7 @@
           <a:p>
             <a:fld id="{0E69F451-542B-42E8-B4C0-1FB20453DD71}" type="datetimeFigureOut">
               <a:rPr lang="pl-PL" smtClean="0"/>
-              <a:t>14.09.2018</a:t>
+              <a:t>01.11.2023</a:t>
             </a:fld>
             <a:endParaRPr lang="pl-PL"/>
           </a:p>
@@ -1374,7 +1379,7 @@
           <a:p>
             <a:fld id="{0E69F451-542B-42E8-B4C0-1FB20453DD71}" type="datetimeFigureOut">
               <a:rPr lang="pl-PL" smtClean="0"/>
-              <a:t>14.09.2018</a:t>
+              <a:t>01.11.2023</a:t>
             </a:fld>
             <a:endParaRPr lang="pl-PL"/>
           </a:p>
@@ -1649,7 +1654,7 @@
           <a:p>
             <a:fld id="{0E69F451-542B-42E8-B4C0-1FB20453DD71}" type="datetimeFigureOut">
               <a:rPr lang="pl-PL" smtClean="0"/>
-              <a:t>14.09.2018</a:t>
+              <a:t>01.11.2023</a:t>
             </a:fld>
             <a:endParaRPr lang="pl-PL"/>
           </a:p>
@@ -1914,7 +1919,7 @@
           <a:p>
             <a:fld id="{0E69F451-542B-42E8-B4C0-1FB20453DD71}" type="datetimeFigureOut">
               <a:rPr lang="pl-PL" smtClean="0"/>
-              <a:t>14.09.2018</a:t>
+              <a:t>01.11.2023</a:t>
             </a:fld>
             <a:endParaRPr lang="pl-PL"/>
           </a:p>
@@ -2326,7 +2331,7 @@
           <a:p>
             <a:fld id="{0E69F451-542B-42E8-B4C0-1FB20453DD71}" type="datetimeFigureOut">
               <a:rPr lang="pl-PL" smtClean="0"/>
-              <a:t>14.09.2018</a:t>
+              <a:t>01.11.2023</a:t>
             </a:fld>
             <a:endParaRPr lang="pl-PL"/>
           </a:p>
@@ -2467,7 +2472,7 @@
           <a:p>
             <a:fld id="{0E69F451-542B-42E8-B4C0-1FB20453DD71}" type="datetimeFigureOut">
               <a:rPr lang="pl-PL" smtClean="0"/>
-              <a:t>14.09.2018</a:t>
+              <a:t>01.11.2023</a:t>
             </a:fld>
             <a:endParaRPr lang="pl-PL"/>
           </a:p>
@@ -2580,7 +2585,7 @@
           <a:p>
             <a:fld id="{0E69F451-542B-42E8-B4C0-1FB20453DD71}" type="datetimeFigureOut">
               <a:rPr lang="pl-PL" smtClean="0"/>
-              <a:t>14.09.2018</a:t>
+              <a:t>01.11.2023</a:t>
             </a:fld>
             <a:endParaRPr lang="pl-PL"/>
           </a:p>
@@ -2891,7 +2896,7 @@
           <a:p>
             <a:fld id="{0E69F451-542B-42E8-B4C0-1FB20453DD71}" type="datetimeFigureOut">
               <a:rPr lang="pl-PL" smtClean="0"/>
-              <a:t>14.09.2018</a:t>
+              <a:t>01.11.2023</a:t>
             </a:fld>
             <a:endParaRPr lang="pl-PL"/>
           </a:p>
@@ -3179,7 +3184,7 @@
           <a:p>
             <a:fld id="{0E69F451-542B-42E8-B4C0-1FB20453DD71}" type="datetimeFigureOut">
               <a:rPr lang="pl-PL" smtClean="0"/>
-              <a:t>14.09.2018</a:t>
+              <a:t>01.11.2023</a:t>
             </a:fld>
             <a:endParaRPr lang="pl-PL"/>
           </a:p>
@@ -3420,7 +3425,7 @@
           <a:p>
             <a:fld id="{0E69F451-542B-42E8-B4C0-1FB20453DD71}" type="datetimeFigureOut">
               <a:rPr lang="pl-PL" smtClean="0"/>
-              <a:t>14.09.2018</a:t>
+              <a:t>01.11.2023</a:t>
             </a:fld>
             <a:endParaRPr lang="pl-PL"/>
           </a:p>
@@ -3823,6 +3828,14 @@
 <file path=ppt/slides/slide1.xml><?xml version="1.0" encoding="utf-8"?>
 <p:sld xmlns:a="http://schemas.openxmlformats.org/drawingml/2006/main" xmlns:r="http://schemas.openxmlformats.org/officeDocument/2006/relationships" xmlns:p="http://schemas.openxmlformats.org/presentationml/2006/main">
   <p:cSld>
+    <p:bg>
+      <p:bgPr>
+        <a:solidFill>
+          <a:schemeClr val="bg1"/>
+        </a:solidFill>
+        <a:effectLst/>
+      </p:bgPr>
+    </p:bg>
     <p:spTree>
       <p:nvGrpSpPr>
         <p:cNvPr id="1" name=""/>
@@ -3837,8 +3850,188 @@
           <a:chExt cx="0" cy="0"/>
         </a:xfrm>
       </p:grpSpPr>
+      <p:sp useBgFill="1">
+        <p:nvSpPr>
+          <p:cNvPr id="9" name="Rectangle 8">
+            <a:extLst>
+              <a:ext uri="{FF2B5EF4-FFF2-40B4-BE49-F238E27FC236}">
+                <a16:creationId xmlns:a16="http://schemas.microsoft.com/office/drawing/2014/main" id="{C1DD1A8A-57D5-4A81-AD04-532B043C5611}"/>
+              </a:ext>
+              <a:ext uri="{C183D7F6-B498-43B3-948B-1728B52AA6E4}">
+                <adec:decorative xmlns:adec="http://schemas.microsoft.com/office/drawing/2017/decorative" val="1"/>
+              </a:ext>
+            </a:extLst>
+          </p:cNvPr>
+          <p:cNvSpPr>
+            <a:spLocks noGrp="1" noRot="1" noChangeAspect="1" noMove="1" noResize="1" noEditPoints="1" noAdjustHandles="1" noChangeArrowheads="1" noChangeShapeType="1" noTextEdit="1"/>
+          </p:cNvSpPr>
+          <p:nvPr>
+            <p:extLst>
+              <p:ext uri="{386F3935-93C4-4BCD-93E2-E3B085C9AB24}">
+                <p16:designElem xmlns:p16="http://schemas.microsoft.com/office/powerpoint/2015/main" val="1"/>
+              </p:ext>
+            </p:extLst>
+          </p:nvPr>
+        </p:nvSpPr>
+        <p:spPr>
+          <a:xfrm>
+            <a:off x="-1" y="0"/>
+            <a:ext cx="12188952" cy="6858000"/>
+          </a:xfrm>
+          <a:prstGeom prst="rect">
+            <a:avLst/>
+          </a:prstGeom>
+          <a:ln>
+            <a:noFill/>
+          </a:ln>
+        </p:spPr>
+        <p:style>
+          <a:lnRef idx="2">
+            <a:schemeClr val="accent1">
+              <a:shade val="50000"/>
+            </a:schemeClr>
+          </a:lnRef>
+          <a:fillRef idx="1">
+            <a:schemeClr val="accent1"/>
+          </a:fillRef>
+          <a:effectRef idx="0">
+            <a:schemeClr val="accent1"/>
+          </a:effectRef>
+          <a:fontRef idx="minor">
+            <a:schemeClr val="lt1"/>
+          </a:fontRef>
+        </p:style>
+        <p:txBody>
+          <a:bodyPr rtlCol="0" anchor="ctr"/>
+          <a:lstStyle/>
+          <a:p>
+            <a:pPr algn="ctr"/>
+            <a:endParaRPr lang="en-US"/>
+          </a:p>
+        </p:txBody>
+      </p:sp>
+      <p:pic>
+        <p:nvPicPr>
+          <p:cNvPr id="5" name="Picture 4" descr="Akwamaryna i zielone Fractal tło, takie jak kwiatowe płatki">
+            <a:extLst>
+              <a:ext uri="{FF2B5EF4-FFF2-40B4-BE49-F238E27FC236}">
+                <a16:creationId xmlns:a16="http://schemas.microsoft.com/office/drawing/2014/main" id="{6316CAAC-E3C5-E57D-F4FF-7377E9AAA7AF}"/>
+              </a:ext>
+            </a:extLst>
+          </p:cNvPr>
+          <p:cNvPicPr>
+            <a:picLocks noChangeAspect="1"/>
+          </p:cNvPicPr>
+          <p:nvPr/>
+        </p:nvPicPr>
+        <p:blipFill rotWithShape="1">
+          <a:blip r:embed="rId2"/>
+          <a:srcRect t="8747" b="16253"/>
+          <a:stretch/>
+        </p:blipFill>
+        <p:spPr>
+          <a:xfrm>
+            <a:off x="-3047" y="10"/>
+            <a:ext cx="12191999" cy="6857990"/>
+          </a:xfrm>
+          <a:prstGeom prst="rect">
+            <a:avLst/>
+          </a:prstGeom>
+        </p:spPr>
+      </p:pic>
       <p:sp>
         <p:nvSpPr>
+          <p:cNvPr id="11" name="Rectangle 10">
+            <a:extLst>
+              <a:ext uri="{FF2B5EF4-FFF2-40B4-BE49-F238E27FC236}">
+                <a16:creationId xmlns:a16="http://schemas.microsoft.com/office/drawing/2014/main" id="{007891EC-4501-44ED-A8C8-B11B6DB767AB}"/>
+              </a:ext>
+              <a:ext uri="{C183D7F6-B498-43B3-948B-1728B52AA6E4}">
+                <adec:decorative xmlns:adec="http://schemas.microsoft.com/office/drawing/2017/decorative" val="1"/>
+              </a:ext>
+            </a:extLst>
+          </p:cNvPr>
+          <p:cNvSpPr>
+            <a:spLocks noGrp="1" noRot="1" noChangeAspect="1" noMove="1" noResize="1" noEditPoints="1" noAdjustHandles="1" noChangeArrowheads="1" noChangeShapeType="1" noTextEdit="1"/>
+          </p:cNvSpPr>
+          <p:nvPr>
+            <p:extLst>
+              <p:ext uri="{386F3935-93C4-4BCD-93E2-E3B085C9AB24}">
+                <p16:designElem xmlns:p16="http://schemas.microsoft.com/office/powerpoint/2015/main" val="1"/>
+              </p:ext>
+            </p:extLst>
+          </p:nvPr>
+        </p:nvSpPr>
+        <p:spPr>
+          <a:xfrm>
+            <a:off x="0" y="2207602"/>
+            <a:ext cx="12191999" cy="3162146"/>
+          </a:xfrm>
+          <a:prstGeom prst="rect">
+            <a:avLst/>
+          </a:prstGeom>
+          <a:gradFill flip="none" rotWithShape="1">
+            <a:gsLst>
+              <a:gs pos="0">
+                <a:srgbClr val="000000">
+                  <a:alpha val="0"/>
+                </a:srgbClr>
+              </a:gs>
+              <a:gs pos="25000">
+                <a:srgbClr val="000000">
+                  <a:alpha val="15000"/>
+                </a:srgbClr>
+              </a:gs>
+              <a:gs pos="75000">
+                <a:srgbClr val="000000">
+                  <a:alpha val="15000"/>
+                </a:srgbClr>
+              </a:gs>
+              <a:gs pos="50000">
+                <a:srgbClr val="000000">
+                  <a:alpha val="30000"/>
+                </a:srgbClr>
+              </a:gs>
+              <a:gs pos="100000">
+                <a:srgbClr val="000000">
+                  <a:alpha val="0"/>
+                </a:srgbClr>
+              </a:gs>
+            </a:gsLst>
+            <a:lin ang="16200000" scaled="1"/>
+            <a:tileRect/>
+          </a:gradFill>
+          <a:ln>
+            <a:noFill/>
+          </a:ln>
+        </p:spPr>
+        <p:style>
+          <a:lnRef idx="2">
+            <a:schemeClr val="accent1">
+              <a:shade val="50000"/>
+            </a:schemeClr>
+          </a:lnRef>
+          <a:fillRef idx="1">
+            <a:schemeClr val="accent1"/>
+          </a:fillRef>
+          <a:effectRef idx="0">
+            <a:schemeClr val="accent1"/>
+          </a:effectRef>
+          <a:fontRef idx="minor">
+            <a:schemeClr val="lt1"/>
+          </a:fontRef>
+        </p:style>
+        <p:txBody>
+          <a:bodyPr rtlCol="0" anchor="ctr"/>
+          <a:lstStyle/>
+          <a:p>
+            <a:pPr algn="ctr"/>
+            <a:endParaRPr lang="en-US"/>
+          </a:p>
+        </p:txBody>
+      </p:sp>
+      <p:sp>
+        <p:nvSpPr>
           <p:cNvPr id="2" name="Tytuł 1">
             <a:extLst>
               <a:ext uri="{FF2B5EF4-FFF2-40B4-BE49-F238E27FC236}">
@@ -3853,13 +4046,36 @@
             <p:ph type="ctrTitle"/>
           </p:nvPr>
         </p:nvSpPr>
-        <p:spPr/>
-        <p:txBody>
-          <a:bodyPr/>
+        <p:spPr>
+          <a:xfrm>
+            <a:off x="1097280" y="325550"/>
+            <a:ext cx="10058400" cy="3574778"/>
+          </a:xfrm>
+          <a:effectLst>
+            <a:outerShdw blurRad="50800" dist="38100" dir="2700000" algn="tl" rotWithShape="0">
+              <a:prstClr val="black">
+                <a:alpha val="40000"/>
+              </a:prstClr>
+            </a:outerShdw>
+          </a:effectLst>
+        </p:spPr>
+        <p:txBody>
+          <a:bodyPr>
+            <a:normAutofit/>
+          </a:bodyPr>
           <a:lstStyle/>
           <a:p>
             <a:r>
-              <a:rPr lang="pl-PL" dirty="0"/>
+              <a:rPr lang="pl-PL" sz="6600" b="1" dirty="0">
+                <a:ln>
+                  <a:solidFill>
+                    <a:schemeClr val="tx1"/>
+                  </a:solidFill>
+                </a:ln>
+                <a:solidFill>
+                  <a:srgbClr val="FFFFFF"/>
+                </a:solidFill>
+              </a:rPr>
               <a:t>Szyfrowanie asymetryczne</a:t>
             </a:r>
           </a:p>
@@ -3881,15 +4097,89 @@
             <p:ph type="subTitle" idx="1"/>
           </p:nvPr>
         </p:nvSpPr>
-        <p:spPr/>
-        <p:txBody>
-          <a:bodyPr/>
+        <p:spPr>
+          <a:xfrm>
+            <a:off x="1100051" y="4072043"/>
+            <a:ext cx="10058400" cy="1282707"/>
+          </a:xfrm>
+          <a:effectLst>
+            <a:outerShdw blurRad="50800" dist="38100" dir="2700000" algn="tl" rotWithShape="0">
+              <a:prstClr val="black">
+                <a:alpha val="40000"/>
+              </a:prstClr>
+            </a:outerShdw>
+          </a:effectLst>
+        </p:spPr>
+        <p:txBody>
+          <a:bodyPr>
+            <a:normAutofit/>
+          </a:bodyPr>
           <a:lstStyle/>
           <a:p>
-            <a:endParaRPr lang="pl-PL"/>
-          </a:p>
-        </p:txBody>
-      </p:sp>
+            <a:r>
+              <a:rPr lang="pl-PL" sz="2800" dirty="0">
+                <a:ln>
+                  <a:solidFill>
+                    <a:schemeClr val="tx1"/>
+                  </a:solidFill>
+                </a:ln>
+                <a:solidFill>
+                  <a:srgbClr val="FFFFFF"/>
+                </a:solidFill>
+              </a:rPr>
+              <a:t>Damian Kurpiewski</a:t>
+            </a:r>
+          </a:p>
+        </p:txBody>
+      </p:sp>
+      <p:pic>
+        <p:nvPicPr>
+          <p:cNvPr id="4" name="Picture 2">
+            <a:hlinkClick r:id="rId3"/>
+            <a:extLst>
+              <a:ext uri="{FF2B5EF4-FFF2-40B4-BE49-F238E27FC236}">
+                <a16:creationId xmlns:a16="http://schemas.microsoft.com/office/drawing/2014/main" id="{953CFE36-DA5A-10F5-8797-085F5C9F98BE}"/>
+              </a:ext>
+            </a:extLst>
+          </p:cNvPr>
+          <p:cNvPicPr>
+            <a:picLocks noChangeAspect="1" noChangeArrowheads="1"/>
+          </p:cNvPicPr>
+          <p:nvPr/>
+        </p:nvPicPr>
+        <p:blipFill>
+          <a:blip r:embed="rId4">
+            <a:extLst>
+              <a:ext uri="{28A0092B-C50C-407E-A947-70E740481C1C}">
+                <a14:useLocalDpi xmlns:a14="http://schemas.microsoft.com/office/drawing/2010/main" val="0"/>
+              </a:ext>
+            </a:extLst>
+          </a:blip>
+          <a:srcRect/>
+          <a:stretch>
+            <a:fillRect/>
+          </a:stretch>
+        </p:blipFill>
+        <p:spPr bwMode="auto">
+          <a:xfrm>
+            <a:off x="10464344" y="6172046"/>
+            <a:ext cx="1512168" cy="529071"/>
+          </a:xfrm>
+          <a:prstGeom prst="rect">
+            <a:avLst/>
+          </a:prstGeom>
+          <a:noFill/>
+          <a:extLst>
+            <a:ext uri="{909E8E84-426E-40DD-AFC4-6F175D3DCCD1}">
+              <a14:hiddenFill xmlns:a14="http://schemas.microsoft.com/office/drawing/2010/main">
+                <a:solidFill>
+                  <a:srgbClr val="FFFFFF"/>
+                </a:solidFill>
+              </a14:hiddenFill>
+            </a:ext>
+          </a:extLst>
+        </p:spPr>
+      </p:pic>
     </p:spTree>
     <p:extLst>
       <p:ext uri="{BB962C8B-B14F-4D97-AF65-F5344CB8AC3E}">
@@ -3900,6 +4190,145 @@
   <p:clrMapOvr>
     <a:masterClrMapping/>
   </p:clrMapOvr>
+  <p:timing>
+    <p:tnLst>
+      <p:par>
+        <p:cTn id="1" dur="indefinite" restart="never" nodeType="tmRoot">
+          <p:childTnLst>
+            <p:seq concurrent="1" nextAc="seek">
+              <p:cTn id="2" dur="indefinite" nodeType="mainSeq">
+                <p:childTnLst>
+                  <p:par>
+                    <p:cTn id="3" fill="hold">
+                      <p:stCondLst>
+                        <p:cond delay="indefinite"/>
+                        <p:cond evt="onBegin" delay="0">
+                          <p:tn val="2"/>
+                        </p:cond>
+                      </p:stCondLst>
+                      <p:childTnLst>
+                        <p:par>
+                          <p:cTn id="4" fill="hold">
+                            <p:stCondLst>
+                              <p:cond delay="0"/>
+                            </p:stCondLst>
+                            <p:childTnLst>
+                              <p:par>
+                                <p:cTn id="5" presetID="10" presetClass="entr" presetSubtype="0" fill="hold" grpId="0" nodeType="withEffect">
+                                  <p:stCondLst>
+                                    <p:cond delay="1000"/>
+                                  </p:stCondLst>
+                                  <p:iterate>
+                                    <p:tmPct val="10000"/>
+                                  </p:iterate>
+                                  <p:childTnLst>
+                                    <p:set>
+                                      <p:cBhvr>
+                                        <p:cTn id="6" dur="1" fill="hold">
+                                          <p:stCondLst>
+                                            <p:cond delay="0"/>
+                                          </p:stCondLst>
+                                        </p:cTn>
+                                        <p:tgtEl>
+                                          <p:spTgt spid="2"/>
+                                        </p:tgtEl>
+                                        <p:attrNameLst>
+                                          <p:attrName>style.visibility</p:attrName>
+                                        </p:attrNameLst>
+                                      </p:cBhvr>
+                                      <p:to>
+                                        <p:strVal val="visible"/>
+                                      </p:to>
+                                    </p:set>
+                                    <p:animEffect transition="in" filter="fade">
+                                      <p:cBhvr>
+                                        <p:cTn id="7" dur="700"/>
+                                        <p:tgtEl>
+                                          <p:spTgt spid="2"/>
+                                        </p:tgtEl>
+                                      </p:cBhvr>
+                                    </p:animEffect>
+                                  </p:childTnLst>
+                                </p:cTn>
+                              </p:par>
+                              <p:par>
+                                <p:cTn id="8" presetID="10" presetClass="entr" presetSubtype="0" fill="hold" grpId="0" nodeType="withEffect">
+                                  <p:stCondLst>
+                                    <p:cond delay="1500"/>
+                                  </p:stCondLst>
+                                  <p:iterate>
+                                    <p:tmPct val="10000"/>
+                                  </p:iterate>
+                                  <p:childTnLst>
+                                    <p:set>
+                                      <p:cBhvr>
+                                        <p:cTn id="9" dur="1" fill="hold">
+                                          <p:stCondLst>
+                                            <p:cond delay="0"/>
+                                          </p:stCondLst>
+                                        </p:cTn>
+                                        <p:tgtEl>
+                                          <p:spTgt spid="3">
+                                            <p:txEl>
+                                              <p:pRg st="0" end="0"/>
+                                            </p:txEl>
+                                          </p:spTgt>
+                                        </p:tgtEl>
+                                        <p:attrNameLst>
+                                          <p:attrName>style.visibility</p:attrName>
+                                        </p:attrNameLst>
+                                      </p:cBhvr>
+                                      <p:to>
+                                        <p:strVal val="visible"/>
+                                      </p:to>
+                                    </p:set>
+                                    <p:animEffect transition="in" filter="fade">
+                                      <p:cBhvr>
+                                        <p:cTn id="10" dur="700"/>
+                                        <p:tgtEl>
+                                          <p:spTgt spid="3">
+                                            <p:txEl>
+                                              <p:pRg st="0" end="0"/>
+                                            </p:txEl>
+                                          </p:spTgt>
+                                        </p:tgtEl>
+                                      </p:cBhvr>
+                                    </p:animEffect>
+                                  </p:childTnLst>
+                                </p:cTn>
+                              </p:par>
+                            </p:childTnLst>
+                          </p:cTn>
+                        </p:par>
+                      </p:childTnLst>
+                    </p:cTn>
+                  </p:par>
+                </p:childTnLst>
+              </p:cTn>
+              <p:prevCondLst>
+                <p:cond evt="onPrev" delay="0">
+                  <p:tgtEl>
+                    <p:sldTgt/>
+                  </p:tgtEl>
+                </p:cond>
+              </p:prevCondLst>
+              <p:nextCondLst>
+                <p:cond evt="onNext" delay="0">
+                  <p:tgtEl>
+                    <p:sldTgt/>
+                  </p:tgtEl>
+                </p:cond>
+              </p:nextCondLst>
+            </p:seq>
+          </p:childTnLst>
+        </p:cTn>
+      </p:par>
+    </p:tnLst>
+    <p:bldLst>
+      <p:bldP spid="2" grpId="0"/>
+      <p:bldP spid="3" grpId="0" build="p"/>
+    </p:bldLst>
+  </p:timing>
 </p:sld>
 </file>
 
@@ -3928,21 +4357,21 @@
           <a:chExt cx="0" cy="0"/>
         </a:xfrm>
       </p:grpSpPr>
-      <p:sp>
-        <p:nvSpPr>
-          <p:cNvPr id="15" name="Down Arrow 7">
-            <a:extLst>
-              <a:ext uri="{FF2B5EF4-FFF2-40B4-BE49-F238E27FC236}">
-                <a16:creationId xmlns:a16="http://schemas.microsoft.com/office/drawing/2014/main" id="{73DE2CFE-42F2-48F0-8706-5264E012B10C}"/>
+      <p:grpSp>
+        <p:nvGrpSpPr>
+          <p:cNvPr id="20" name="Group 19">
+            <a:extLst>
+              <a:ext uri="{FF2B5EF4-FFF2-40B4-BE49-F238E27FC236}">
+                <a16:creationId xmlns:a16="http://schemas.microsoft.com/office/drawing/2014/main" id="{D19F7815-3AA2-7679-26F4-A63338C8BD5B}"/>
               </a:ext>
               <a:ext uri="{C183D7F6-B498-43B3-948B-1728B52AA6E4}">
                 <adec:decorative xmlns:adec="http://schemas.microsoft.com/office/drawing/2017/decorative" val="1"/>
               </a:ext>
             </a:extLst>
           </p:cNvPr>
-          <p:cNvSpPr>
-            <a:spLocks noGrp="1" noRot="1" noChangeAspect="1" noMove="1" noResize="1" noEditPoints="1" noAdjustHandles="1" noChangeArrowheads="1" noChangeShapeType="1" noTextEdit="1"/>
-          </p:cNvSpPr>
+          <p:cNvGrpSpPr>
+            <a:grpSpLocks noGrp="1" noUngrp="1" noRot="1" noChangeAspect="1" noMove="1" noResize="1"/>
+          </p:cNvGrpSpPr>
           <p:nvPr>
             <p:extLst>
               <p:ext uri="{386F3935-93C4-4BCD-93E2-E3B085C9AB24}">
@@ -3950,79 +4379,308 @@
               </p:ext>
             </p:extLst>
           </p:nvPr>
-        </p:nvSpPr>
-        <p:spPr>
-          <a:xfrm rot="16200000">
-            <a:off x="1288521" y="381403"/>
-            <a:ext cx="2200313" cy="3342508"/>
+        </p:nvGrpSpPr>
+        <p:grpSpPr>
+          <a:xfrm>
+            <a:off x="-4668" y="4843169"/>
+            <a:ext cx="12196668" cy="2016059"/>
+            <a:chOff x="-4668" y="4843169"/>
+            <a:chExt cx="12196668" cy="2016059"/>
           </a:xfrm>
-          <a:prstGeom prst="downArrow">
-            <a:avLst>
-              <a:gd name="adj1" fmla="val 100000"/>
-              <a:gd name="adj2" fmla="val 15788"/>
-            </a:avLst>
-          </a:prstGeom>
-          <a:solidFill>
-            <a:srgbClr val="404040"/>
-          </a:solidFill>
-          <a:ln w="53975">
-            <a:noFill/>
-          </a:ln>
-        </p:spPr>
-        <p:style>
-          <a:lnRef idx="2">
-            <a:schemeClr val="accent1">
-              <a:shade val="50000"/>
-            </a:schemeClr>
-          </a:lnRef>
-          <a:fillRef idx="1">
-            <a:schemeClr val="accent1"/>
-          </a:fillRef>
-          <a:effectRef idx="0">
-            <a:schemeClr val="accent1"/>
-          </a:effectRef>
-          <a:fontRef idx="minor">
-            <a:schemeClr val="lt1"/>
-          </a:fontRef>
-        </p:style>
-        <p:txBody>
-          <a:bodyPr rtlCol="0" anchor="ctr"/>
-          <a:lstStyle/>
-          <a:p>
-            <a:pPr marL="0" marR="0" lvl="0" indent="0" algn="ctr" defTabSz="914400" rtl="0" eaLnBrk="1" fontAlgn="auto" latinLnBrk="0" hangingPunct="1">
-              <a:lnSpc>
-                <a:spcPct val="100000"/>
-              </a:lnSpc>
-              <a:spcBef>
-                <a:spcPts val="0"/>
-              </a:spcBef>
-              <a:spcAft>
-                <a:spcPts val="0"/>
-              </a:spcAft>
-              <a:buClrTx/>
-              <a:buSzTx/>
-              <a:buFontTx/>
-              <a:buNone/>
-              <a:tabLst/>
-              <a:defRPr/>
-            </a:pPr>
-            <a:endParaRPr kumimoji="0" lang="en-US" sz="1800" b="0" i="0" u="none" strike="noStrike" kern="1200" cap="none" spc="0" normalizeH="0" baseline="0" noProof="0">
-              <a:ln>
-                <a:noFill/>
-              </a:ln>
-              <a:solidFill>
-                <a:prstClr val="white"/>
-              </a:solidFill>
-              <a:effectLst/>
-              <a:uLnTx/>
-              <a:uFillTx/>
-              <a:latin typeface="Calibri" panose="020F0502020204030204"/>
-              <a:ea typeface="+mn-ea"/>
-              <a:cs typeface="+mn-cs"/>
-            </a:endParaRPr>
-          </a:p>
-        </p:txBody>
-      </p:sp>
+        </p:grpSpPr>
+        <p:sp>
+          <p:nvSpPr>
+            <p:cNvPr id="21" name="Rectangle 20">
+              <a:extLst>
+                <a:ext uri="{FF2B5EF4-FFF2-40B4-BE49-F238E27FC236}">
+                  <a16:creationId xmlns:a16="http://schemas.microsoft.com/office/drawing/2014/main" id="{656154CE-3587-5C44-2A6B-1FE49B302C60}"/>
+                </a:ext>
+                <a:ext uri="{C183D7F6-B498-43B3-948B-1728B52AA6E4}">
+                  <adec:decorative xmlns:adec="http://schemas.microsoft.com/office/drawing/2017/decorative" val="1"/>
+                </a:ext>
+              </a:extLst>
+            </p:cNvPr>
+            <p:cNvSpPr/>
+            <p:nvPr>
+              <p:extLst>
+                <p:ext uri="{386F3935-93C4-4BCD-93E2-E3B085C9AB24}">
+                  <p16:designElem xmlns:p16="http://schemas.microsoft.com/office/powerpoint/2015/main" val="1"/>
+                </p:ext>
+              </p:extLst>
+            </p:nvPr>
+          </p:nvSpPr>
+          <p:spPr>
+            <a:xfrm rot="10800000">
+              <a:off x="-4668" y="4843169"/>
+              <a:ext cx="12196668" cy="2015947"/>
+            </a:xfrm>
+            <a:prstGeom prst="rect">
+              <a:avLst/>
+            </a:prstGeom>
+            <a:gradFill>
+              <a:gsLst>
+                <a:gs pos="0">
+                  <a:schemeClr val="accent5"/>
+                </a:gs>
+                <a:gs pos="100000">
+                  <a:schemeClr val="accent2"/>
+                </a:gs>
+              </a:gsLst>
+              <a:lin ang="4800000" scaled="0"/>
+            </a:gradFill>
+            <a:ln>
+              <a:noFill/>
+            </a:ln>
+          </p:spPr>
+          <p:style>
+            <a:lnRef idx="2">
+              <a:schemeClr val="accent1">
+                <a:shade val="50000"/>
+              </a:schemeClr>
+            </a:lnRef>
+            <a:fillRef idx="1">
+              <a:schemeClr val="accent1"/>
+            </a:fillRef>
+            <a:effectRef idx="0">
+              <a:schemeClr val="accent1"/>
+            </a:effectRef>
+            <a:fontRef idx="minor">
+              <a:schemeClr val="lt1"/>
+            </a:fontRef>
+          </p:style>
+          <p:txBody>
+            <a:bodyPr rtlCol="0" anchor="ctr"/>
+            <a:lstStyle/>
+            <a:p>
+              <a:pPr algn="ctr"/>
+              <a:endParaRPr lang="en-US"/>
+            </a:p>
+          </p:txBody>
+        </p:sp>
+        <p:sp>
+          <p:nvSpPr>
+            <p:cNvPr id="22" name="Rectangle 21">
+              <a:extLst>
+                <a:ext uri="{FF2B5EF4-FFF2-40B4-BE49-F238E27FC236}">
+                  <a16:creationId xmlns:a16="http://schemas.microsoft.com/office/drawing/2014/main" id="{3E7A46DB-98C4-E666-AEC5-DF8B5DD9E72D}"/>
+                </a:ext>
+                <a:ext uri="{C183D7F6-B498-43B3-948B-1728B52AA6E4}">
+                  <adec:decorative xmlns:adec="http://schemas.microsoft.com/office/drawing/2017/decorative" val="1"/>
+                </a:ext>
+              </a:extLst>
+            </p:cNvPr>
+            <p:cNvSpPr/>
+            <p:nvPr>
+              <p:extLst>
+                <p:ext uri="{386F3935-93C4-4BCD-93E2-E3B085C9AB24}">
+                  <p16:designElem xmlns:p16="http://schemas.microsoft.com/office/powerpoint/2015/main" val="1"/>
+                </p:ext>
+              </p:extLst>
+            </p:nvPr>
+          </p:nvSpPr>
+          <p:spPr>
+            <a:xfrm>
+              <a:off x="-4668" y="4844400"/>
+              <a:ext cx="10565988" cy="2014828"/>
+            </a:xfrm>
+            <a:prstGeom prst="rect">
+              <a:avLst/>
+            </a:prstGeom>
+            <a:gradFill flip="none" rotWithShape="1">
+              <a:gsLst>
+                <a:gs pos="3000">
+                  <a:schemeClr val="accent2"/>
+                </a:gs>
+                <a:gs pos="40000">
+                  <a:schemeClr val="accent2">
+                    <a:alpha val="0"/>
+                  </a:schemeClr>
+                </a:gs>
+              </a:gsLst>
+              <a:lin ang="17400000" scaled="0"/>
+              <a:tileRect/>
+            </a:gradFill>
+            <a:ln>
+              <a:noFill/>
+            </a:ln>
+          </p:spPr>
+          <p:style>
+            <a:lnRef idx="2">
+              <a:schemeClr val="accent1">
+                <a:shade val="50000"/>
+              </a:schemeClr>
+            </a:lnRef>
+            <a:fillRef idx="1">
+              <a:schemeClr val="accent1"/>
+            </a:fillRef>
+            <a:effectRef idx="0">
+              <a:schemeClr val="accent1"/>
+            </a:effectRef>
+            <a:fontRef idx="minor">
+              <a:schemeClr val="lt1"/>
+            </a:fontRef>
+          </p:style>
+          <p:txBody>
+            <a:bodyPr rtlCol="0" anchor="ctr"/>
+            <a:lstStyle/>
+            <a:p>
+              <a:pPr algn="ctr"/>
+              <a:endParaRPr lang="en-US"/>
+            </a:p>
+          </p:txBody>
+        </p:sp>
+        <p:sp>
+          <p:nvSpPr>
+            <p:cNvPr id="23" name="Rectangle 22">
+              <a:extLst>
+                <a:ext uri="{FF2B5EF4-FFF2-40B4-BE49-F238E27FC236}">
+                  <a16:creationId xmlns:a16="http://schemas.microsoft.com/office/drawing/2014/main" id="{89F8962A-028A-2EBA-FBCF-F9B03344009C}"/>
+                </a:ext>
+                <a:ext uri="{C183D7F6-B498-43B3-948B-1728B52AA6E4}">
+                  <adec:decorative xmlns:adec="http://schemas.microsoft.com/office/drawing/2017/decorative" val="1"/>
+                </a:ext>
+              </a:extLst>
+            </p:cNvPr>
+            <p:cNvSpPr/>
+            <p:nvPr>
+              <p:extLst>
+                <p:ext uri="{386F3935-93C4-4BCD-93E2-E3B085C9AB24}">
+                  <p16:designElem xmlns:p16="http://schemas.microsoft.com/office/powerpoint/2015/main" val="1"/>
+                </p:ext>
+              </p:extLst>
+            </p:nvPr>
+          </p:nvSpPr>
+          <p:spPr>
+            <a:xfrm>
+              <a:off x="-4668" y="4843170"/>
+              <a:ext cx="10309010" cy="2006799"/>
+            </a:xfrm>
+            <a:prstGeom prst="rect">
+              <a:avLst/>
+            </a:prstGeom>
+            <a:gradFill>
+              <a:gsLst>
+                <a:gs pos="0">
+                  <a:schemeClr val="accent5">
+                    <a:alpha val="76000"/>
+                  </a:schemeClr>
+                </a:gs>
+                <a:gs pos="67000">
+                  <a:schemeClr val="accent2">
+                    <a:alpha val="0"/>
+                  </a:schemeClr>
+                </a:gs>
+              </a:gsLst>
+              <a:lin ang="4800000" scaled="0"/>
+            </a:gradFill>
+            <a:ln>
+              <a:noFill/>
+            </a:ln>
+          </p:spPr>
+          <p:style>
+            <a:lnRef idx="2">
+              <a:schemeClr val="accent1">
+                <a:shade val="50000"/>
+              </a:schemeClr>
+            </a:lnRef>
+            <a:fillRef idx="1">
+              <a:schemeClr val="accent1"/>
+            </a:fillRef>
+            <a:effectRef idx="0">
+              <a:schemeClr val="accent1"/>
+            </a:effectRef>
+            <a:fontRef idx="minor">
+              <a:schemeClr val="lt1"/>
+            </a:fontRef>
+          </p:style>
+          <p:txBody>
+            <a:bodyPr rtlCol="0" anchor="ctr"/>
+            <a:lstStyle/>
+            <a:p>
+              <a:pPr algn="ctr"/>
+              <a:endParaRPr lang="en-US"/>
+            </a:p>
+          </p:txBody>
+        </p:sp>
+        <p:sp>
+          <p:nvSpPr>
+            <p:cNvPr id="24" name="Rectangle 23">
+              <a:extLst>
+                <a:ext uri="{FF2B5EF4-FFF2-40B4-BE49-F238E27FC236}">
+                  <a16:creationId xmlns:a16="http://schemas.microsoft.com/office/drawing/2014/main" id="{2F139663-D7C2-5898-E610-2183584AC56B}"/>
+                </a:ext>
+                <a:ext uri="{C183D7F6-B498-43B3-948B-1728B52AA6E4}">
+                  <adec:decorative xmlns:adec="http://schemas.microsoft.com/office/drawing/2017/decorative" val="1"/>
+                </a:ext>
+              </a:extLst>
+            </p:cNvPr>
+            <p:cNvSpPr/>
+            <p:nvPr>
+              <p:extLst>
+                <p:ext uri="{386F3935-93C4-4BCD-93E2-E3B085C9AB24}">
+                  <p16:designElem xmlns:p16="http://schemas.microsoft.com/office/powerpoint/2015/main" val="1"/>
+                </p:ext>
+              </p:extLst>
+            </p:nvPr>
+          </p:nvSpPr>
+          <p:spPr>
+            <a:xfrm rot="10800000">
+              <a:off x="4105876" y="4851203"/>
+              <a:ext cx="8086124" cy="2006797"/>
+            </a:xfrm>
+            <a:prstGeom prst="rect">
+              <a:avLst/>
+            </a:prstGeom>
+            <a:gradFill flip="none" rotWithShape="1">
+              <a:gsLst>
+                <a:gs pos="0">
+                  <a:schemeClr val="accent5">
+                    <a:lumMod val="50000"/>
+                    <a:alpha val="36000"/>
+                  </a:schemeClr>
+                </a:gs>
+                <a:gs pos="45000">
+                  <a:schemeClr val="accent5">
+                    <a:alpha val="0"/>
+                  </a:schemeClr>
+                </a:gs>
+              </a:gsLst>
+              <a:lin ang="4200000" scaled="0"/>
+              <a:tileRect/>
+            </a:gradFill>
+            <a:ln w="12700" cap="flat" cmpd="sng" algn="ctr">
+              <a:noFill/>
+              <a:prstDash val="solid"/>
+              <a:miter lim="800000"/>
+            </a:ln>
+            <a:effectLst/>
+          </p:spPr>
+          <p:style>
+            <a:lnRef idx="2">
+              <a:schemeClr val="accent1">
+                <a:shade val="50000"/>
+              </a:schemeClr>
+            </a:lnRef>
+            <a:fillRef idx="1">
+              <a:schemeClr val="accent1"/>
+            </a:fillRef>
+            <a:effectRef idx="0">
+              <a:schemeClr val="accent1"/>
+            </a:effectRef>
+            <a:fontRef idx="minor">
+              <a:schemeClr val="lt1"/>
+            </a:fontRef>
+          </p:style>
+          <p:txBody>
+            <a:bodyPr rtlCol="0" anchor="ctr"/>
+            <a:lstStyle/>
+            <a:p>
+              <a:pPr algn="r"/>
+              <a:endParaRPr lang="en-US"/>
+            </a:p>
+          </p:txBody>
+        </p:sp>
+      </p:grpSp>
       <p:sp>
         <p:nvSpPr>
           <p:cNvPr id="2" name="Tytuł 1">
@@ -4041,21 +4699,25 @@
         </p:nvSpPr>
         <p:spPr>
           <a:xfrm>
-            <a:off x="966952" y="1204108"/>
-            <a:ext cx="2669406" cy="1781175"/>
+            <a:off x="1611630" y="5167418"/>
+            <a:ext cx="8949690" cy="702264"/>
           </a:xfrm>
         </p:spPr>
         <p:txBody>
-          <a:bodyPr>
+          <a:bodyPr vert="horz" lIns="91440" tIns="45720" rIns="91440" bIns="45720" rtlCol="0" anchor="b">
             <a:normAutofit/>
           </a:bodyPr>
           <a:lstStyle/>
           <a:p>
-            <a:r>
-              <a:rPr lang="pl-PL" sz="3200">
+            <a:pPr algn="ctr"/>
+            <a:r>
+              <a:rPr lang="en-US" sz="3600" kern="1200">
                 <a:solidFill>
                   <a:srgbClr val="FFFFFF"/>
                 </a:solidFill>
+                <a:latin typeface="+mj-lt"/>
+                <a:ea typeface="+mj-ea"/>
+                <a:cs typeface="+mj-cs"/>
               </a:rPr>
               <a:t>Podpis cyfrowy - działanie</a:t>
             </a:r>
@@ -4090,8 +4752,8 @@
         </p:blipFill>
         <p:spPr>
           <a:xfrm>
-            <a:off x="4893988" y="952500"/>
-            <a:ext cx="6439950" cy="4829963"/>
+            <a:off x="3499348" y="461527"/>
+            <a:ext cx="5193304" cy="3894978"/>
           </a:xfrm>
           <a:prstGeom prst="rect">
             <a:avLst/>
@@ -4114,6 +4776,14 @@
 <file path=ppt/slides/slide11.xml><?xml version="1.0" encoding="utf-8"?>
 <p:sld xmlns:a="http://schemas.openxmlformats.org/drawingml/2006/main" xmlns:r="http://schemas.openxmlformats.org/officeDocument/2006/relationships" xmlns:p="http://schemas.openxmlformats.org/presentationml/2006/main">
   <p:cSld>
+    <p:bg>
+      <p:bgPr>
+        <a:solidFill>
+          <a:schemeClr val="bg1"/>
+        </a:solidFill>
+        <a:effectLst/>
+      </p:bgPr>
+    </p:bg>
     <p:spTree>
       <p:nvGrpSpPr>
         <p:cNvPr id="1" name=""/>
@@ -4128,6 +4798,258 @@
           <a:chExt cx="0" cy="0"/>
         </a:xfrm>
       </p:grpSpPr>
+      <p:grpSp>
+        <p:nvGrpSpPr>
+          <p:cNvPr id="8" name="Group 7">
+            <a:extLst>
+              <a:ext uri="{FF2B5EF4-FFF2-40B4-BE49-F238E27FC236}">
+                <a16:creationId xmlns:a16="http://schemas.microsoft.com/office/drawing/2014/main" id="{8DD77349-6ADE-99FE-8E04-12919EE56F9C}"/>
+              </a:ext>
+              <a:ext uri="{C183D7F6-B498-43B3-948B-1728B52AA6E4}">
+                <adec:decorative xmlns:adec="http://schemas.microsoft.com/office/drawing/2017/decorative" val="1"/>
+              </a:ext>
+            </a:extLst>
+          </p:cNvPr>
+          <p:cNvGrpSpPr>
+            <a:grpSpLocks noGrp="1" noUngrp="1" noRot="1" noChangeAspect="1" noMove="1" noResize="1"/>
+          </p:cNvGrpSpPr>
+          <p:nvPr>
+            <p:extLst>
+              <p:ext uri="{386F3935-93C4-4BCD-93E2-E3B085C9AB24}">
+                <p16:designElem xmlns:p16="http://schemas.microsoft.com/office/powerpoint/2015/main" val="1"/>
+              </p:ext>
+            </p:extLst>
+          </p:nvPr>
+        </p:nvGrpSpPr>
+        <p:grpSpPr>
+          <a:xfrm>
+            <a:off x="-1" y="-29768"/>
+            <a:ext cx="12202175" cy="1519356"/>
+            <a:chOff x="-1" y="-29768"/>
+            <a:chExt cx="12202175" cy="1519356"/>
+          </a:xfrm>
+        </p:grpSpPr>
+        <p:sp>
+          <p:nvSpPr>
+            <p:cNvPr id="9" name="Rectangle 8">
+              <a:extLst>
+                <a:ext uri="{FF2B5EF4-FFF2-40B4-BE49-F238E27FC236}">
+                  <a16:creationId xmlns:a16="http://schemas.microsoft.com/office/drawing/2014/main" id="{D5B2B92C-44DF-B41D-C67A-EBF175DF52C7}"/>
+                </a:ext>
+                <a:ext uri="{C183D7F6-B498-43B3-948B-1728B52AA6E4}">
+                  <adec:decorative xmlns:adec="http://schemas.microsoft.com/office/drawing/2017/decorative" val="1"/>
+                </a:ext>
+              </a:extLst>
+            </p:cNvPr>
+            <p:cNvSpPr/>
+            <p:nvPr>
+              <p:extLst>
+                <p:ext uri="{386F3935-93C4-4BCD-93E2-E3B085C9AB24}">
+                  <p16:designElem xmlns:p16="http://schemas.microsoft.com/office/powerpoint/2015/main" val="1"/>
+                </p:ext>
+              </p:extLst>
+            </p:nvPr>
+          </p:nvSpPr>
+          <p:spPr>
+            <a:xfrm rot="16200000">
+              <a:off x="5341412" y="-5371175"/>
+              <a:ext cx="1519350" cy="12202174"/>
+            </a:xfrm>
+            <a:prstGeom prst="rect">
+              <a:avLst/>
+            </a:prstGeom>
+            <a:gradFill>
+              <a:gsLst>
+                <a:gs pos="0">
+                  <a:schemeClr val="accent5"/>
+                </a:gs>
+                <a:gs pos="100000">
+                  <a:schemeClr val="accent2"/>
+                </a:gs>
+              </a:gsLst>
+              <a:lin ang="10200000" scaled="0"/>
+            </a:gradFill>
+            <a:ln>
+              <a:noFill/>
+            </a:ln>
+          </p:spPr>
+          <p:style>
+            <a:lnRef idx="2">
+              <a:schemeClr val="accent1">
+                <a:shade val="50000"/>
+              </a:schemeClr>
+            </a:lnRef>
+            <a:fillRef idx="1">
+              <a:schemeClr val="accent1"/>
+            </a:fillRef>
+            <a:effectRef idx="0">
+              <a:schemeClr val="accent1"/>
+            </a:effectRef>
+            <a:fontRef idx="minor">
+              <a:schemeClr val="lt1"/>
+            </a:fontRef>
+          </p:style>
+          <p:txBody>
+            <a:bodyPr rtlCol="0" anchor="ctr"/>
+            <a:lstStyle/>
+            <a:p>
+              <a:pPr algn="ctr"/>
+              <a:endParaRPr lang="en-US"/>
+            </a:p>
+          </p:txBody>
+        </p:sp>
+        <p:sp>
+          <p:nvSpPr>
+            <p:cNvPr id="10" name="Rectangle 9">
+              <a:extLst>
+                <a:ext uri="{FF2B5EF4-FFF2-40B4-BE49-F238E27FC236}">
+                  <a16:creationId xmlns:a16="http://schemas.microsoft.com/office/drawing/2014/main" id="{341EB2F1-D26A-D7C9-E9AC-B63BE629A294}"/>
+                </a:ext>
+                <a:ext uri="{C183D7F6-B498-43B3-948B-1728B52AA6E4}">
+                  <adec:decorative xmlns:adec="http://schemas.microsoft.com/office/drawing/2017/decorative" val="1"/>
+                </a:ext>
+              </a:extLst>
+            </p:cNvPr>
+            <p:cNvSpPr/>
+            <p:nvPr>
+              <p:extLst>
+                <p:ext uri="{386F3935-93C4-4BCD-93E2-E3B085C9AB24}">
+                  <p16:designElem xmlns:p16="http://schemas.microsoft.com/office/powerpoint/2015/main" val="1"/>
+                </p:ext>
+              </p:extLst>
+            </p:nvPr>
+          </p:nvSpPr>
+          <p:spPr>
+            <a:xfrm rot="16200000">
+              <a:off x="8917093" y="-1801610"/>
+              <a:ext cx="1507122" cy="5063040"/>
+            </a:xfrm>
+            <a:prstGeom prst="rect">
+              <a:avLst/>
+            </a:prstGeom>
+            <a:gradFill>
+              <a:gsLst>
+                <a:gs pos="59000">
+                  <a:schemeClr val="accent5">
+                    <a:lumMod val="60000"/>
+                    <a:lumOff val="40000"/>
+                    <a:alpha val="0"/>
+                  </a:schemeClr>
+                </a:gs>
+                <a:gs pos="100000">
+                  <a:schemeClr val="accent5">
+                    <a:lumMod val="60000"/>
+                    <a:lumOff val="40000"/>
+                  </a:schemeClr>
+                </a:gs>
+              </a:gsLst>
+              <a:lin ang="1200000" scaled="0"/>
+            </a:gradFill>
+            <a:ln>
+              <a:noFill/>
+            </a:ln>
+          </p:spPr>
+          <p:style>
+            <a:lnRef idx="2">
+              <a:schemeClr val="accent1">
+                <a:shade val="50000"/>
+              </a:schemeClr>
+            </a:lnRef>
+            <a:fillRef idx="1">
+              <a:schemeClr val="accent1"/>
+            </a:fillRef>
+            <a:effectRef idx="0">
+              <a:schemeClr val="accent1"/>
+            </a:effectRef>
+            <a:fontRef idx="minor">
+              <a:schemeClr val="lt1"/>
+            </a:fontRef>
+          </p:style>
+          <p:txBody>
+            <a:bodyPr rtlCol="0" anchor="ctr"/>
+            <a:lstStyle/>
+            <a:p>
+              <a:pPr algn="ctr"/>
+              <a:endParaRPr lang="en-US"/>
+            </a:p>
+          </p:txBody>
+        </p:sp>
+        <p:sp>
+          <p:nvSpPr>
+            <p:cNvPr id="11" name="Rectangle 10">
+              <a:extLst>
+                <a:ext uri="{FF2B5EF4-FFF2-40B4-BE49-F238E27FC236}">
+                  <a16:creationId xmlns:a16="http://schemas.microsoft.com/office/drawing/2014/main" id="{96D16430-53D3-47E5-F4B8-B441E710D48B}"/>
+                </a:ext>
+                <a:ext uri="{C183D7F6-B498-43B3-948B-1728B52AA6E4}">
+                  <adec:decorative xmlns:adec="http://schemas.microsoft.com/office/drawing/2017/decorative" val="1"/>
+                </a:ext>
+              </a:extLst>
+            </p:cNvPr>
+            <p:cNvSpPr/>
+            <p:nvPr>
+              <p:extLst>
+                <p:ext uri="{386F3935-93C4-4BCD-93E2-E3B085C9AB24}">
+                  <p16:designElem xmlns:p16="http://schemas.microsoft.com/office/powerpoint/2015/main" val="1"/>
+                </p:ext>
+              </p:extLst>
+            </p:nvPr>
+          </p:nvSpPr>
+          <p:spPr>
+            <a:xfrm rot="5400000">
+              <a:off x="3100712" y="-3130481"/>
+              <a:ext cx="1519356" cy="7720782"/>
+            </a:xfrm>
+            <a:prstGeom prst="rect">
+              <a:avLst/>
+            </a:prstGeom>
+            <a:gradFill>
+              <a:gsLst>
+                <a:gs pos="29000">
+                  <a:schemeClr val="accent5">
+                    <a:lumMod val="60000"/>
+                    <a:lumOff val="40000"/>
+                    <a:alpha val="0"/>
+                  </a:schemeClr>
+                </a:gs>
+                <a:gs pos="100000">
+                  <a:schemeClr val="accent5">
+                    <a:lumMod val="75000"/>
+                  </a:schemeClr>
+                </a:gs>
+              </a:gsLst>
+              <a:lin ang="1200000" scaled="0"/>
+            </a:gradFill>
+            <a:ln>
+              <a:noFill/>
+            </a:ln>
+          </p:spPr>
+          <p:style>
+            <a:lnRef idx="2">
+              <a:schemeClr val="accent1">
+                <a:shade val="50000"/>
+              </a:schemeClr>
+            </a:lnRef>
+            <a:fillRef idx="1">
+              <a:schemeClr val="accent1"/>
+            </a:fillRef>
+            <a:effectRef idx="0">
+              <a:schemeClr val="accent1"/>
+            </a:effectRef>
+            <a:fontRef idx="minor">
+              <a:schemeClr val="lt1"/>
+            </a:fontRef>
+          </p:style>
+          <p:txBody>
+            <a:bodyPr rtlCol="0" anchor="ctr"/>
+            <a:lstStyle/>
+            <a:p>
+              <a:pPr algn="ctr"/>
+              <a:endParaRPr lang="en-US"/>
+            </a:p>
+          </p:txBody>
+        </p:sp>
+      </p:grpSp>
       <p:sp>
         <p:nvSpPr>
           <p:cNvPr id="2" name="Tytuł 1">
@@ -4144,13 +5066,24 @@
             <p:ph type="title"/>
           </p:nvPr>
         </p:nvSpPr>
-        <p:spPr/>
-        <p:txBody>
-          <a:bodyPr/>
+        <p:spPr>
+          <a:xfrm>
+            <a:off x="876691" y="301843"/>
+            <a:ext cx="10477109" cy="1003532"/>
+          </a:xfrm>
+        </p:spPr>
+        <p:txBody>
+          <a:bodyPr anchor="ctr">
+            <a:normAutofit/>
+          </a:bodyPr>
           <a:lstStyle/>
           <a:p>
             <a:r>
-              <a:rPr lang="pl-PL" dirty="0"/>
+              <a:rPr lang="pl-PL" sz="3200">
+                <a:solidFill>
+                  <a:srgbClr val="FFFFFF"/>
+                </a:solidFill>
+              </a:rPr>
               <a:t>Źródła</a:t>
             </a:r>
           </a:p>
@@ -4172,66 +5105,91 @@
             <p:ph idx="1"/>
           </p:nvPr>
         </p:nvSpPr>
-        <p:spPr/>
-        <p:txBody>
-          <a:bodyPr/>
+        <p:spPr>
+          <a:xfrm>
+            <a:off x="876692" y="2308124"/>
+            <a:ext cx="10967780" cy="3673576"/>
+          </a:xfrm>
+        </p:spPr>
+        <p:txBody>
+          <a:bodyPr anchor="ctr">
+            <a:normAutofit/>
+          </a:bodyPr>
           <a:lstStyle/>
           <a:p>
-            <a:r>
-              <a:rPr lang="pl-PL" dirty="0">
+            <a:pPr marL="0" indent="0">
+              <a:spcAft>
+                <a:spcPts val="1200"/>
+              </a:spcAft>
+              <a:buNone/>
+            </a:pPr>
+            <a:r>
+              <a:rPr lang="pl-PL" sz="2000" dirty="0">
                 <a:hlinkClick r:id="rId2"/>
               </a:rPr>
               <a:t>https://pl.wikipedia.org/wiki/Plik:Asymmetric_cryptography_-_step_1.svg</a:t>
             </a:r>
-            <a:endParaRPr lang="pl-PL" dirty="0"/>
-          </a:p>
-          <a:p>
-            <a:r>
-              <a:rPr lang="pl-PL" dirty="0">
+            <a:endParaRPr lang="pl-PL" sz="2000" dirty="0"/>
+          </a:p>
+          <a:p>
+            <a:pPr marL="0" indent="0">
+              <a:spcAft>
+                <a:spcPts val="1200"/>
+              </a:spcAft>
+              <a:buNone/>
+            </a:pPr>
+            <a:r>
+              <a:rPr lang="pl-PL" sz="2000" dirty="0">
                 <a:hlinkClick r:id="rId3"/>
               </a:rPr>
               <a:t>https://pl.wikipedia.org/wiki/Plik:Asymmetric_cryptography_-_step_2.svg</a:t>
             </a:r>
-            <a:endParaRPr lang="pl-PL" dirty="0"/>
-          </a:p>
-          <a:p>
-            <a:r>
-              <a:rPr lang="pl-PL" dirty="0">
+            <a:endParaRPr lang="pl-PL" sz="2000" dirty="0"/>
+          </a:p>
+          <a:p>
+            <a:pPr marL="0" indent="0">
+              <a:spcAft>
+                <a:spcPts val="1200"/>
+              </a:spcAft>
+              <a:buNone/>
+            </a:pPr>
+            <a:r>
+              <a:rPr lang="pl-PL" sz="2000" dirty="0">
                 <a:hlinkClick r:id="rId4"/>
               </a:rPr>
               <a:t>https://pl.wikipedia.org/wiki/RSA_(kryptografia)</a:t>
             </a:r>
-            <a:endParaRPr lang="pl-PL" dirty="0"/>
-          </a:p>
-          <a:p>
-            <a:r>
-              <a:rPr lang="pl-PL" dirty="0">
+            <a:endParaRPr lang="pl-PL" sz="2000" dirty="0"/>
+          </a:p>
+          <a:p>
+            <a:pPr marL="0" indent="0">
+              <a:spcAft>
+                <a:spcPts val="1200"/>
+              </a:spcAft>
+              <a:buNone/>
+            </a:pPr>
+            <a:r>
+              <a:rPr lang="pl-PL" sz="2000" dirty="0">
                 <a:hlinkClick r:id="rId5"/>
               </a:rPr>
               <a:t>https://pl.wikipedia.org/wiki/Kryptografia_klucza_publicznego</a:t>
             </a:r>
-            <a:endParaRPr lang="pl-PL" dirty="0"/>
-          </a:p>
-          <a:p>
-            <a:r>
-              <a:rPr lang="pl-PL" dirty="0">
+            <a:endParaRPr lang="pl-PL" sz="2000" dirty="0"/>
+          </a:p>
+          <a:p>
+            <a:pPr marL="0" indent="0">
+              <a:spcAft>
+                <a:spcPts val="1200"/>
+              </a:spcAft>
+              <a:buNone/>
+            </a:pPr>
+            <a:r>
+              <a:rPr lang="pl-PL" sz="2000" dirty="0">
                 <a:hlinkClick r:id="rId6"/>
               </a:rPr>
               <a:t>https://upload.wikimedia.org/wikipedia/commons/2/2b/Digital_Signature_diagram.svg</a:t>
             </a:r>
-            <a:endParaRPr lang="pl-PL" dirty="0"/>
-          </a:p>
-          <a:p>
-            <a:endParaRPr lang="pl-PL" dirty="0"/>
-          </a:p>
-          <a:p>
-            <a:endParaRPr lang="pl-PL" dirty="0"/>
-          </a:p>
-          <a:p>
-            <a:endParaRPr lang="pl-PL" dirty="0"/>
-          </a:p>
-          <a:p>
-            <a:endParaRPr lang="pl-PL" dirty="0"/>
+            <a:endParaRPr lang="pl-PL" sz="2000" dirty="0"/>
           </a:p>
         </p:txBody>
       </p:sp>
@@ -4251,6 +5209,14 @@
 <file path=ppt/slides/slide2.xml><?xml version="1.0" encoding="utf-8"?>
 <p:sld xmlns:a="http://schemas.openxmlformats.org/drawingml/2006/main" xmlns:r="http://schemas.openxmlformats.org/officeDocument/2006/relationships" xmlns:p="http://schemas.openxmlformats.org/presentationml/2006/main">
   <p:cSld>
+    <p:bg>
+      <p:bgPr>
+        <a:solidFill>
+          <a:schemeClr val="bg1"/>
+        </a:solidFill>
+        <a:effectLst/>
+      </p:bgPr>
+    </p:bg>
     <p:spTree>
       <p:nvGrpSpPr>
         <p:cNvPr id="1" name=""/>
@@ -4265,6 +5231,162 @@
           <a:chExt cx="0" cy="0"/>
         </a:xfrm>
       </p:grpSpPr>
+      <p:sp useBgFill="1">
+        <p:nvSpPr>
+          <p:cNvPr id="9" name="Slide Background">
+            <a:extLst>
+              <a:ext uri="{FF2B5EF4-FFF2-40B4-BE49-F238E27FC236}">
+                <a16:creationId xmlns:a16="http://schemas.microsoft.com/office/drawing/2014/main" id="{3ECBE1F1-D69B-4AFA-ABD5-8E41720EF6DE}"/>
+              </a:ext>
+              <a:ext uri="{C183D7F6-B498-43B3-948B-1728B52AA6E4}">
+                <adec:decorative xmlns:adec="http://schemas.microsoft.com/office/drawing/2017/decorative" val="1"/>
+              </a:ext>
+            </a:extLst>
+          </p:cNvPr>
+          <p:cNvSpPr>
+            <a:spLocks noGrp="1" noRot="1" noChangeAspect="1" noMove="1" noResize="1" noEditPoints="1" noAdjustHandles="1" noChangeArrowheads="1" noChangeShapeType="1" noTextEdit="1"/>
+          </p:cNvSpPr>
+          <p:nvPr>
+            <p:extLst>
+              <p:ext uri="{386F3935-93C4-4BCD-93E2-E3B085C9AB24}">
+                <p16:designElem xmlns:p16="http://schemas.microsoft.com/office/powerpoint/2015/main" val="1"/>
+              </p:ext>
+            </p:extLst>
+          </p:nvPr>
+        </p:nvSpPr>
+        <p:spPr>
+          <a:xfrm>
+            <a:off x="0" y="0"/>
+            <a:ext cx="12192000" cy="6858000"/>
+          </a:xfrm>
+          <a:prstGeom prst="rect">
+            <a:avLst/>
+          </a:prstGeom>
+          <a:ln>
+            <a:noFill/>
+          </a:ln>
+        </p:spPr>
+        <p:style>
+          <a:lnRef idx="2">
+            <a:schemeClr val="accent1">
+              <a:shade val="50000"/>
+            </a:schemeClr>
+          </a:lnRef>
+          <a:fillRef idx="1">
+            <a:schemeClr val="accent1"/>
+          </a:fillRef>
+          <a:effectRef idx="0">
+            <a:schemeClr val="accent1"/>
+          </a:effectRef>
+          <a:fontRef idx="minor">
+            <a:schemeClr val="lt1"/>
+          </a:fontRef>
+        </p:style>
+        <p:txBody>
+          <a:bodyPr rtlCol="0" anchor="ctr"/>
+          <a:lstStyle/>
+          <a:p>
+            <a:pPr algn="ctr"/>
+            <a:endParaRPr lang="en-US"/>
+          </a:p>
+        </p:txBody>
+      </p:sp>
+      <p:pic>
+        <p:nvPicPr>
+          <p:cNvPr id="5" name="Picture 4" descr="Kłódka z sercem zakochanych">
+            <a:extLst>
+              <a:ext uri="{FF2B5EF4-FFF2-40B4-BE49-F238E27FC236}">
+                <a16:creationId xmlns:a16="http://schemas.microsoft.com/office/drawing/2014/main" id="{DD6EFF6A-2241-442B-5140-42D0E9FC888F}"/>
+              </a:ext>
+            </a:extLst>
+          </p:cNvPr>
+          <p:cNvPicPr>
+            <a:picLocks noChangeAspect="1"/>
+          </p:cNvPicPr>
+          <p:nvPr/>
+        </p:nvPicPr>
+        <p:blipFill rotWithShape="1">
+          <a:blip r:embed="rId2"/>
+          <a:srcRect l="28087" r="27538"/>
+          <a:stretch/>
+        </p:blipFill>
+        <p:spPr>
+          <a:xfrm>
+            <a:off x="-1" y="-2"/>
+            <a:ext cx="5410198" cy="6858002"/>
+          </a:xfrm>
+          <a:prstGeom prst="rect">
+            <a:avLst/>
+          </a:prstGeom>
+        </p:spPr>
+      </p:pic>
+      <p:sp useBgFill="1">
+        <p:nvSpPr>
+          <p:cNvPr id="11" name="Rectangle 10">
+            <a:extLst>
+              <a:ext uri="{FF2B5EF4-FFF2-40B4-BE49-F238E27FC236}">
+                <a16:creationId xmlns:a16="http://schemas.microsoft.com/office/drawing/2014/main" id="{603A6265-E10C-4B85-9C20-E75FCAF9CC63}"/>
+              </a:ext>
+              <a:ext uri="{C183D7F6-B498-43B3-948B-1728B52AA6E4}">
+                <adec:decorative xmlns:adec="http://schemas.microsoft.com/office/drawing/2017/decorative" val="1"/>
+              </a:ext>
+            </a:extLst>
+          </p:cNvPr>
+          <p:cNvSpPr>
+            <a:spLocks noGrp="1" noRot="1" noChangeAspect="1" noMove="1" noResize="1" noEditPoints="1" noAdjustHandles="1" noChangeArrowheads="1" noChangeShapeType="1" noTextEdit="1"/>
+          </p:cNvSpPr>
+          <p:nvPr>
+            <p:extLst>
+              <p:ext uri="{386F3935-93C4-4BCD-93E2-E3B085C9AB24}">
+                <p16:designElem xmlns:p16="http://schemas.microsoft.com/office/powerpoint/2015/main" val="1"/>
+              </p:ext>
+            </p:extLst>
+          </p:nvPr>
+        </p:nvSpPr>
+        <p:spPr>
+          <a:xfrm>
+            <a:off x="5410197" y="-1"/>
+            <a:ext cx="6781802" cy="2286000"/>
+          </a:xfrm>
+          <a:prstGeom prst="rect">
+            <a:avLst/>
+          </a:prstGeom>
+          <a:ln>
+            <a:noFill/>
+          </a:ln>
+          <a:effectLst>
+            <a:outerShdw blurRad="355600" dist="152400" sx="95000" sy="95000" algn="t" rotWithShape="0">
+              <a:srgbClr val="000000">
+                <a:alpha val="29000"/>
+              </a:srgbClr>
+            </a:outerShdw>
+          </a:effectLst>
+        </p:spPr>
+        <p:style>
+          <a:lnRef idx="2">
+            <a:schemeClr val="accent1">
+              <a:shade val="50000"/>
+            </a:schemeClr>
+          </a:lnRef>
+          <a:fillRef idx="1">
+            <a:schemeClr val="accent1"/>
+          </a:fillRef>
+          <a:effectRef idx="0">
+            <a:schemeClr val="accent1"/>
+          </a:effectRef>
+          <a:fontRef idx="minor">
+            <a:schemeClr val="lt1"/>
+          </a:fontRef>
+        </p:style>
+        <p:txBody>
+          <a:bodyPr rtlCol="0" anchor="ctr"/>
+          <a:lstStyle/>
+          <a:p>
+            <a:pPr algn="ctr"/>
+            <a:endParaRPr lang="en-US"/>
+          </a:p>
+        </p:txBody>
+      </p:sp>
       <p:sp>
         <p:nvSpPr>
           <p:cNvPr id="2" name="Tytuł 1">
@@ -4281,13 +5403,20 @@
             <p:ph type="title"/>
           </p:nvPr>
         </p:nvSpPr>
-        <p:spPr/>
-        <p:txBody>
-          <a:bodyPr/>
+        <p:spPr>
+          <a:xfrm>
+            <a:off x="6115317" y="405685"/>
+            <a:ext cx="5464968" cy="1559301"/>
+          </a:xfrm>
+        </p:spPr>
+        <p:txBody>
+          <a:bodyPr>
+            <a:normAutofit/>
+          </a:bodyPr>
           <a:lstStyle/>
           <a:p>
             <a:r>
-              <a:rPr lang="pl-PL" dirty="0"/>
+              <a:rPr lang="pl-PL" sz="4000"/>
               <a:t>Opis</a:t>
             </a:r>
           </a:p>
@@ -4309,56 +5438,55 @@
             <p:ph idx="1"/>
           </p:nvPr>
         </p:nvSpPr>
-        <p:spPr/>
-        <p:txBody>
-          <a:bodyPr/>
+        <p:spPr>
+          <a:xfrm>
+            <a:off x="6115317" y="2743200"/>
+            <a:ext cx="5247340" cy="3496878"/>
+          </a:xfrm>
+        </p:spPr>
+        <p:txBody>
+          <a:bodyPr anchor="ctr">
+            <a:normAutofit/>
+          </a:bodyPr>
           <a:lstStyle/>
           <a:p>
             <a:r>
-              <a:rPr lang="pl-PL" dirty="0"/>
+              <a:rPr lang="pl-PL" sz="2000"/>
               <a:t>Kryptografia klucza publicznego</a:t>
             </a:r>
           </a:p>
           <a:p>
             <a:r>
-              <a:rPr lang="pl-PL" dirty="0"/>
+              <a:rPr lang="pl-PL" sz="2000"/>
               <a:t>Używane są dwa (lub więcej), powiązane ze sobą klucze</a:t>
             </a:r>
           </a:p>
           <a:p>
             <a:r>
-              <a:rPr lang="pl-PL" dirty="0"/>
+              <a:rPr lang="pl-PL" sz="2000"/>
               <a:t>Klucz prywatny i publiczny</a:t>
             </a:r>
           </a:p>
           <a:p>
             <a:r>
-              <a:rPr lang="pl-PL" dirty="0"/>
+              <a:rPr lang="pl-PL" sz="2000"/>
               <a:t>Klucz publiczny może być udostępniany bez utraty bezpieczeństwa danych</a:t>
             </a:r>
           </a:p>
           <a:p>
             <a:r>
-              <a:rPr lang="pl-PL" dirty="0"/>
-              <a:t>Algorytmy: RSA, </a:t>
-            </a:r>
-            <a:r>
-              <a:rPr lang="pl-PL" dirty="0" err="1"/>
-              <a:t>ElGamal</a:t>
-            </a:r>
-            <a:r>
-              <a:rPr lang="pl-PL" dirty="0"/>
-              <a:t>, DSA, ECC…</a:t>
-            </a:r>
-          </a:p>
-          <a:p>
-            <a:r>
-              <a:rPr lang="pl-PL" dirty="0"/>
+              <a:rPr lang="pl-PL" sz="2000"/>
+              <a:t>Algorytmy: RSA, ElGamal, DSA, ECC…</a:t>
+            </a:r>
+          </a:p>
+          <a:p>
+            <a:r>
+              <a:rPr lang="pl-PL" sz="2000"/>
               <a:t>Wykorzystywane także w podpisach cyfrowych</a:t>
             </a:r>
           </a:p>
           <a:p>
-            <a:endParaRPr lang="pl-PL" dirty="0"/>
+            <a:endParaRPr lang="pl-PL" sz="2000"/>
           </a:p>
         </p:txBody>
       </p:sp>
@@ -4721,6 +5849,14 @@
 <file path=ppt/slides/slide4.xml><?xml version="1.0" encoding="utf-8"?>
 <p:sld xmlns:a="http://schemas.openxmlformats.org/drawingml/2006/main" xmlns:r="http://schemas.openxmlformats.org/officeDocument/2006/relationships" xmlns:p="http://schemas.openxmlformats.org/presentationml/2006/main">
   <p:cSld>
+    <p:bg>
+      <p:bgPr>
+        <a:solidFill>
+          <a:schemeClr val="bg1"/>
+        </a:solidFill>
+        <a:effectLst/>
+      </p:bgPr>
+    </p:bg>
     <p:spTree>
       <p:nvGrpSpPr>
         <p:cNvPr id="1" name=""/>
@@ -4751,13 +5887,20 @@
             <p:ph type="title"/>
           </p:nvPr>
         </p:nvSpPr>
-        <p:spPr/>
-        <p:txBody>
-          <a:bodyPr/>
+        <p:spPr>
+          <a:xfrm>
+            <a:off x="876693" y="741391"/>
+            <a:ext cx="4355265" cy="1616203"/>
+          </a:xfrm>
+        </p:spPr>
+        <p:txBody>
+          <a:bodyPr anchor="b">
+            <a:normAutofit/>
+          </a:bodyPr>
           <a:lstStyle/>
           <a:p>
             <a:r>
-              <a:rPr lang="pl-PL" dirty="0"/>
+              <a:rPr lang="pl-PL" sz="3200" dirty="0"/>
               <a:t>RSA</a:t>
             </a:r>
           </a:p>
@@ -4779,35 +5922,402 @@
             <p:ph idx="1"/>
           </p:nvPr>
         </p:nvSpPr>
-        <p:spPr/>
-        <p:txBody>
-          <a:bodyPr/>
+        <p:spPr>
+          <a:xfrm>
+            <a:off x="876692" y="2533476"/>
+            <a:ext cx="5028452" cy="3447832"/>
+          </a:xfrm>
+        </p:spPr>
+        <p:txBody>
+          <a:bodyPr anchor="ctr">
+            <a:normAutofit/>
+          </a:bodyPr>
           <a:lstStyle/>
           <a:p>
-            <a:r>
-              <a:rPr lang="pl-PL" dirty="0"/>
+            <a:pPr>
+              <a:spcAft>
+                <a:spcPts val="1200"/>
+              </a:spcAft>
+            </a:pPr>
+            <a:r>
+              <a:rPr lang="pl-PL" sz="2000" dirty="0"/>
               <a:t>Algorytm </a:t>
             </a:r>
             <a:r>
-              <a:rPr lang="pl-PL" dirty="0" err="1"/>
+              <a:rPr lang="pl-PL" sz="2000" dirty="0" err="1"/>
               <a:t>Rivesta-Shamira-Adlemana</a:t>
             </a:r>
-            <a:endParaRPr lang="pl-PL" dirty="0"/>
-          </a:p>
-          <a:p>
-            <a:r>
-              <a:rPr lang="pl-PL" dirty="0"/>
+            <a:endParaRPr lang="pl-PL" sz="2000" dirty="0"/>
+          </a:p>
+          <a:p>
+            <a:pPr>
+              <a:spcAft>
+                <a:spcPts val="1200"/>
+              </a:spcAft>
+            </a:pPr>
+            <a:r>
+              <a:rPr lang="pl-PL" sz="2000" dirty="0"/>
               <a:t>Zaprojektowany w 1977r.</a:t>
             </a:r>
           </a:p>
           <a:p>
-            <a:r>
-              <a:rPr lang="pl-PL" dirty="0"/>
+            <a:pPr>
+              <a:spcAft>
+                <a:spcPts val="1200"/>
+              </a:spcAft>
+            </a:pPr>
+            <a:r>
+              <a:rPr lang="pl-PL" sz="2000" dirty="0"/>
               <a:t>Jeden z najpopularniejszych asymetrycznych algorytmów kryptograficznych</a:t>
             </a:r>
           </a:p>
           <a:p>
-            <a:endParaRPr lang="pl-PL" dirty="0"/>
+            <a:endParaRPr lang="pl-PL" sz="2000" dirty="0"/>
+          </a:p>
+        </p:txBody>
+      </p:sp>
+      <p:pic>
+        <p:nvPicPr>
+          <p:cNvPr id="5" name="Picture 4" descr="Formuły na tle">
+            <a:extLst>
+              <a:ext uri="{FF2B5EF4-FFF2-40B4-BE49-F238E27FC236}">
+                <a16:creationId xmlns:a16="http://schemas.microsoft.com/office/drawing/2014/main" id="{61C08C71-8020-5C0B-63AA-5D0E196AB5C9}"/>
+              </a:ext>
+            </a:extLst>
+          </p:cNvPr>
+          <p:cNvPicPr>
+            <a:picLocks noChangeAspect="1"/>
+          </p:cNvPicPr>
+          <p:nvPr/>
+        </p:nvPicPr>
+        <p:blipFill rotWithShape="1">
+          <a:blip r:embed="rId2"/>
+          <a:srcRect l="11105" r="22228"/>
+          <a:stretch/>
+        </p:blipFill>
+        <p:spPr>
+          <a:xfrm>
+            <a:off x="6096000" y="10"/>
+            <a:ext cx="6095999" cy="6857990"/>
+          </a:xfrm>
+          <a:prstGeom prst="rect">
+            <a:avLst/>
+          </a:prstGeom>
+        </p:spPr>
+      </p:pic>
+      <p:sp>
+        <p:nvSpPr>
+          <p:cNvPr id="19" name="Rectangle 18">
+            <a:extLst>
+              <a:ext uri="{FF2B5EF4-FFF2-40B4-BE49-F238E27FC236}">
+                <a16:creationId xmlns:a16="http://schemas.microsoft.com/office/drawing/2014/main" id="{AE3A741D-C19B-960A-5803-1C5887147820}"/>
+              </a:ext>
+              <a:ext uri="{C183D7F6-B498-43B3-948B-1728B52AA6E4}">
+                <adec:decorative xmlns:adec="http://schemas.microsoft.com/office/drawing/2017/decorative" val="1"/>
+              </a:ext>
+            </a:extLst>
+          </p:cNvPr>
+          <p:cNvSpPr>
+            <a:spLocks noGrp="1" noRot="1" noChangeAspect="1" noMove="1" noResize="1" noEditPoints="1" noAdjustHandles="1" noChangeArrowheads="1" noChangeShapeType="1" noTextEdit="1"/>
+          </p:cNvSpPr>
+          <p:nvPr>
+            <p:extLst>
+              <p:ext uri="{386F3935-93C4-4BCD-93E2-E3B085C9AB24}">
+                <p16:designElem xmlns:p16="http://schemas.microsoft.com/office/powerpoint/2015/main" val="1"/>
+              </p:ext>
+            </p:extLst>
+          </p:nvPr>
+        </p:nvSpPr>
+        <p:spPr>
+          <a:xfrm rot="5400000">
+            <a:off x="8369424" y="3028872"/>
+            <a:ext cx="1559464" cy="6106313"/>
+          </a:xfrm>
+          <a:prstGeom prst="rect">
+            <a:avLst/>
+          </a:prstGeom>
+          <a:gradFill>
+            <a:gsLst>
+              <a:gs pos="0">
+                <a:schemeClr val="accent5">
+                  <a:alpha val="77000"/>
+                </a:schemeClr>
+              </a:gs>
+              <a:gs pos="57000">
+                <a:schemeClr val="accent5">
+                  <a:lumMod val="60000"/>
+                  <a:lumOff val="40000"/>
+                  <a:alpha val="0"/>
+                </a:schemeClr>
+              </a:gs>
+            </a:gsLst>
+            <a:lin ang="11100000" scaled="0"/>
+          </a:gradFill>
+          <a:ln>
+            <a:noFill/>
+          </a:ln>
+        </p:spPr>
+        <p:style>
+          <a:lnRef idx="2">
+            <a:schemeClr val="accent1">
+              <a:shade val="50000"/>
+            </a:schemeClr>
+          </a:lnRef>
+          <a:fillRef idx="1">
+            <a:schemeClr val="accent1"/>
+          </a:fillRef>
+          <a:effectRef idx="0">
+            <a:schemeClr val="accent1"/>
+          </a:effectRef>
+          <a:fontRef idx="minor">
+            <a:schemeClr val="lt1"/>
+          </a:fontRef>
+        </p:style>
+        <p:txBody>
+          <a:bodyPr rtlCol="0" anchor="ctr"/>
+          <a:lstStyle/>
+          <a:p>
+            <a:pPr algn="ctr"/>
+            <a:endParaRPr lang="en-US"/>
+          </a:p>
+        </p:txBody>
+      </p:sp>
+      <p:sp>
+        <p:nvSpPr>
+          <p:cNvPr id="21" name="Rectangle 20">
+            <a:extLst>
+              <a:ext uri="{FF2B5EF4-FFF2-40B4-BE49-F238E27FC236}">
+                <a16:creationId xmlns:a16="http://schemas.microsoft.com/office/drawing/2014/main" id="{9C3A50E9-9119-7BC3-083B-2D84CCC78E47}"/>
+              </a:ext>
+              <a:ext uri="{C183D7F6-B498-43B3-948B-1728B52AA6E4}">
+                <adec:decorative xmlns:adec="http://schemas.microsoft.com/office/drawing/2017/decorative" val="1"/>
+              </a:ext>
+            </a:extLst>
+          </p:cNvPr>
+          <p:cNvSpPr>
+            <a:spLocks noGrp="1" noRot="1" noChangeAspect="1" noMove="1" noResize="1" noEditPoints="1" noAdjustHandles="1" noChangeArrowheads="1" noChangeShapeType="1" noTextEdit="1"/>
+          </p:cNvSpPr>
+          <p:nvPr>
+            <p:extLst>
+              <p:ext uri="{386F3935-93C4-4BCD-93E2-E3B085C9AB24}">
+                <p16:designElem xmlns:p16="http://schemas.microsoft.com/office/powerpoint/2015/main" val="1"/>
+              </p:ext>
+            </p:extLst>
+          </p:nvPr>
+        </p:nvSpPr>
+        <p:spPr>
+          <a:xfrm>
+            <a:off x="10015441" y="-3760"/>
+            <a:ext cx="2176557" cy="6857999"/>
+          </a:xfrm>
+          <a:prstGeom prst="rect">
+            <a:avLst/>
+          </a:prstGeom>
+          <a:gradFill flip="none" rotWithShape="1">
+            <a:gsLst>
+              <a:gs pos="0">
+                <a:schemeClr val="accent2"/>
+              </a:gs>
+              <a:gs pos="40000">
+                <a:schemeClr val="accent2">
+                  <a:alpha val="0"/>
+                </a:schemeClr>
+              </a:gs>
+            </a:gsLst>
+            <a:lin ang="11400000" scaled="0"/>
+            <a:tileRect/>
+          </a:gradFill>
+          <a:ln>
+            <a:noFill/>
+          </a:ln>
+        </p:spPr>
+        <p:style>
+          <a:lnRef idx="2">
+            <a:schemeClr val="accent1">
+              <a:shade val="50000"/>
+            </a:schemeClr>
+          </a:lnRef>
+          <a:fillRef idx="1">
+            <a:schemeClr val="accent1"/>
+          </a:fillRef>
+          <a:effectRef idx="0">
+            <a:schemeClr val="accent1"/>
+          </a:effectRef>
+          <a:fontRef idx="minor">
+            <a:schemeClr val="lt1"/>
+          </a:fontRef>
+        </p:style>
+        <p:txBody>
+          <a:bodyPr rtlCol="0" anchor="ctr"/>
+          <a:lstStyle/>
+          <a:p>
+            <a:pPr algn="ctr"/>
+            <a:endParaRPr lang="en-US"/>
+          </a:p>
+        </p:txBody>
+      </p:sp>
+      <p:sp>
+        <p:nvSpPr>
+          <p:cNvPr id="23" name="Rectangle 22">
+            <a:extLst>
+              <a:ext uri="{FF2B5EF4-FFF2-40B4-BE49-F238E27FC236}">
+                <a16:creationId xmlns:a16="http://schemas.microsoft.com/office/drawing/2014/main" id="{DC39DE25-0E4E-0AA7-0932-1D78C2372786}"/>
+              </a:ext>
+              <a:ext uri="{C183D7F6-B498-43B3-948B-1728B52AA6E4}">
+                <adec:decorative xmlns:adec="http://schemas.microsoft.com/office/drawing/2017/decorative" val="1"/>
+              </a:ext>
+            </a:extLst>
+          </p:cNvPr>
+          <p:cNvSpPr>
+            <a:spLocks noGrp="1" noRot="1" noChangeAspect="1" noMove="1" noResize="1" noEditPoints="1" noAdjustHandles="1" noChangeArrowheads="1" noChangeShapeType="1" noTextEdit="1"/>
+          </p:cNvSpPr>
+          <p:nvPr>
+            <p:extLst>
+              <p:ext uri="{386F3935-93C4-4BCD-93E2-E3B085C9AB24}">
+                <p16:designElem xmlns:p16="http://schemas.microsoft.com/office/powerpoint/2015/main" val="1"/>
+              </p:ext>
+            </p:extLst>
+          </p:nvPr>
+        </p:nvSpPr>
+        <p:spPr>
+          <a:xfrm flipV="1">
+            <a:off x="6096000" y="5502302"/>
+            <a:ext cx="6106314" cy="1359456"/>
+          </a:xfrm>
+          <a:prstGeom prst="rect">
+            <a:avLst/>
+          </a:prstGeom>
+          <a:gradFill flip="none" rotWithShape="1">
+            <a:gsLst>
+              <a:gs pos="0">
+                <a:schemeClr val="accent2">
+                  <a:alpha val="89000"/>
+                </a:schemeClr>
+              </a:gs>
+              <a:gs pos="38000">
+                <a:schemeClr val="accent5">
+                  <a:lumMod val="60000"/>
+                  <a:lumOff val="40000"/>
+                  <a:alpha val="0"/>
+                </a:schemeClr>
+              </a:gs>
+            </a:gsLst>
+            <a:lin ang="4200000" scaled="0"/>
+            <a:tileRect/>
+          </a:gradFill>
+          <a:ln w="12700" cap="flat" cmpd="sng" algn="ctr">
+            <a:noFill/>
+            <a:prstDash val="solid"/>
+            <a:miter lim="800000"/>
+          </a:ln>
+          <a:effectLst/>
+        </p:spPr>
+        <p:style>
+          <a:lnRef idx="2">
+            <a:schemeClr val="accent1">
+              <a:shade val="50000"/>
+            </a:schemeClr>
+          </a:lnRef>
+          <a:fillRef idx="1">
+            <a:schemeClr val="accent1"/>
+          </a:fillRef>
+          <a:effectRef idx="0">
+            <a:schemeClr val="accent1"/>
+          </a:effectRef>
+          <a:fontRef idx="minor">
+            <a:schemeClr val="lt1"/>
+          </a:fontRef>
+        </p:style>
+        <p:txBody>
+          <a:bodyPr rtlCol="0" anchor="ctr"/>
+          <a:lstStyle/>
+          <a:p>
+            <a:pPr algn="r"/>
+            <a:endParaRPr lang="en-US"/>
+          </a:p>
+        </p:txBody>
+      </p:sp>
+      <p:sp>
+        <p:nvSpPr>
+          <p:cNvPr id="25" name="Rectangle 24">
+            <a:extLst>
+              <a:ext uri="{FF2B5EF4-FFF2-40B4-BE49-F238E27FC236}">
+                <a16:creationId xmlns:a16="http://schemas.microsoft.com/office/drawing/2014/main" id="{8D6EA299-0840-6DEA-E670-C49AEBC87E89}"/>
+              </a:ext>
+              <a:ext uri="{C183D7F6-B498-43B3-948B-1728B52AA6E4}">
+                <adec:decorative xmlns:adec="http://schemas.microsoft.com/office/drawing/2017/decorative" val="1"/>
+              </a:ext>
+            </a:extLst>
+          </p:cNvPr>
+          <p:cNvSpPr>
+            <a:spLocks noGrp="1" noRot="1" noChangeAspect="1" noMove="1" noResize="1" noEditPoints="1" noAdjustHandles="1" noChangeArrowheads="1" noChangeShapeType="1" noTextEdit="1"/>
+          </p:cNvSpPr>
+          <p:nvPr>
+            <p:extLst>
+              <p:ext uri="{386F3935-93C4-4BCD-93E2-E3B085C9AB24}">
+                <p16:designElem xmlns:p16="http://schemas.microsoft.com/office/powerpoint/2015/main" val="1"/>
+              </p:ext>
+            </p:extLst>
+          </p:nvPr>
+        </p:nvSpPr>
+        <p:spPr>
+          <a:xfrm rot="10800000">
+            <a:off x="9026892" y="2939627"/>
+            <a:ext cx="3162908" cy="3914612"/>
+          </a:xfrm>
+          <a:prstGeom prst="rect">
+            <a:avLst/>
+          </a:prstGeom>
+          <a:gradFill flip="none" rotWithShape="1">
+            <a:gsLst>
+              <a:gs pos="0">
+                <a:schemeClr val="accent5">
+                  <a:lumMod val="60000"/>
+                  <a:lumOff val="40000"/>
+                </a:schemeClr>
+              </a:gs>
+              <a:gs pos="51000">
+                <a:schemeClr val="accent5">
+                  <a:lumMod val="60000"/>
+                  <a:lumOff val="40000"/>
+                  <a:alpha val="0"/>
+                </a:schemeClr>
+              </a:gs>
+            </a:gsLst>
+            <a:path path="circle">
+              <a:fillToRect r="100000" b="100000"/>
+            </a:path>
+            <a:tileRect l="-100000" t="-100000"/>
+          </a:gradFill>
+          <a:ln w="12700" cap="flat" cmpd="sng" algn="ctr">
+            <a:noFill/>
+            <a:prstDash val="solid"/>
+            <a:miter lim="800000"/>
+          </a:ln>
+          <a:effectLst/>
+        </p:spPr>
+        <p:style>
+          <a:lnRef idx="2">
+            <a:schemeClr val="accent1">
+              <a:shade val="50000"/>
+            </a:schemeClr>
+          </a:lnRef>
+          <a:fillRef idx="1">
+            <a:schemeClr val="accent1"/>
+          </a:fillRef>
+          <a:effectRef idx="0">
+            <a:schemeClr val="accent1"/>
+          </a:effectRef>
+          <a:fontRef idx="minor">
+            <a:schemeClr val="lt1"/>
+          </a:fontRef>
+        </p:style>
+        <p:txBody>
+          <a:bodyPr rtlCol="0" anchor="ctr"/>
+          <a:lstStyle/>
+          <a:p>
+            <a:pPr algn="r"/>
+            <a:endParaRPr lang="en-US"/>
           </a:p>
         </p:txBody>
       </p:sp>
@@ -4827,6 +6337,14 @@
 <file path=ppt/slides/slide5.xml><?xml version="1.0" encoding="utf-8"?>
 <p:sld xmlns:a="http://schemas.openxmlformats.org/drawingml/2006/main" xmlns:r="http://schemas.openxmlformats.org/officeDocument/2006/relationships" xmlns:p="http://schemas.openxmlformats.org/presentationml/2006/main">
   <p:cSld>
+    <p:bg>
+      <p:bgPr>
+        <a:solidFill>
+          <a:schemeClr val="bg1"/>
+        </a:solidFill>
+        <a:effectLst/>
+      </p:bgPr>
+    </p:bg>
     <p:spTree>
       <p:nvGrpSpPr>
         <p:cNvPr id="1" name=""/>
@@ -4841,6 +6359,73 @@
           <a:chExt cx="0" cy="0"/>
         </a:xfrm>
       </p:grpSpPr>
+      <p:sp useBgFill="1">
+        <p:nvSpPr>
+          <p:cNvPr id="21" name="Rectangle 20">
+            <a:extLst>
+              <a:ext uri="{FF2B5EF4-FFF2-40B4-BE49-F238E27FC236}">
+                <a16:creationId xmlns:a16="http://schemas.microsoft.com/office/drawing/2014/main" id="{EEBFA4C8-C301-60A7-C96E-E85360F5DFB4}"/>
+              </a:ext>
+              <a:ext uri="{C183D7F6-B498-43B3-948B-1728B52AA6E4}">
+                <adec:decorative xmlns:adec="http://schemas.microsoft.com/office/drawing/2017/decorative" val="1"/>
+              </a:ext>
+            </a:extLst>
+          </p:cNvPr>
+          <p:cNvSpPr>
+            <a:spLocks noGrp="1" noRot="1" noChangeAspect="1" noMove="1" noResize="1" noEditPoints="1" noAdjustHandles="1" noChangeArrowheads="1" noChangeShapeType="1" noTextEdit="1"/>
+          </p:cNvSpPr>
+          <p:nvPr>
+            <p:extLst>
+              <p:ext uri="{386F3935-93C4-4BCD-93E2-E3B085C9AB24}">
+                <p16:designElem xmlns:p16="http://schemas.microsoft.com/office/powerpoint/2015/main" val="1"/>
+              </p:ext>
+            </p:extLst>
+          </p:nvPr>
+        </p:nvSpPr>
+        <p:spPr>
+          <a:xfrm>
+            <a:off x="0" y="0"/>
+            <a:ext cx="12191999" cy="1729117"/>
+          </a:xfrm>
+          <a:prstGeom prst="rect">
+            <a:avLst/>
+          </a:prstGeom>
+          <a:ln>
+            <a:noFill/>
+          </a:ln>
+          <a:effectLst>
+            <a:outerShdw blurRad="368300" dist="101600" dir="5460000" sx="90000" sy="90000" algn="t" rotWithShape="0">
+              <a:srgbClr val="000000">
+                <a:alpha val="20000"/>
+              </a:srgbClr>
+            </a:outerShdw>
+          </a:effectLst>
+        </p:spPr>
+        <p:style>
+          <a:lnRef idx="2">
+            <a:schemeClr val="accent1">
+              <a:shade val="50000"/>
+            </a:schemeClr>
+          </a:lnRef>
+          <a:fillRef idx="1">
+            <a:schemeClr val="accent1"/>
+          </a:fillRef>
+          <a:effectRef idx="0">
+            <a:schemeClr val="accent1"/>
+          </a:effectRef>
+          <a:fontRef idx="minor">
+            <a:schemeClr val="lt1"/>
+          </a:fontRef>
+        </p:style>
+        <p:txBody>
+          <a:bodyPr rtlCol="0" anchor="ctr"/>
+          <a:lstStyle/>
+          <a:p>
+            <a:pPr algn="ctr"/>
+            <a:endParaRPr lang="en-US"/>
+          </a:p>
+        </p:txBody>
+      </p:sp>
       <p:sp>
         <p:nvSpPr>
           <p:cNvPr id="2" name="Tytuł 1">
@@ -4857,14 +6442,21 @@
             <p:ph type="title"/>
           </p:nvPr>
         </p:nvSpPr>
-        <p:spPr/>
-        <p:txBody>
-          <a:bodyPr/>
+        <p:spPr>
+          <a:xfrm>
+            <a:off x="761801" y="283714"/>
+            <a:ext cx="9906799" cy="1161688"/>
+          </a:xfrm>
+        </p:spPr>
+        <p:txBody>
+          <a:bodyPr anchor="ctr">
+            <a:normAutofit/>
+          </a:bodyPr>
           <a:lstStyle/>
           <a:p>
             <a:r>
-              <a:rPr lang="pl-PL" dirty="0"/>
-              <a:t>RSA: Generowanie kluczy</a:t>
+              <a:rPr lang="pl-PL" sz="4000"/>
+              <a:t>RSA: generowanie kluczy</a:t>
             </a:r>
           </a:p>
         </p:txBody>
@@ -4887,19 +6479,30 @@
                 <p:ph idx="1"/>
               </p:nvPr>
             </p:nvSpPr>
-            <p:spPr/>
+            <p:spPr>
+              <a:xfrm>
+                <a:off x="2253561" y="2217761"/>
+                <a:ext cx="7680959" cy="4034116"/>
+              </a:xfrm>
+            </p:spPr>
             <p:txBody>
-              <a:bodyPr/>
+              <a:bodyPr anchor="ctr">
+                <a:normAutofit/>
+              </a:bodyPr>
               <a:lstStyle/>
               <a:p>
+                <a:pPr marL="457200" indent="-457200">
+                  <a:buFont typeface="+mj-lt"/>
+                  <a:buAutoNum type="arabicPeriod"/>
+                </a:pPr>
                 <a:r>
-                  <a:rPr lang="pl-PL" dirty="0"/>
+                  <a:rPr lang="pl-PL" sz="2000" dirty="0"/>
                   <a:t>Wybieramy losowo dwie duże liczby pierwsze </a:t>
                 </a:r>
                 <a14:m>
                   <m:oMath xmlns:m="http://schemas.openxmlformats.org/officeDocument/2006/math">
                     <m:r>
-                      <a:rPr lang="pl-PL" b="1" i="1" dirty="0" smtClean="0">
+                      <a:rPr lang="pl-PL" sz="2000" b="1" i="1">
                         <a:latin typeface="Cambria Math" panose="02040503050406030204" pitchFamily="18" charset="0"/>
                       </a:rPr>
                       <m:t>𝒑</m:t>
@@ -4907,59 +6510,67 @@
                   </m:oMath>
                 </a14:m>
                 <a:r>
-                  <a:rPr lang="pl-PL" dirty="0"/>
+                  <a:rPr lang="pl-PL" sz="2000" dirty="0"/>
                   <a:t> i </a:t>
                 </a:r>
                 <a14:m>
                   <m:oMath xmlns:m="http://schemas.openxmlformats.org/officeDocument/2006/math">
                     <m:r>
-                      <a:rPr lang="pl-PL" b="1" i="1" dirty="0" smtClean="0">
+                      <a:rPr lang="pl-PL" sz="2000" b="1" i="1">
                         <a:latin typeface="Cambria Math" panose="02040503050406030204" pitchFamily="18" charset="0"/>
                       </a:rPr>
                       <m:t>𝒒</m:t>
                     </m:r>
                   </m:oMath>
                 </a14:m>
-                <a:endParaRPr lang="pl-PL" b="1" dirty="0"/>
+                <a:endParaRPr lang="pl-PL" sz="2000" b="1" dirty="0"/>
               </a:p>
               <a:p>
+                <a:pPr marL="457200" indent="-457200">
+                  <a:buFont typeface="+mj-lt"/>
+                  <a:buAutoNum type="arabicPeriod"/>
+                </a:pPr>
                 <a:r>
-                  <a:rPr lang="pl-PL" dirty="0"/>
+                  <a:rPr lang="pl-PL" sz="2000" dirty="0"/>
                   <a:t>Obliczamy </a:t>
                 </a:r>
                 <a14:m>
                   <m:oMath xmlns:m="http://schemas.openxmlformats.org/officeDocument/2006/math">
                     <m:r>
-                      <a:rPr lang="pl-PL" b="1" i="1" dirty="0" smtClean="0">
+                      <a:rPr lang="pl-PL" sz="2000" b="1" i="1">
                         <a:latin typeface="Cambria Math" panose="02040503050406030204" pitchFamily="18" charset="0"/>
                       </a:rPr>
                       <m:t>𝒏</m:t>
                     </m:r>
                     <m:r>
-                      <a:rPr lang="pl-PL" b="1" i="1" dirty="0" smtClean="0">
+                      <a:rPr lang="pl-PL" sz="2000" b="1" i="1">
                         <a:latin typeface="Cambria Math" panose="02040503050406030204" pitchFamily="18" charset="0"/>
                       </a:rPr>
                       <m:t>=</m:t>
                     </m:r>
                     <m:r>
-                      <a:rPr lang="pl-PL" b="1" i="1" dirty="0" err="1" smtClean="0">
+                      <a:rPr lang="pl-PL" sz="2000" b="1" i="1">
                         <a:latin typeface="Cambria Math" panose="02040503050406030204" pitchFamily="18" charset="0"/>
                       </a:rPr>
                       <m:t>𝒑𝒒</m:t>
                     </m:r>
                   </m:oMath>
                 </a14:m>
-                <a:endParaRPr lang="pl-PL" b="1" dirty="0"/>
+                <a:endParaRPr lang="pl-PL" sz="2000" b="1" dirty="0"/>
               </a:p>
               <a:p>
+                <a:pPr marL="457200" indent="-457200">
+                  <a:buFont typeface="+mj-lt"/>
+                  <a:buAutoNum type="arabicPeriod"/>
+                </a:pPr>
                 <a:r>
-                  <a:rPr lang="pl-PL" dirty="0"/>
+                  <a:rPr lang="pl-PL" sz="2000" dirty="0"/>
                   <a:t>Obliczamy wartość funkcji Eulera dla n: </a:t>
                 </a:r>
                 <a14:m>
                   <m:oMath xmlns:m="http://schemas.openxmlformats.org/officeDocument/2006/math">
                     <m:r>
-                      <a:rPr lang="pl-PL" b="1" i="1" smtClean="0">
+                      <a:rPr lang="pl-PL" sz="2000" b="1" i="1">
                         <a:latin typeface="Cambria Math" panose="02040503050406030204" pitchFamily="18" charset="0"/>
                         <a:ea typeface="Cambria Math" panose="02040503050406030204" pitchFamily="18" charset="0"/>
                       </a:rPr>
@@ -4968,7 +6579,7 @@
                     <m:d>
                       <m:dPr>
                         <m:ctrlPr>
-                          <a:rPr lang="pl-PL" b="1" i="1" smtClean="0">
+                          <a:rPr lang="pl-PL" sz="2000" b="1" i="1">
                             <a:latin typeface="Cambria Math" panose="02040503050406030204" pitchFamily="18" charset="0"/>
                             <a:ea typeface="Cambria Math" panose="02040503050406030204" pitchFamily="18" charset="0"/>
                           </a:rPr>
@@ -4976,7 +6587,7 @@
                       </m:dPr>
                       <m:e>
                         <m:r>
-                          <a:rPr lang="pl-PL" b="1" i="1" smtClean="0">
+                          <a:rPr lang="pl-PL" sz="2000" b="1" i="1">
                             <a:latin typeface="Cambria Math" panose="02040503050406030204" pitchFamily="18" charset="0"/>
                             <a:ea typeface="Cambria Math" panose="02040503050406030204" pitchFamily="18" charset="0"/>
                           </a:rPr>
@@ -4985,7 +6596,7 @@
                       </m:e>
                     </m:d>
                     <m:r>
-                      <a:rPr lang="pl-PL" b="1" i="1" smtClean="0">
+                      <a:rPr lang="pl-PL" sz="2000" b="1" i="1">
                         <a:latin typeface="Cambria Math" panose="02040503050406030204" pitchFamily="18" charset="0"/>
                         <a:ea typeface="Cambria Math" panose="02040503050406030204" pitchFamily="18" charset="0"/>
                       </a:rPr>
@@ -4994,7 +6605,7 @@
                     <m:d>
                       <m:dPr>
                         <m:ctrlPr>
-                          <a:rPr lang="pl-PL" b="1" i="1" smtClean="0">
+                          <a:rPr lang="pl-PL" sz="2000" b="1" i="1">
                             <a:latin typeface="Cambria Math" panose="02040503050406030204" pitchFamily="18" charset="0"/>
                             <a:ea typeface="Cambria Math" panose="02040503050406030204" pitchFamily="18" charset="0"/>
                           </a:rPr>
@@ -5002,21 +6613,21 @@
                       </m:dPr>
                       <m:e>
                         <m:r>
-                          <a:rPr lang="pl-PL" b="1" i="1" smtClean="0">
+                          <a:rPr lang="pl-PL" sz="2000" b="1" i="1">
                             <a:latin typeface="Cambria Math" panose="02040503050406030204" pitchFamily="18" charset="0"/>
                             <a:ea typeface="Cambria Math" panose="02040503050406030204" pitchFamily="18" charset="0"/>
                           </a:rPr>
                           <m:t>𝒑</m:t>
                         </m:r>
                         <m:r>
-                          <a:rPr lang="pl-PL" b="1" i="1" smtClean="0">
+                          <a:rPr lang="pl-PL" sz="2000" b="1" i="1">
                             <a:latin typeface="Cambria Math" panose="02040503050406030204" pitchFamily="18" charset="0"/>
                             <a:ea typeface="Cambria Math" panose="02040503050406030204" pitchFamily="18" charset="0"/>
                           </a:rPr>
                           <m:t>−</m:t>
                         </m:r>
                         <m:r>
-                          <a:rPr lang="pl-PL" b="1" i="1" smtClean="0">
+                          <a:rPr lang="pl-PL" sz="2000" b="1" i="1">
                             <a:latin typeface="Cambria Math" panose="02040503050406030204" pitchFamily="18" charset="0"/>
                             <a:ea typeface="Cambria Math" panose="02040503050406030204" pitchFamily="18" charset="0"/>
                           </a:rPr>
@@ -5027,7 +6638,7 @@
                     <m:d>
                       <m:dPr>
                         <m:ctrlPr>
-                          <a:rPr lang="pl-PL" b="1" i="1" smtClean="0">
+                          <a:rPr lang="pl-PL" sz="2000" b="1" i="1">
                             <a:latin typeface="Cambria Math" panose="02040503050406030204" pitchFamily="18" charset="0"/>
                             <a:ea typeface="Cambria Math" panose="02040503050406030204" pitchFamily="18" charset="0"/>
                           </a:rPr>
@@ -5035,21 +6646,21 @@
                       </m:dPr>
                       <m:e>
                         <m:r>
-                          <a:rPr lang="pl-PL" b="1" i="1" smtClean="0">
+                          <a:rPr lang="pl-PL" sz="2000" b="1" i="1">
                             <a:latin typeface="Cambria Math" panose="02040503050406030204" pitchFamily="18" charset="0"/>
                             <a:ea typeface="Cambria Math" panose="02040503050406030204" pitchFamily="18" charset="0"/>
                           </a:rPr>
                           <m:t>𝒒</m:t>
                         </m:r>
                         <m:r>
-                          <a:rPr lang="pl-PL" b="1" i="1" smtClean="0">
+                          <a:rPr lang="pl-PL" sz="2000" b="1" i="1">
                             <a:latin typeface="Cambria Math" panose="02040503050406030204" pitchFamily="18" charset="0"/>
                             <a:ea typeface="Cambria Math" panose="02040503050406030204" pitchFamily="18" charset="0"/>
                           </a:rPr>
                           <m:t>−</m:t>
                         </m:r>
                         <m:r>
-                          <a:rPr lang="pl-PL" b="1" i="1" smtClean="0">
+                          <a:rPr lang="pl-PL" sz="2000" b="1" i="1">
                             <a:latin typeface="Cambria Math" panose="02040503050406030204" pitchFamily="18" charset="0"/>
                             <a:ea typeface="Cambria Math" panose="02040503050406030204" pitchFamily="18" charset="0"/>
                           </a:rPr>
@@ -5059,49 +6670,53 @@
                     </m:d>
                   </m:oMath>
                 </a14:m>
-                <a:endParaRPr lang="pl-PL" b="1" dirty="0">
+                <a:endParaRPr lang="pl-PL" sz="2000" b="1" dirty="0">
                   <a:ea typeface="Cambria Math" panose="02040503050406030204" pitchFamily="18" charset="0"/>
                 </a:endParaRPr>
               </a:p>
               <a:p>
+                <a:pPr marL="457200" indent="-457200">
+                  <a:buFont typeface="+mj-lt"/>
+                  <a:buAutoNum type="arabicPeriod"/>
+                </a:pPr>
                 <a:r>
-                  <a:rPr lang="pl-PL" dirty="0"/>
+                  <a:rPr lang="pl-PL" sz="2000" dirty="0"/>
                   <a:t>Wybieramy liczbę </a:t>
                 </a:r>
                 <a14:m>
                   <m:oMath xmlns:m="http://schemas.openxmlformats.org/officeDocument/2006/math">
                     <m:r>
-                      <a:rPr lang="pl-PL" b="1" i="1" smtClean="0">
+                      <a:rPr lang="pl-PL" sz="2000" b="1" i="1">
                         <a:latin typeface="Cambria Math" panose="02040503050406030204" pitchFamily="18" charset="0"/>
                       </a:rPr>
                       <m:t>𝒆</m:t>
                     </m:r>
                     <m:r>
-                      <a:rPr lang="pl-PL" b="1" i="1" smtClean="0">
+                      <a:rPr lang="pl-PL" sz="2000" b="1" i="1">
                         <a:latin typeface="Cambria Math" panose="02040503050406030204" pitchFamily="18" charset="0"/>
                       </a:rPr>
                       <m:t> (</m:t>
                     </m:r>
                     <m:r>
-                      <a:rPr lang="pl-PL" b="1" i="1" smtClean="0">
+                      <a:rPr lang="pl-PL" sz="2000" b="1" i="1">
                         <a:latin typeface="Cambria Math" panose="02040503050406030204" pitchFamily="18" charset="0"/>
                       </a:rPr>
                       <m:t>𝟏</m:t>
                     </m:r>
                     <m:r>
-                      <a:rPr lang="pl-PL" b="1" i="1" smtClean="0">
+                      <a:rPr lang="pl-PL" sz="2000" b="1" i="1">
                         <a:latin typeface="Cambria Math" panose="02040503050406030204" pitchFamily="18" charset="0"/>
                       </a:rPr>
                       <m:t>&lt;</m:t>
                     </m:r>
                     <m:r>
-                      <a:rPr lang="pl-PL" b="1" i="1" smtClean="0">
+                      <a:rPr lang="pl-PL" sz="2000" b="1" i="1">
                         <a:latin typeface="Cambria Math" panose="02040503050406030204" pitchFamily="18" charset="0"/>
                       </a:rPr>
                       <m:t>𝒆</m:t>
                     </m:r>
                     <m:r>
-                      <a:rPr lang="pl-PL" b="1" i="1" smtClean="0">
+                      <a:rPr lang="pl-PL" sz="2000" b="1" i="1">
                         <a:latin typeface="Cambria Math" panose="02040503050406030204" pitchFamily="18" charset="0"/>
                       </a:rPr>
                       <m:t>&lt;</m:t>
@@ -5109,7 +6724,7 @@
                   </m:oMath>
                 </a14:m>
                 <a:r>
-                  <a:rPr lang="pl-PL" b="1" dirty="0">
+                  <a:rPr lang="pl-PL" sz="2000" b="1" dirty="0">
                     <a:ea typeface="Cambria Math" panose="02040503050406030204" pitchFamily="18" charset="0"/>
                   </a:rPr>
                   <a:t> </a:t>
@@ -5117,7 +6732,7 @@
                 <a14:m>
                   <m:oMath xmlns:m="http://schemas.openxmlformats.org/officeDocument/2006/math">
                     <m:r>
-                      <a:rPr lang="pl-PL" b="1" i="1" smtClean="0">
+                      <a:rPr lang="pl-PL" sz="2000" b="1" i="1">
                         <a:latin typeface="Cambria Math" panose="02040503050406030204" pitchFamily="18" charset="0"/>
                         <a:ea typeface="Cambria Math" panose="02040503050406030204" pitchFamily="18" charset="0"/>
                       </a:rPr>
@@ -5126,7 +6741,7 @@
                     <m:d>
                       <m:dPr>
                         <m:ctrlPr>
-                          <a:rPr lang="pl-PL" b="1" i="1" smtClean="0">
+                          <a:rPr lang="pl-PL" sz="2000" b="1" i="1">
                             <a:latin typeface="Cambria Math" panose="02040503050406030204" pitchFamily="18" charset="0"/>
                             <a:ea typeface="Cambria Math" panose="02040503050406030204" pitchFamily="18" charset="0"/>
                           </a:rPr>
@@ -5134,14 +6749,14 @@
                       </m:dPr>
                       <m:e>
                         <m:r>
-                          <a:rPr lang="pl-PL" b="1" i="1" smtClean="0">
+                          <a:rPr lang="pl-PL" sz="2000" b="1" i="1">
                             <a:latin typeface="Cambria Math" panose="02040503050406030204" pitchFamily="18" charset="0"/>
                             <a:ea typeface="Cambria Math" panose="02040503050406030204" pitchFamily="18" charset="0"/>
                           </a:rPr>
                           <m:t>𝒏</m:t>
                         </m:r>
                         <m:r>
-                          <a:rPr lang="pl-PL" b="1" i="1" smtClean="0">
+                          <a:rPr lang="pl-PL" sz="2000" b="1" i="1">
                             <a:latin typeface="Cambria Math" panose="02040503050406030204" pitchFamily="18" charset="0"/>
                             <a:ea typeface="Cambria Math" panose="02040503050406030204" pitchFamily="18" charset="0"/>
                           </a:rPr>
@@ -5152,34 +6767,34 @@
                   </m:oMath>
                 </a14:m>
                 <a:r>
-                  <a:rPr lang="pl-PL" b="1" dirty="0"/>
+                  <a:rPr lang="pl-PL" sz="2000" b="1" dirty="0"/>
                   <a:t> względnie pierwszą z </a:t>
                 </a:r>
                 <a14:m>
                   <m:oMath xmlns:m="http://schemas.openxmlformats.org/officeDocument/2006/math">
                     <m:r>
-                      <a:rPr lang="pl-PL" b="1" i="1" smtClean="0">
+                      <a:rPr lang="pl-PL" sz="2000" b="1" i="1">
                         <a:latin typeface="Cambria Math" panose="02040503050406030204" pitchFamily="18" charset="0"/>
                         <a:ea typeface="Cambria Math" panose="02040503050406030204" pitchFamily="18" charset="0"/>
                       </a:rPr>
                       <m:t>𝝋</m:t>
                     </m:r>
                     <m:r>
-                      <a:rPr lang="pl-PL" b="1" i="1" smtClean="0">
+                      <a:rPr lang="pl-PL" sz="2000" b="1" i="1">
                         <a:latin typeface="Cambria Math" panose="02040503050406030204" pitchFamily="18" charset="0"/>
                         <a:ea typeface="Cambria Math" panose="02040503050406030204" pitchFamily="18" charset="0"/>
                       </a:rPr>
                       <m:t>(</m:t>
                     </m:r>
                     <m:r>
-                      <a:rPr lang="pl-PL" b="1" i="1" smtClean="0">
+                      <a:rPr lang="pl-PL" sz="2000" b="1" i="1">
                         <a:latin typeface="Cambria Math" panose="02040503050406030204" pitchFamily="18" charset="0"/>
                         <a:ea typeface="Cambria Math" panose="02040503050406030204" pitchFamily="18" charset="0"/>
                       </a:rPr>
                       <m:t>𝒏</m:t>
                     </m:r>
                     <m:r>
-                      <a:rPr lang="pl-PL" b="1" i="1" smtClean="0">
+                      <a:rPr lang="pl-PL" sz="2000" b="1" i="1">
                         <a:latin typeface="Cambria Math" panose="02040503050406030204" pitchFamily="18" charset="0"/>
                         <a:ea typeface="Cambria Math" panose="02040503050406030204" pitchFamily="18" charset="0"/>
                       </a:rPr>
@@ -5187,17 +6802,21 @@
                     </m:r>
                   </m:oMath>
                 </a14:m>
-                <a:endParaRPr lang="pl-PL" b="1" dirty="0"/>
+                <a:endParaRPr lang="pl-PL" sz="2000" b="1" dirty="0"/>
               </a:p>
               <a:p>
+                <a:pPr marL="457200" indent="-457200">
+                  <a:buFont typeface="+mj-lt"/>
+                  <a:buAutoNum type="arabicPeriod"/>
+                </a:pPr>
                 <a:r>
-                  <a:rPr lang="pl-PL" dirty="0"/>
+                  <a:rPr lang="pl-PL" sz="2000" dirty="0"/>
                   <a:t>Znajdujemy liczbę </a:t>
                 </a:r>
                 <a14:m>
                   <m:oMath xmlns:m="http://schemas.openxmlformats.org/officeDocument/2006/math">
                     <m:r>
-                      <a:rPr lang="pl-PL" i="1" dirty="0" smtClean="0">
+                      <a:rPr lang="pl-PL" sz="2000" i="1">
                         <a:latin typeface="Cambria Math" panose="02040503050406030204" pitchFamily="18" charset="0"/>
                       </a:rPr>
                       <m:t>𝑑</m:t>
@@ -5205,19 +6824,19 @@
                   </m:oMath>
                 </a14:m>
                 <a:r>
-                  <a:rPr lang="pl-PL" dirty="0"/>
+                  <a:rPr lang="pl-PL" sz="2000" dirty="0"/>
                   <a:t>: </a:t>
                 </a:r>
                 <a14:m>
                   <m:oMath xmlns:m="http://schemas.openxmlformats.org/officeDocument/2006/math">
                     <m:r>
-                      <a:rPr lang="pl-PL" b="1" i="1" smtClean="0">
+                      <a:rPr lang="pl-PL" sz="2000" b="1" i="1">
                         <a:latin typeface="Cambria Math" panose="02040503050406030204" pitchFamily="18" charset="0"/>
                       </a:rPr>
                       <m:t>𝒅</m:t>
                     </m:r>
                     <m:r>
-                      <a:rPr lang="pl-PL" b="1" i="1" smtClean="0">
+                      <a:rPr lang="pl-PL" sz="2000" b="1" i="1">
                         <a:latin typeface="Cambria Math" panose="02040503050406030204" pitchFamily="18" charset="0"/>
                         <a:ea typeface="Cambria Math" panose="02040503050406030204" pitchFamily="18" charset="0"/>
                       </a:rPr>
@@ -5226,7 +6845,7 @@
                     <m:sSup>
                       <m:sSupPr>
                         <m:ctrlPr>
-                          <a:rPr lang="pl-PL" b="1" i="1" smtClean="0">
+                          <a:rPr lang="pl-PL" sz="2000" b="1" i="1">
                             <a:latin typeface="Cambria Math" panose="02040503050406030204" pitchFamily="18" charset="0"/>
                             <a:ea typeface="Cambria Math" panose="02040503050406030204" pitchFamily="18" charset="0"/>
                           </a:rPr>
@@ -5234,7 +6853,7 @@
                       </m:sSupPr>
                       <m:e>
                         <m:r>
-                          <a:rPr lang="pl-PL" b="1" i="1" smtClean="0">
+                          <a:rPr lang="pl-PL" sz="2000" b="1" i="1">
                             <a:latin typeface="Cambria Math" panose="02040503050406030204" pitchFamily="18" charset="0"/>
                             <a:ea typeface="Cambria Math" panose="02040503050406030204" pitchFamily="18" charset="0"/>
                           </a:rPr>
@@ -5243,14 +6862,14 @@
                       </m:e>
                       <m:sup>
                         <m:r>
-                          <a:rPr lang="pl-PL" b="1" i="1" smtClean="0">
+                          <a:rPr lang="pl-PL" sz="2000" b="1" i="1">
                             <a:latin typeface="Cambria Math" panose="02040503050406030204" pitchFamily="18" charset="0"/>
                             <a:ea typeface="Cambria Math" panose="02040503050406030204" pitchFamily="18" charset="0"/>
                           </a:rPr>
                           <m:t>−</m:t>
                         </m:r>
                         <m:r>
-                          <a:rPr lang="pl-PL" b="1" i="1" smtClean="0">
+                          <a:rPr lang="pl-PL" sz="2000" b="1" i="1">
                             <a:latin typeface="Cambria Math" panose="02040503050406030204" pitchFamily="18" charset="0"/>
                             <a:ea typeface="Cambria Math" panose="02040503050406030204" pitchFamily="18" charset="0"/>
                           </a:rPr>
@@ -5259,28 +6878,28 @@
                       </m:sup>
                     </m:sSup>
                     <m:r>
-                      <a:rPr lang="pl-PL" b="1" i="1" smtClean="0">
+                      <a:rPr lang="pl-PL" sz="2000" b="1" i="1">
                         <a:latin typeface="Cambria Math" panose="02040503050406030204" pitchFamily="18" charset="0"/>
                         <a:ea typeface="Cambria Math" panose="02040503050406030204" pitchFamily="18" charset="0"/>
                       </a:rPr>
                       <m:t>(</m:t>
                     </m:r>
                     <m:r>
-                      <a:rPr lang="pl-PL" b="1" i="1" smtClean="0">
+                      <a:rPr lang="pl-PL" sz="2000" b="1" i="1">
                         <a:latin typeface="Cambria Math" panose="02040503050406030204" pitchFamily="18" charset="0"/>
                         <a:ea typeface="Cambria Math" panose="02040503050406030204" pitchFamily="18" charset="0"/>
                       </a:rPr>
                       <m:t>𝒎𝒐𝒅</m:t>
                     </m:r>
                     <m:r>
-                      <a:rPr lang="pl-PL" b="1" i="1" smtClean="0">
+                      <a:rPr lang="pl-PL" sz="2000" b="1" i="1">
                         <a:latin typeface="Cambria Math" panose="02040503050406030204" pitchFamily="18" charset="0"/>
                         <a:ea typeface="Cambria Math" panose="02040503050406030204" pitchFamily="18" charset="0"/>
                       </a:rPr>
                       <m:t> </m:t>
                     </m:r>
                     <m:r>
-                      <a:rPr lang="pl-PL" b="1" i="1" smtClean="0">
+                      <a:rPr lang="pl-PL" sz="2000" b="1" i="1">
                         <a:latin typeface="Cambria Math" panose="02040503050406030204" pitchFamily="18" charset="0"/>
                         <a:ea typeface="Cambria Math" panose="02040503050406030204" pitchFamily="18" charset="0"/>
                       </a:rPr>
@@ -5289,7 +6908,7 @@
                     <m:d>
                       <m:dPr>
                         <m:ctrlPr>
-                          <a:rPr lang="pl-PL" b="1" i="1" smtClean="0">
+                          <a:rPr lang="pl-PL" sz="2000" b="1" i="1">
                             <a:latin typeface="Cambria Math" panose="02040503050406030204" pitchFamily="18" charset="0"/>
                             <a:ea typeface="Cambria Math" panose="02040503050406030204" pitchFamily="18" charset="0"/>
                           </a:rPr>
@@ -5297,14 +6916,14 @@
                       </m:dPr>
                       <m:e>
                         <m:r>
-                          <a:rPr lang="pl-PL" b="1" i="1" smtClean="0">
+                          <a:rPr lang="pl-PL" sz="2000" b="1" i="1">
                             <a:latin typeface="Cambria Math" panose="02040503050406030204" pitchFamily="18" charset="0"/>
                             <a:ea typeface="Cambria Math" panose="02040503050406030204" pitchFamily="18" charset="0"/>
                           </a:rPr>
                           <m:t>𝒏</m:t>
                         </m:r>
                         <m:r>
-                          <a:rPr lang="pl-PL" b="1" i="1" smtClean="0">
+                          <a:rPr lang="pl-PL" sz="2000" b="1" i="1">
                             <a:latin typeface="Cambria Math" panose="02040503050406030204" pitchFamily="18" charset="0"/>
                             <a:ea typeface="Cambria Math" panose="02040503050406030204" pitchFamily="18" charset="0"/>
                           </a:rPr>
@@ -5313,7 +6932,7 @@
                       </m:e>
                     </m:d>
                     <m:r>
-                      <a:rPr lang="pl-PL" b="1" i="1" smtClean="0">
+                      <a:rPr lang="pl-PL" sz="2000" b="1" i="1">
                         <a:latin typeface="Cambria Math" panose="02040503050406030204" pitchFamily="18" charset="0"/>
                         <a:ea typeface="Cambria Math" panose="02040503050406030204" pitchFamily="18" charset="0"/>
                       </a:rPr>
@@ -5321,100 +6940,100 @@
                     </m:r>
                   </m:oMath>
                 </a14:m>
-                <a:endParaRPr lang="pl-PL" b="1" dirty="0"/>
+                <a:endParaRPr lang="pl-PL" sz="2000" b="1" dirty="0"/>
               </a:p>
               <a:p>
-                <a:endParaRPr lang="pl-PL" dirty="0"/>
+                <a:endParaRPr lang="pl-PL" sz="2000" dirty="0"/>
               </a:p>
               <a:p>
                 <a:r>
-                  <a:rPr lang="pl-PL" b="1" dirty="0"/>
+                  <a:rPr lang="pl-PL" sz="2000" b="1" dirty="0"/>
                   <a:t>Klucz publiczny </a:t>
                 </a:r>
                 <a:r>
-                  <a:rPr lang="pl-PL" dirty="0"/>
+                  <a:rPr lang="pl-PL" sz="2000" dirty="0"/>
                   <a:t>definiowany jest jako para liczb </a:t>
                 </a:r>
                 <a14:m>
                   <m:oMath xmlns:m="http://schemas.openxmlformats.org/officeDocument/2006/math">
                     <m:r>
-                      <a:rPr lang="pl-PL" b="1" i="1" dirty="0" smtClean="0">
+                      <a:rPr lang="pl-PL" sz="2000" b="1" i="1">
                         <a:latin typeface="Cambria Math" panose="02040503050406030204" pitchFamily="18" charset="0"/>
                       </a:rPr>
                       <m:t>(</m:t>
                     </m:r>
                     <m:r>
-                      <a:rPr lang="pl-PL" b="1" i="1" dirty="0" err="1" smtClean="0">
+                      <a:rPr lang="pl-PL" sz="2000" b="1" i="1">
                         <a:latin typeface="Cambria Math" panose="02040503050406030204" pitchFamily="18" charset="0"/>
                       </a:rPr>
                       <m:t>𝒏</m:t>
                     </m:r>
                     <m:r>
-                      <a:rPr lang="pl-PL" b="1" i="1" dirty="0" err="1" smtClean="0">
+                      <a:rPr lang="pl-PL" sz="2000" b="1" i="1">
                         <a:latin typeface="Cambria Math" panose="02040503050406030204" pitchFamily="18" charset="0"/>
                       </a:rPr>
                       <m:t>,</m:t>
                     </m:r>
                     <m:r>
-                      <a:rPr lang="pl-PL" b="1" i="1" dirty="0" err="1" smtClean="0">
+                      <a:rPr lang="pl-PL" sz="2000" b="1" i="1">
                         <a:latin typeface="Cambria Math" panose="02040503050406030204" pitchFamily="18" charset="0"/>
                       </a:rPr>
                       <m:t>𝒆</m:t>
                     </m:r>
                     <m:r>
-                      <a:rPr lang="pl-PL" b="1" i="1" dirty="0" smtClean="0">
+                      <a:rPr lang="pl-PL" sz="2000" b="1" i="1">
                         <a:latin typeface="Cambria Math" panose="02040503050406030204" pitchFamily="18" charset="0"/>
                       </a:rPr>
                       <m:t>)</m:t>
                     </m:r>
                   </m:oMath>
                 </a14:m>
-                <a:endParaRPr lang="pl-PL" b="1" dirty="0"/>
+                <a:endParaRPr lang="pl-PL" sz="2000" b="1" dirty="0"/>
               </a:p>
               <a:p>
                 <a:r>
-                  <a:rPr lang="pl-PL" b="1" dirty="0"/>
+                  <a:rPr lang="pl-PL" sz="2000" b="1" dirty="0"/>
                   <a:t>Klucz prywatny </a:t>
                 </a:r>
                 <a:r>
-                  <a:rPr lang="pl-PL" dirty="0"/>
+                  <a:rPr lang="pl-PL" sz="2000" dirty="0"/>
                   <a:t>definiowany jest jako para liczb </a:t>
                 </a:r>
                 <a14:m>
                   <m:oMath xmlns:m="http://schemas.openxmlformats.org/officeDocument/2006/math">
                     <m:r>
-                      <a:rPr lang="pl-PL" b="1" i="1" dirty="0" smtClean="0">
+                      <a:rPr lang="pl-PL" sz="2000" b="1" i="1">
                         <a:latin typeface="Cambria Math" panose="02040503050406030204" pitchFamily="18" charset="0"/>
                       </a:rPr>
                       <m:t>(</m:t>
                     </m:r>
                     <m:r>
-                      <a:rPr lang="pl-PL" b="1" i="1" dirty="0" err="1" smtClean="0">
+                      <a:rPr lang="pl-PL" sz="2000" b="1" i="1">
                         <a:latin typeface="Cambria Math" panose="02040503050406030204" pitchFamily="18" charset="0"/>
                       </a:rPr>
                       <m:t>𝒏</m:t>
                     </m:r>
                     <m:r>
-                      <a:rPr lang="pl-PL" b="1" i="1" dirty="0" err="1" smtClean="0">
+                      <a:rPr lang="pl-PL" sz="2000" b="1" i="1">
                         <a:latin typeface="Cambria Math" panose="02040503050406030204" pitchFamily="18" charset="0"/>
                       </a:rPr>
                       <m:t>,</m:t>
                     </m:r>
                     <m:r>
-                      <a:rPr lang="pl-PL" b="1" i="1" dirty="0" err="1" smtClean="0">
+                      <a:rPr lang="pl-PL" sz="2000" b="1" i="1">
                         <a:latin typeface="Cambria Math" panose="02040503050406030204" pitchFamily="18" charset="0"/>
                       </a:rPr>
                       <m:t>𝒅</m:t>
                     </m:r>
                     <m:r>
-                      <a:rPr lang="pl-PL" b="1" i="1" dirty="0" smtClean="0">
+                      <a:rPr lang="pl-PL" sz="2000" b="1" i="1">
                         <a:latin typeface="Cambria Math" panose="02040503050406030204" pitchFamily="18" charset="0"/>
                       </a:rPr>
                       <m:t>)</m:t>
                     </m:r>
                   </m:oMath>
                 </a14:m>
-                <a:endParaRPr lang="pl-PL" b="1" dirty="0"/>
+                <a:endParaRPr lang="pl-PL" sz="2000" b="1" dirty="0"/>
               </a:p>
             </p:txBody>
           </p:sp>
@@ -5437,10 +7056,14 @@
               </p:nvPr>
             </p:nvSpPr>
             <p:spPr>
+              <a:xfrm>
+                <a:off x="2253561" y="2217761"/>
+                <a:ext cx="7680959" cy="4034116"/>
+              </a:xfrm>
               <a:blipFill>
                 <a:blip r:embed="rId3"/>
                 <a:stretch>
-                  <a:fillRect l="-1043" t="-2241"/>
+                  <a:fillRect l="-873"/>
                 </a:stretch>
               </a:blipFill>
             </p:spPr>
@@ -5449,7 +7072,7 @@
               <a:lstStyle/>
               <a:p>
                 <a:r>
-                  <a:rPr lang="pl-PL">
+                  <a:rPr lang="en-US">
                     <a:noFill/>
                   </a:rPr>
                   <a:t> </a:t>
@@ -5475,6 +7098,14 @@
 <file path=ppt/slides/slide6.xml><?xml version="1.0" encoding="utf-8"?>
 <p:sld xmlns:a="http://schemas.openxmlformats.org/drawingml/2006/main" xmlns:r="http://schemas.openxmlformats.org/officeDocument/2006/relationships" xmlns:p="http://schemas.openxmlformats.org/presentationml/2006/main">
   <p:cSld>
+    <p:bg>
+      <p:bgPr>
+        <a:solidFill>
+          <a:schemeClr val="bg1"/>
+        </a:solidFill>
+        <a:effectLst/>
+      </p:bgPr>
+    </p:bg>
     <p:spTree>
       <p:nvGrpSpPr>
         <p:cNvPr id="1" name=""/>
@@ -5489,6 +7120,73 @@
           <a:chExt cx="0" cy="0"/>
         </a:xfrm>
       </p:grpSpPr>
+      <p:sp useBgFill="1">
+        <p:nvSpPr>
+          <p:cNvPr id="8" name="Rectangle 7">
+            <a:extLst>
+              <a:ext uri="{FF2B5EF4-FFF2-40B4-BE49-F238E27FC236}">
+                <a16:creationId xmlns:a16="http://schemas.microsoft.com/office/drawing/2014/main" id="{EEBFA4C8-C301-60A7-C96E-E85360F5DFB4}"/>
+              </a:ext>
+              <a:ext uri="{C183D7F6-B498-43B3-948B-1728B52AA6E4}">
+                <adec:decorative xmlns:adec="http://schemas.microsoft.com/office/drawing/2017/decorative" val="1"/>
+              </a:ext>
+            </a:extLst>
+          </p:cNvPr>
+          <p:cNvSpPr>
+            <a:spLocks noGrp="1" noRot="1" noChangeAspect="1" noMove="1" noResize="1" noEditPoints="1" noAdjustHandles="1" noChangeArrowheads="1" noChangeShapeType="1" noTextEdit="1"/>
+          </p:cNvSpPr>
+          <p:nvPr>
+            <p:extLst>
+              <p:ext uri="{386F3935-93C4-4BCD-93E2-E3B085C9AB24}">
+                <p16:designElem xmlns:p16="http://schemas.microsoft.com/office/powerpoint/2015/main" val="1"/>
+              </p:ext>
+            </p:extLst>
+          </p:nvPr>
+        </p:nvSpPr>
+        <p:spPr>
+          <a:xfrm>
+            <a:off x="0" y="0"/>
+            <a:ext cx="12191999" cy="1729117"/>
+          </a:xfrm>
+          <a:prstGeom prst="rect">
+            <a:avLst/>
+          </a:prstGeom>
+          <a:ln>
+            <a:noFill/>
+          </a:ln>
+          <a:effectLst>
+            <a:outerShdw blurRad="368300" dist="101600" dir="5460000" sx="90000" sy="90000" algn="t" rotWithShape="0">
+              <a:srgbClr val="000000">
+                <a:alpha val="20000"/>
+              </a:srgbClr>
+            </a:outerShdw>
+          </a:effectLst>
+        </p:spPr>
+        <p:style>
+          <a:lnRef idx="2">
+            <a:schemeClr val="accent1">
+              <a:shade val="50000"/>
+            </a:schemeClr>
+          </a:lnRef>
+          <a:fillRef idx="1">
+            <a:schemeClr val="accent1"/>
+          </a:fillRef>
+          <a:effectRef idx="0">
+            <a:schemeClr val="accent1"/>
+          </a:effectRef>
+          <a:fontRef idx="minor">
+            <a:schemeClr val="lt1"/>
+          </a:fontRef>
+        </p:style>
+        <p:txBody>
+          <a:bodyPr rtlCol="0" anchor="ctr"/>
+          <a:lstStyle/>
+          <a:p>
+            <a:pPr algn="ctr"/>
+            <a:endParaRPr lang="en-US"/>
+          </a:p>
+        </p:txBody>
+      </p:sp>
       <p:sp>
         <p:nvSpPr>
           <p:cNvPr id="2" name="Tytuł 1">
@@ -5505,13 +7203,20 @@
             <p:ph type="title"/>
           </p:nvPr>
         </p:nvSpPr>
-        <p:spPr/>
-        <p:txBody>
-          <a:bodyPr/>
+        <p:spPr>
+          <a:xfrm>
+            <a:off x="761801" y="283714"/>
+            <a:ext cx="9906799" cy="1161688"/>
+          </a:xfrm>
+        </p:spPr>
+        <p:txBody>
+          <a:bodyPr anchor="ctr">
+            <a:normAutofit/>
+          </a:bodyPr>
           <a:lstStyle/>
           <a:p>
             <a:r>
-              <a:rPr lang="pl-PL" dirty="0"/>
+              <a:rPr lang="pl-PL" sz="4000"/>
               <a:t>RSA: Szyfrowanie i deszyfrowanie</a:t>
             </a:r>
           </a:p>
@@ -5535,21 +7240,26 @@
                 <p:ph idx="1"/>
               </p:nvPr>
             </p:nvSpPr>
-            <p:spPr/>
+            <p:spPr>
+              <a:xfrm>
+                <a:off x="2253561" y="2217761"/>
+                <a:ext cx="7680959" cy="4034116"/>
+              </a:xfrm>
+            </p:spPr>
             <p:txBody>
-              <a:bodyPr>
+              <a:bodyPr anchor="ctr">
                 <a:normAutofit/>
               </a:bodyPr>
               <a:lstStyle/>
               <a:p>
                 <a:r>
-                  <a:rPr lang="pl-PL" dirty="0"/>
+                  <a:rPr lang="pl-PL" sz="2000" dirty="0"/>
                   <a:t>Dzielimy wiadomość na bloki </a:t>
                 </a:r>
                 <a14:m>
                   <m:oMath xmlns:m="http://schemas.openxmlformats.org/officeDocument/2006/math">
                     <m:r>
-                      <a:rPr lang="pl-PL" i="1" dirty="0" smtClean="0">
+                      <a:rPr lang="pl-PL" sz="2000" i="1">
                         <a:latin typeface="Cambria Math" panose="02040503050406030204" pitchFamily="18" charset="0"/>
                       </a:rPr>
                       <m:t>𝑚</m:t>
@@ -5557,54 +7267,54 @@
                   </m:oMath>
                 </a14:m>
                 <a:r>
-                  <a:rPr lang="pl-PL" dirty="0"/>
+                  <a:rPr lang="pl-PL" sz="2000" dirty="0"/>
                   <a:t> o wartości nie większej niż </a:t>
                 </a:r>
                 <a14:m>
                   <m:oMath xmlns:m="http://schemas.openxmlformats.org/officeDocument/2006/math">
                     <m:r>
-                      <a:rPr lang="pl-PL" i="1" dirty="0" smtClean="0">
+                      <a:rPr lang="pl-PL" sz="2000" i="1">
                         <a:latin typeface="Cambria Math" panose="02040503050406030204" pitchFamily="18" charset="0"/>
                       </a:rPr>
                       <m:t>𝑛</m:t>
                     </m:r>
                   </m:oMath>
                 </a14:m>
-                <a:endParaRPr lang="pl-PL" dirty="0"/>
+                <a:endParaRPr lang="pl-PL" sz="2000" dirty="0"/>
               </a:p>
               <a:p>
                 <a:r>
-                  <a:rPr lang="pl-PL" dirty="0"/>
+                  <a:rPr lang="pl-PL" sz="2000" dirty="0"/>
                   <a:t>Każdy z bloków szyfrujemy kluczem </a:t>
                 </a:r>
                 <a14:m>
                   <m:oMath xmlns:m="http://schemas.openxmlformats.org/officeDocument/2006/math">
                     <m:r>
-                      <a:rPr lang="pl-PL" b="0" i="1" dirty="0" smtClean="0">
+                      <a:rPr lang="pl-PL" sz="2000" b="0" i="1">
                         <a:latin typeface="Cambria Math" panose="02040503050406030204" pitchFamily="18" charset="0"/>
                       </a:rPr>
                       <m:t>(</m:t>
                     </m:r>
                     <m:r>
-                      <a:rPr lang="pl-PL" b="0" i="1" dirty="0" err="1" smtClean="0">
+                      <a:rPr lang="pl-PL" sz="2000" b="0" i="1">
                         <a:latin typeface="Cambria Math" panose="02040503050406030204" pitchFamily="18" charset="0"/>
                       </a:rPr>
                       <m:t>𝑛</m:t>
                     </m:r>
                     <m:r>
-                      <a:rPr lang="pl-PL" b="0" i="1" dirty="0" err="1" smtClean="0">
+                      <a:rPr lang="pl-PL" sz="2000" b="0" i="1">
                         <a:latin typeface="Cambria Math" panose="02040503050406030204" pitchFamily="18" charset="0"/>
                       </a:rPr>
                       <m:t>,</m:t>
                     </m:r>
                     <m:r>
-                      <a:rPr lang="pl-PL" b="0" i="1" dirty="0" err="1" smtClean="0">
+                      <a:rPr lang="pl-PL" sz="2000" b="0" i="1">
                         <a:latin typeface="Cambria Math" panose="02040503050406030204" pitchFamily="18" charset="0"/>
                       </a:rPr>
                       <m:t>𝑒</m:t>
                     </m:r>
                     <m:r>
-                      <a:rPr lang="pl-PL" b="0" i="1" dirty="0" smtClean="0">
+                      <a:rPr lang="pl-PL" sz="2000" b="0" i="1">
                         <a:latin typeface="Cambria Math" panose="02040503050406030204" pitchFamily="18" charset="0"/>
                       </a:rPr>
                       <m:t>)</m:t>
@@ -5612,13 +7322,13 @@
                   </m:oMath>
                 </a14:m>
                 <a:r>
-                  <a:rPr lang="pl-PL" dirty="0"/>
+                  <a:rPr lang="pl-PL" sz="2000" dirty="0"/>
                   <a:t>:</a:t>
                 </a:r>
                 <a:br>
-                  <a:rPr lang="pl-PL" dirty="0"/>
+                  <a:rPr lang="pl-PL" sz="2000" dirty="0"/>
                 </a:br>
-                <a:endParaRPr lang="pl-PL" dirty="0"/>
+                <a:endParaRPr lang="pl-PL" sz="2000" dirty="0"/>
               </a:p>
               <a:p>
                 <a:pPr marL="0" indent="0">
@@ -5631,13 +7341,13 @@
                     </m:oMathParaPr>
                     <m:oMath xmlns:m="http://schemas.openxmlformats.org/officeDocument/2006/math">
                       <m:r>
-                        <a:rPr lang="pl-PL" b="1" i="1" smtClean="0">
+                        <a:rPr lang="pl-PL" sz="2000" b="1" i="1">
                           <a:latin typeface="Cambria Math" panose="02040503050406030204" pitchFamily="18" charset="0"/>
                         </a:rPr>
                         <m:t>𝒄</m:t>
                       </m:r>
                       <m:r>
-                        <a:rPr lang="pl-PL" b="1" i="1" smtClean="0">
+                        <a:rPr lang="pl-PL" sz="2000" b="1" i="1">
                           <a:latin typeface="Cambria Math" panose="02040503050406030204" pitchFamily="18" charset="0"/>
                           <a:ea typeface="Cambria Math" panose="02040503050406030204" pitchFamily="18" charset="0"/>
                         </a:rPr>
@@ -5646,7 +7356,7 @@
                       <m:sSup>
                         <m:sSupPr>
                           <m:ctrlPr>
-                            <a:rPr lang="pl-PL" b="1" i="1" smtClean="0">
+                            <a:rPr lang="pl-PL" sz="2000" b="1" i="1">
                               <a:latin typeface="Cambria Math" panose="02040503050406030204" pitchFamily="18" charset="0"/>
                               <a:ea typeface="Cambria Math" panose="02040503050406030204" pitchFamily="18" charset="0"/>
                             </a:rPr>
@@ -5654,7 +7364,7 @@
                         </m:sSupPr>
                         <m:e>
                           <m:r>
-                            <a:rPr lang="pl-PL" b="1" i="1" smtClean="0">
+                            <a:rPr lang="pl-PL" sz="2000" b="1" i="1">
                               <a:latin typeface="Cambria Math" panose="02040503050406030204" pitchFamily="18" charset="0"/>
                               <a:ea typeface="Cambria Math" panose="02040503050406030204" pitchFamily="18" charset="0"/>
                             </a:rPr>
@@ -5663,7 +7373,7 @@
                         </m:e>
                         <m:sup>
                           <m:r>
-                            <a:rPr lang="pl-PL" b="1" i="1" smtClean="0">
+                            <a:rPr lang="pl-PL" sz="2000" b="1" i="1">
                               <a:latin typeface="Cambria Math" panose="02040503050406030204" pitchFamily="18" charset="0"/>
                               <a:ea typeface="Cambria Math" panose="02040503050406030204" pitchFamily="18" charset="0"/>
                             </a:rPr>
@@ -5672,35 +7382,35 @@
                         </m:sup>
                       </m:sSup>
                       <m:r>
-                        <a:rPr lang="pl-PL" b="1" i="1" smtClean="0">
+                        <a:rPr lang="pl-PL" sz="2000" b="1" i="1">
                           <a:latin typeface="Cambria Math" panose="02040503050406030204" pitchFamily="18" charset="0"/>
                           <a:ea typeface="Cambria Math" panose="02040503050406030204" pitchFamily="18" charset="0"/>
                         </a:rPr>
                         <m:t>(</m:t>
                       </m:r>
                       <m:r>
-                        <a:rPr lang="pl-PL" b="1" i="1" smtClean="0">
+                        <a:rPr lang="pl-PL" sz="2000" b="1" i="1">
                           <a:latin typeface="Cambria Math" panose="02040503050406030204" pitchFamily="18" charset="0"/>
                           <a:ea typeface="Cambria Math" panose="02040503050406030204" pitchFamily="18" charset="0"/>
                         </a:rPr>
                         <m:t>𝒎𝒐𝒅</m:t>
                       </m:r>
                       <m:r>
-                        <a:rPr lang="pl-PL" b="1" i="1" smtClean="0">
+                        <a:rPr lang="pl-PL" sz="2000" b="1" i="1">
                           <a:latin typeface="Cambria Math" panose="02040503050406030204" pitchFamily="18" charset="0"/>
                           <a:ea typeface="Cambria Math" panose="02040503050406030204" pitchFamily="18" charset="0"/>
                         </a:rPr>
                         <m:t> </m:t>
                       </m:r>
                       <m:r>
-                        <a:rPr lang="pl-PL" b="1" i="1" smtClean="0">
+                        <a:rPr lang="pl-PL" sz="2000" b="1" i="1">
                           <a:latin typeface="Cambria Math" panose="02040503050406030204" pitchFamily="18" charset="0"/>
                           <a:ea typeface="Cambria Math" panose="02040503050406030204" pitchFamily="18" charset="0"/>
                         </a:rPr>
                         <m:t>𝒏</m:t>
                       </m:r>
                       <m:r>
-                        <a:rPr lang="pl-PL" b="1" i="1" smtClean="0">
+                        <a:rPr lang="pl-PL" sz="2000" b="1" i="1">
                           <a:latin typeface="Cambria Math" panose="02040503050406030204" pitchFamily="18" charset="0"/>
                           <a:ea typeface="Cambria Math" panose="02040503050406030204" pitchFamily="18" charset="0"/>
                         </a:rPr>
@@ -5709,64 +7419,61 @@
                     </m:oMath>
                   </m:oMathPara>
                 </a14:m>
-                <a:endParaRPr lang="pl-PL" b="1" dirty="0"/>
+                <a:endParaRPr lang="pl-PL" sz="2000" b="1" dirty="0"/>
               </a:p>
               <a:p>
-                <a:pPr/>
-                <a:endParaRPr lang="pl-PL" dirty="0"/>
+                <a:endParaRPr lang="pl-PL" sz="2000" dirty="0"/>
               </a:p>
               <a:p>
-                <a:pPr/>
                 <a:r>
-                  <a:rPr lang="pl-PL" dirty="0"/>
+                  <a:rPr lang="pl-PL" sz="2000" dirty="0"/>
                   <a:t>Zaszyfrowana wiadomość składa się z kolejnych bloków </a:t>
                 </a:r>
                 <a14:m>
                   <m:oMath xmlns:m="http://schemas.openxmlformats.org/officeDocument/2006/math">
                     <m:r>
-                      <a:rPr lang="pl-PL" i="1" dirty="0" smtClean="0">
+                      <a:rPr lang="pl-PL" sz="2000" i="1">
                         <a:latin typeface="Cambria Math" panose="02040503050406030204" pitchFamily="18" charset="0"/>
                       </a:rPr>
                       <m:t>𝑐</m:t>
                     </m:r>
                   </m:oMath>
                 </a14:m>
-                <a:endParaRPr lang="pl-PL" dirty="0"/>
+                <a:endParaRPr lang="pl-PL" sz="2000" dirty="0"/>
               </a:p>
               <a:p>
-                <a:pPr/>
                 <a:r>
-                  <a:rPr lang="pl-PL" dirty="0"/>
+                  <a:rPr lang="pl-PL" sz="2000" dirty="0"/>
                   <a:t>Deszyfrowanie kluczem </a:t>
                 </a:r>
                 <a14:m>
                   <m:oMath xmlns:m="http://schemas.openxmlformats.org/officeDocument/2006/math">
                     <m:r>
-                      <a:rPr lang="pl-PL" b="0" i="1" dirty="0" smtClean="0">
+                      <a:rPr lang="pl-PL" sz="2000" b="0" i="1">
                         <a:latin typeface="Cambria Math" panose="02040503050406030204" pitchFamily="18" charset="0"/>
                       </a:rPr>
                       <m:t>(</m:t>
                     </m:r>
                     <m:r>
-                      <a:rPr lang="pl-PL" b="0" i="1" dirty="0" err="1" smtClean="0">
+                      <a:rPr lang="pl-PL" sz="2000" b="0" i="1">
                         <a:latin typeface="Cambria Math" panose="02040503050406030204" pitchFamily="18" charset="0"/>
                       </a:rPr>
                       <m:t>𝑛</m:t>
                     </m:r>
                     <m:r>
-                      <a:rPr lang="pl-PL" b="0" i="1" dirty="0" err="1" smtClean="0">
+                      <a:rPr lang="pl-PL" sz="2000" b="0" i="1">
                         <a:latin typeface="Cambria Math" panose="02040503050406030204" pitchFamily="18" charset="0"/>
                       </a:rPr>
                       <m:t>,</m:t>
                     </m:r>
                     <m:r>
-                      <a:rPr lang="pl-PL" b="0" i="1" dirty="0" smtClean="0">
+                      <a:rPr lang="pl-PL" sz="2000" b="0" i="1">
                         <a:latin typeface="Cambria Math" panose="02040503050406030204" pitchFamily="18" charset="0"/>
                       </a:rPr>
                       <m:t>𝑑</m:t>
                     </m:r>
                     <m:r>
-                      <a:rPr lang="pl-PL" b="0" i="1" dirty="0" smtClean="0">
+                      <a:rPr lang="pl-PL" sz="2000" b="0" i="1">
                         <a:latin typeface="Cambria Math" panose="02040503050406030204" pitchFamily="18" charset="0"/>
                       </a:rPr>
                       <m:t>)</m:t>
@@ -5774,13 +7481,13 @@
                   </m:oMath>
                 </a14:m>
                 <a:r>
-                  <a:rPr lang="pl-PL" dirty="0"/>
+                  <a:rPr lang="pl-PL" sz="2000" dirty="0"/>
                   <a:t>:</a:t>
                 </a:r>
                 <a:br>
-                  <a:rPr lang="pl-PL" dirty="0"/>
+                  <a:rPr lang="pl-PL" sz="2000" dirty="0"/>
                 </a:br>
-                <a:endParaRPr lang="pl-PL" dirty="0"/>
+                <a:endParaRPr lang="pl-PL" sz="2000" dirty="0"/>
               </a:p>
               <a:p>
                 <a:pPr marL="0" indent="0">
@@ -5793,14 +7500,14 @@
                     </m:oMathParaPr>
                     <m:oMath xmlns:m="http://schemas.openxmlformats.org/officeDocument/2006/math">
                       <m:r>
-                        <a:rPr lang="pl-PL" b="1" i="1" smtClean="0">
+                        <a:rPr lang="pl-PL" sz="2000" b="1" i="1">
                           <a:latin typeface="Cambria Math" panose="02040503050406030204" pitchFamily="18" charset="0"/>
                           <a:ea typeface="Cambria Math" panose="02040503050406030204" pitchFamily="18" charset="0"/>
                         </a:rPr>
                         <m:t>𝒎</m:t>
                       </m:r>
                       <m:r>
-                        <a:rPr lang="pl-PL" b="1" i="1" smtClean="0">
+                        <a:rPr lang="pl-PL" sz="2000" b="1" i="1">
                           <a:latin typeface="Cambria Math" panose="02040503050406030204" pitchFamily="18" charset="0"/>
                           <a:ea typeface="Cambria Math" panose="02040503050406030204" pitchFamily="18" charset="0"/>
                         </a:rPr>
@@ -5809,7 +7516,7 @@
                       <m:sSup>
                         <m:sSupPr>
                           <m:ctrlPr>
-                            <a:rPr lang="pl-PL" b="1" i="1" smtClean="0">
+                            <a:rPr lang="pl-PL" sz="2000" b="1" i="1">
                               <a:latin typeface="Cambria Math" panose="02040503050406030204" pitchFamily="18" charset="0"/>
                               <a:ea typeface="Cambria Math" panose="02040503050406030204" pitchFamily="18" charset="0"/>
                             </a:rPr>
@@ -5817,7 +7524,7 @@
                         </m:sSupPr>
                         <m:e>
                           <m:r>
-                            <a:rPr lang="pl-PL" b="1" i="1" smtClean="0">
+                            <a:rPr lang="pl-PL" sz="2000" b="1" i="1">
                               <a:latin typeface="Cambria Math" panose="02040503050406030204" pitchFamily="18" charset="0"/>
                               <a:ea typeface="Cambria Math" panose="02040503050406030204" pitchFamily="18" charset="0"/>
                             </a:rPr>
@@ -5826,7 +7533,7 @@
                         </m:e>
                         <m:sup>
                           <m:r>
-                            <a:rPr lang="pl-PL" b="1" i="1" smtClean="0">
+                            <a:rPr lang="pl-PL" sz="2000" b="1" i="1">
                               <a:latin typeface="Cambria Math" panose="02040503050406030204" pitchFamily="18" charset="0"/>
                               <a:ea typeface="Cambria Math" panose="02040503050406030204" pitchFamily="18" charset="0"/>
                             </a:rPr>
@@ -5835,35 +7542,35 @@
                         </m:sup>
                       </m:sSup>
                       <m:r>
-                        <a:rPr lang="pl-PL" b="1" i="1" smtClean="0">
+                        <a:rPr lang="pl-PL" sz="2000" b="1" i="1">
                           <a:latin typeface="Cambria Math" panose="02040503050406030204" pitchFamily="18" charset="0"/>
                           <a:ea typeface="Cambria Math" panose="02040503050406030204" pitchFamily="18" charset="0"/>
                         </a:rPr>
                         <m:t>(</m:t>
                       </m:r>
                       <m:r>
-                        <a:rPr lang="pl-PL" b="1" i="1" smtClean="0">
+                        <a:rPr lang="pl-PL" sz="2000" b="1" i="1">
                           <a:latin typeface="Cambria Math" panose="02040503050406030204" pitchFamily="18" charset="0"/>
                           <a:ea typeface="Cambria Math" panose="02040503050406030204" pitchFamily="18" charset="0"/>
                         </a:rPr>
                         <m:t>𝒎𝒐𝒅</m:t>
                       </m:r>
                       <m:r>
-                        <a:rPr lang="pl-PL" b="1" i="1" smtClean="0">
+                        <a:rPr lang="pl-PL" sz="2000" b="1" i="1">
                           <a:latin typeface="Cambria Math" panose="02040503050406030204" pitchFamily="18" charset="0"/>
                           <a:ea typeface="Cambria Math" panose="02040503050406030204" pitchFamily="18" charset="0"/>
                         </a:rPr>
                         <m:t> </m:t>
                       </m:r>
                       <m:r>
-                        <a:rPr lang="pl-PL" b="1" i="1" smtClean="0">
+                        <a:rPr lang="pl-PL" sz="2000" b="1" i="1">
                           <a:latin typeface="Cambria Math" panose="02040503050406030204" pitchFamily="18" charset="0"/>
                           <a:ea typeface="Cambria Math" panose="02040503050406030204" pitchFamily="18" charset="0"/>
                         </a:rPr>
                         <m:t>𝒏</m:t>
                       </m:r>
                       <m:r>
-                        <a:rPr lang="pl-PL" b="1" i="1" smtClean="0">
+                        <a:rPr lang="pl-PL" sz="2000" b="1" i="1">
                           <a:latin typeface="Cambria Math" panose="02040503050406030204" pitchFamily="18" charset="0"/>
                           <a:ea typeface="Cambria Math" panose="02040503050406030204" pitchFamily="18" charset="0"/>
                         </a:rPr>
@@ -5873,9 +7580,9 @@
                   </m:oMathPara>
                 </a14:m>
                 <a:br>
-                  <a:rPr lang="pl-PL" dirty="0"/>
+                  <a:rPr lang="pl-PL" sz="2000" dirty="0"/>
                 </a:br>
-                <a:endParaRPr lang="pl-PL" dirty="0"/>
+                <a:endParaRPr lang="pl-PL" sz="2000" dirty="0"/>
               </a:p>
             </p:txBody>
           </p:sp>
@@ -5898,10 +7605,14 @@
               </p:nvPr>
             </p:nvSpPr>
             <p:spPr>
+              <a:xfrm>
+                <a:off x="2253561" y="2217761"/>
+                <a:ext cx="7680959" cy="4034116"/>
+              </a:xfrm>
               <a:blipFill>
                 <a:blip r:embed="rId2"/>
                 <a:stretch>
-                  <a:fillRect l="-1043" t="-2241"/>
+                  <a:fillRect l="-714"/>
                 </a:stretch>
               </a:blipFill>
             </p:spPr>
@@ -5910,7 +7621,7 @@
               <a:lstStyle/>
               <a:p>
                 <a:r>
-                  <a:rPr lang="pl-PL">
+                  <a:rPr lang="en-US">
                     <a:noFill/>
                   </a:rPr>
                   <a:t> </a:t>
@@ -5936,6 +7647,14 @@
 <file path=ppt/slides/slide7.xml><?xml version="1.0" encoding="utf-8"?>
 <p:sld xmlns:a="http://schemas.openxmlformats.org/drawingml/2006/main" xmlns:r="http://schemas.openxmlformats.org/officeDocument/2006/relationships" xmlns:p="http://schemas.openxmlformats.org/presentationml/2006/main">
   <p:cSld>
+    <p:bg>
+      <p:bgPr>
+        <a:solidFill>
+          <a:schemeClr val="bg1"/>
+        </a:solidFill>
+        <a:effectLst/>
+      </p:bgPr>
+    </p:bg>
     <p:spTree>
       <p:nvGrpSpPr>
         <p:cNvPr id="1" name=""/>
@@ -5950,6 +7669,162 @@
           <a:chExt cx="0" cy="0"/>
         </a:xfrm>
       </p:grpSpPr>
+      <p:sp useBgFill="1">
+        <p:nvSpPr>
+          <p:cNvPr id="9" name="Slide Background">
+            <a:extLst>
+              <a:ext uri="{FF2B5EF4-FFF2-40B4-BE49-F238E27FC236}">
+                <a16:creationId xmlns:a16="http://schemas.microsoft.com/office/drawing/2014/main" id="{B65C0385-5E30-4D2E-AF9F-4639659D34E9}"/>
+              </a:ext>
+              <a:ext uri="{C183D7F6-B498-43B3-948B-1728B52AA6E4}">
+                <adec:decorative xmlns:adec="http://schemas.microsoft.com/office/drawing/2017/decorative" val="1"/>
+              </a:ext>
+            </a:extLst>
+          </p:cNvPr>
+          <p:cNvSpPr>
+            <a:spLocks noGrp="1" noRot="1" noChangeAspect="1" noMove="1" noResize="1" noEditPoints="1" noAdjustHandles="1" noChangeArrowheads="1" noChangeShapeType="1" noTextEdit="1"/>
+          </p:cNvSpPr>
+          <p:nvPr>
+            <p:extLst>
+              <p:ext uri="{386F3935-93C4-4BCD-93E2-E3B085C9AB24}">
+                <p16:designElem xmlns:p16="http://schemas.microsoft.com/office/powerpoint/2015/main" val="1"/>
+              </p:ext>
+            </p:extLst>
+          </p:nvPr>
+        </p:nvSpPr>
+        <p:spPr>
+          <a:xfrm>
+            <a:off x="0" y="0"/>
+            <a:ext cx="12192000" cy="6858000"/>
+          </a:xfrm>
+          <a:prstGeom prst="rect">
+            <a:avLst/>
+          </a:prstGeom>
+          <a:ln>
+            <a:noFill/>
+          </a:ln>
+        </p:spPr>
+        <p:style>
+          <a:lnRef idx="2">
+            <a:schemeClr val="accent1">
+              <a:shade val="50000"/>
+            </a:schemeClr>
+          </a:lnRef>
+          <a:fillRef idx="1">
+            <a:schemeClr val="accent1"/>
+          </a:fillRef>
+          <a:effectRef idx="0">
+            <a:schemeClr val="accent1"/>
+          </a:effectRef>
+          <a:fontRef idx="minor">
+            <a:schemeClr val="lt1"/>
+          </a:fontRef>
+        </p:style>
+        <p:txBody>
+          <a:bodyPr rtlCol="0" anchor="ctr"/>
+          <a:lstStyle/>
+          <a:p>
+            <a:pPr algn="ctr"/>
+            <a:endParaRPr lang="en-US"/>
+          </a:p>
+        </p:txBody>
+      </p:sp>
+      <p:pic>
+        <p:nvPicPr>
+          <p:cNvPr id="5" name="Picture 4" descr="Closeupa klucza i otworu">
+            <a:extLst>
+              <a:ext uri="{FF2B5EF4-FFF2-40B4-BE49-F238E27FC236}">
+                <a16:creationId xmlns:a16="http://schemas.microsoft.com/office/drawing/2014/main" id="{D6AD76EE-7B50-75B7-EAB0-1F807EBF5095}"/>
+              </a:ext>
+            </a:extLst>
+          </p:cNvPr>
+          <p:cNvPicPr>
+            <a:picLocks noChangeAspect="1"/>
+          </p:cNvPicPr>
+          <p:nvPr/>
+        </p:nvPicPr>
+        <p:blipFill rotWithShape="1">
+          <a:blip r:embed="rId2"/>
+          <a:srcRect l="21782" r="2" b="2"/>
+          <a:stretch/>
+        </p:blipFill>
+        <p:spPr>
+          <a:xfrm>
+            <a:off x="20" y="1666568"/>
+            <a:ext cx="6106195" cy="5191432"/>
+          </a:xfrm>
+          <a:prstGeom prst="rect">
+            <a:avLst/>
+          </a:prstGeom>
+        </p:spPr>
+      </p:pic>
+      <p:sp useBgFill="1">
+        <p:nvSpPr>
+          <p:cNvPr id="11" name="Rectangle 10">
+            <a:extLst>
+              <a:ext uri="{FF2B5EF4-FFF2-40B4-BE49-F238E27FC236}">
+                <a16:creationId xmlns:a16="http://schemas.microsoft.com/office/drawing/2014/main" id="{E335820B-3A29-42C5-AA8D-10ECA43CD985}"/>
+              </a:ext>
+              <a:ext uri="{C183D7F6-B498-43B3-948B-1728B52AA6E4}">
+                <adec:decorative xmlns:adec="http://schemas.microsoft.com/office/drawing/2017/decorative" val="1"/>
+              </a:ext>
+            </a:extLst>
+          </p:cNvPr>
+          <p:cNvSpPr>
+            <a:spLocks noGrp="1" noRot="1" noChangeAspect="1" noMove="1" noResize="1" noEditPoints="1" noAdjustHandles="1" noChangeArrowheads="1" noChangeShapeType="1" noTextEdit="1"/>
+          </p:cNvSpPr>
+          <p:nvPr>
+            <p:extLst>
+              <p:ext uri="{386F3935-93C4-4BCD-93E2-E3B085C9AB24}">
+                <p16:designElem xmlns:p16="http://schemas.microsoft.com/office/powerpoint/2015/main" val="1"/>
+              </p:ext>
+            </p:extLst>
+          </p:nvPr>
+        </p:nvSpPr>
+        <p:spPr>
+          <a:xfrm>
+            <a:off x="0" y="0"/>
+            <a:ext cx="12191999" cy="1729117"/>
+          </a:xfrm>
+          <a:prstGeom prst="rect">
+            <a:avLst/>
+          </a:prstGeom>
+          <a:ln>
+            <a:noFill/>
+          </a:ln>
+          <a:effectLst>
+            <a:outerShdw blurRad="368300" dist="101600" dir="5460000" sx="90000" sy="90000" algn="t" rotWithShape="0">
+              <a:srgbClr val="000000">
+                <a:alpha val="20000"/>
+              </a:srgbClr>
+            </a:outerShdw>
+          </a:effectLst>
+        </p:spPr>
+        <p:style>
+          <a:lnRef idx="2">
+            <a:schemeClr val="accent1">
+              <a:shade val="50000"/>
+            </a:schemeClr>
+          </a:lnRef>
+          <a:fillRef idx="1">
+            <a:schemeClr val="accent1"/>
+          </a:fillRef>
+          <a:effectRef idx="0">
+            <a:schemeClr val="accent1"/>
+          </a:effectRef>
+          <a:fontRef idx="minor">
+            <a:schemeClr val="lt1"/>
+          </a:fontRef>
+        </p:style>
+        <p:txBody>
+          <a:bodyPr rtlCol="0" anchor="ctr"/>
+          <a:lstStyle/>
+          <a:p>
+            <a:pPr algn="ctr"/>
+            <a:endParaRPr lang="en-US"/>
+          </a:p>
+        </p:txBody>
+      </p:sp>
       <p:sp>
         <p:nvSpPr>
           <p:cNvPr id="2" name="Tytuł 1">
@@ -5966,13 +7841,20 @@
             <p:ph type="title"/>
           </p:nvPr>
         </p:nvSpPr>
-        <p:spPr/>
-        <p:txBody>
-          <a:bodyPr/>
+        <p:spPr>
+          <a:xfrm>
+            <a:off x="761801" y="352766"/>
+            <a:ext cx="10591999" cy="1023584"/>
+          </a:xfrm>
+        </p:spPr>
+        <p:txBody>
+          <a:bodyPr>
+            <a:normAutofit/>
+          </a:bodyPr>
           <a:lstStyle/>
           <a:p>
             <a:r>
-              <a:rPr lang="pl-PL" dirty="0"/>
+              <a:rPr lang="pl-PL" sz="4000"/>
               <a:t>Własności szyfrowania</a:t>
             </a:r>
           </a:p>
@@ -5996,24 +7878,34 @@
                 <p:ph idx="1"/>
               </p:nvPr>
             </p:nvSpPr>
-            <p:spPr/>
+            <p:spPr>
+              <a:xfrm>
+                <a:off x="6219688" y="2249766"/>
+                <a:ext cx="5826538" cy="4070303"/>
+              </a:xfrm>
+            </p:spPr>
             <p:txBody>
-              <a:bodyPr/>
+              <a:bodyPr anchor="ctr">
+                <a:normAutofit/>
+              </a:bodyPr>
               <a:lstStyle/>
               <a:p>
+                <a:pPr marL="0" indent="0">
+                  <a:buNone/>
+                </a:pPr>
                 <a14:m>
                   <m:oMath xmlns:m="http://schemas.openxmlformats.org/officeDocument/2006/math">
                     <m:sSub>
                       <m:sSubPr>
                         <m:ctrlPr>
-                          <a:rPr lang="pl-PL" i="1" smtClean="0">
+                          <a:rPr lang="pl-PL" sz="2000" i="1">
                             <a:latin typeface="Cambria Math" panose="02040503050406030204" pitchFamily="18" charset="0"/>
                           </a:rPr>
                         </m:ctrlPr>
                       </m:sSubPr>
                       <m:e>
                         <m:r>
-                          <a:rPr lang="pl-PL" b="0" i="1" smtClean="0">
+                          <a:rPr lang="pl-PL" sz="2000" b="0" i="1">
                             <a:latin typeface="Cambria Math" panose="02040503050406030204" pitchFamily="18" charset="0"/>
                           </a:rPr>
                           <m:t>𝐶</m:t>
@@ -6023,14 +7915,14 @@
                         <m:sSub>
                           <m:sSubPr>
                             <m:ctrlPr>
-                              <a:rPr lang="pl-PL" i="1" smtClean="0">
+                              <a:rPr lang="pl-PL" sz="2000" i="1">
                                 <a:latin typeface="Cambria Math" panose="02040503050406030204" pitchFamily="18" charset="0"/>
                               </a:rPr>
                             </m:ctrlPr>
                           </m:sSubPr>
                           <m:e>
                             <m:r>
-                              <a:rPr lang="pl-PL" b="0" i="1" smtClean="0">
+                              <a:rPr lang="pl-PL" sz="2000" b="0" i="1">
                                 <a:latin typeface="Cambria Math" panose="02040503050406030204" pitchFamily="18" charset="0"/>
                               </a:rPr>
                               <m:t>𝐾</m:t>
@@ -6038,7 +7930,7 @@
                           </m:e>
                           <m:sub>
                             <m:r>
-                              <a:rPr lang="pl-PL" b="0" i="1" smtClean="0">
+                              <a:rPr lang="pl-PL" sz="2000" b="0" i="1">
                                 <a:latin typeface="Cambria Math" panose="02040503050406030204" pitchFamily="18" charset="0"/>
                               </a:rPr>
                               <m:t>1</m:t>
@@ -6050,7 +7942,7 @@
                   </m:oMath>
                 </a14:m>
                 <a:r>
-                  <a:rPr lang="pl-PL" dirty="0"/>
+                  <a:rPr lang="pl-PL" sz="2000" dirty="0"/>
                   <a:t>, </a:t>
                 </a:r>
                 <a14:m>
@@ -6058,14 +7950,14 @@
                     <m:sSub>
                       <m:sSubPr>
                         <m:ctrlPr>
-                          <a:rPr lang="pl-PL" i="1" smtClean="0">
+                          <a:rPr lang="pl-PL" sz="2000" i="1">
                             <a:latin typeface="Cambria Math" panose="02040503050406030204" pitchFamily="18" charset="0"/>
                           </a:rPr>
                         </m:ctrlPr>
                       </m:sSubPr>
                       <m:e>
                         <m:r>
-                          <a:rPr lang="pl-PL" b="0" i="1" smtClean="0">
+                          <a:rPr lang="pl-PL" sz="2000" b="0" i="1">
                             <a:latin typeface="Cambria Math" panose="02040503050406030204" pitchFamily="18" charset="0"/>
                           </a:rPr>
                           <m:t>𝐶</m:t>
@@ -6075,14 +7967,14 @@
                         <m:sSub>
                           <m:sSubPr>
                             <m:ctrlPr>
-                              <a:rPr lang="pl-PL" i="1" smtClean="0">
+                              <a:rPr lang="pl-PL" sz="2000" i="1">
                                 <a:latin typeface="Cambria Math" panose="02040503050406030204" pitchFamily="18" charset="0"/>
                               </a:rPr>
                             </m:ctrlPr>
                           </m:sSubPr>
                           <m:e>
                             <m:r>
-                              <a:rPr lang="pl-PL" b="0" i="1" smtClean="0">
+                              <a:rPr lang="pl-PL" sz="2000" b="0" i="1">
                                 <a:latin typeface="Cambria Math" panose="02040503050406030204" pitchFamily="18" charset="0"/>
                               </a:rPr>
                               <m:t>𝐾</m:t>
@@ -6090,7 +7982,7 @@
                           </m:e>
                           <m:sub>
                             <m:r>
-                              <a:rPr lang="pl-PL" b="0" i="1" smtClean="0">
+                              <a:rPr lang="pl-PL" sz="2000" b="0" i="1">
                                 <a:latin typeface="Cambria Math" panose="02040503050406030204" pitchFamily="18" charset="0"/>
                               </a:rPr>
                               <m:t>2</m:t>
@@ -6102,7 +7994,7 @@
                   </m:oMath>
                 </a14:m>
                 <a:r>
-                  <a:rPr lang="pl-PL" dirty="0"/>
+                  <a:rPr lang="pl-PL" sz="2000" dirty="0"/>
                   <a:t>- szyfrowanie kluczami </a:t>
                 </a:r>
                 <a14:m>
@@ -6110,14 +8002,14 @@
                     <m:sSub>
                       <m:sSubPr>
                         <m:ctrlPr>
-                          <a:rPr lang="pl-PL" i="1" smtClean="0">
+                          <a:rPr lang="pl-PL" sz="2000" i="1">
                             <a:latin typeface="Cambria Math" panose="02040503050406030204" pitchFamily="18" charset="0"/>
                           </a:rPr>
                         </m:ctrlPr>
                       </m:sSubPr>
                       <m:e>
                         <m:r>
-                          <a:rPr lang="pl-PL" b="0" i="1" smtClean="0">
+                          <a:rPr lang="pl-PL" sz="2000" b="0" i="1">
                             <a:latin typeface="Cambria Math" panose="02040503050406030204" pitchFamily="18" charset="0"/>
                           </a:rPr>
                           <m:t>𝐾</m:t>
@@ -6125,7 +8017,7 @@
                       </m:e>
                       <m:sub>
                         <m:r>
-                          <a:rPr lang="pl-PL" b="0" i="1" smtClean="0">
+                          <a:rPr lang="pl-PL" sz="2000" b="0" i="1">
                             <a:latin typeface="Cambria Math" panose="02040503050406030204" pitchFamily="18" charset="0"/>
                           </a:rPr>
                           <m:t>1</m:t>
@@ -6135,7 +8027,7 @@
                   </m:oMath>
                 </a14:m>
                 <a:r>
-                  <a:rPr lang="pl-PL" dirty="0"/>
+                  <a:rPr lang="pl-PL" sz="2000" dirty="0"/>
                   <a:t> i </a:t>
                 </a:r>
                 <a14:m>
@@ -6143,14 +8035,14 @@
                     <m:sSub>
                       <m:sSubPr>
                         <m:ctrlPr>
-                          <a:rPr lang="pl-PL" i="1" smtClean="0">
+                          <a:rPr lang="pl-PL" sz="2000" i="1">
                             <a:latin typeface="Cambria Math" panose="02040503050406030204" pitchFamily="18" charset="0"/>
                           </a:rPr>
                         </m:ctrlPr>
                       </m:sSubPr>
                       <m:e>
                         <m:r>
-                          <a:rPr lang="pl-PL" b="0" i="1" smtClean="0">
+                          <a:rPr lang="pl-PL" sz="2000" b="0" i="1">
                             <a:latin typeface="Cambria Math" panose="02040503050406030204" pitchFamily="18" charset="0"/>
                           </a:rPr>
                           <m:t>𝐾</m:t>
@@ -6158,7 +8050,7 @@
                       </m:e>
                       <m:sub>
                         <m:r>
-                          <a:rPr lang="pl-PL" b="0" i="1" smtClean="0">
+                          <a:rPr lang="pl-PL" sz="2000" b="0" i="1">
                             <a:latin typeface="Cambria Math" panose="02040503050406030204" pitchFamily="18" charset="0"/>
                           </a:rPr>
                           <m:t>2</m:t>
@@ -6167,22 +8059,25 @@
                     </m:sSub>
                   </m:oMath>
                 </a14:m>
-                <a:endParaRPr lang="pl-PL" dirty="0"/>
+                <a:endParaRPr lang="pl-PL" sz="2000" dirty="0"/>
               </a:p>
               <a:p>
+                <a:pPr marL="0" indent="0">
+                  <a:buNone/>
+                </a:pPr>
                 <a14:m>
                   <m:oMath xmlns:m="http://schemas.openxmlformats.org/officeDocument/2006/math">
                     <m:sSub>
                       <m:sSubPr>
                         <m:ctrlPr>
-                          <a:rPr lang="pl-PL" i="1" smtClean="0">
+                          <a:rPr lang="pl-PL" sz="2000" i="1">
                             <a:latin typeface="Cambria Math" panose="02040503050406030204" pitchFamily="18" charset="0"/>
                           </a:rPr>
                         </m:ctrlPr>
                       </m:sSubPr>
                       <m:e>
                         <m:r>
-                          <a:rPr lang="pl-PL" b="0" i="1" smtClean="0">
+                          <a:rPr lang="pl-PL" sz="2000" b="0" i="1">
                             <a:latin typeface="Cambria Math" panose="02040503050406030204" pitchFamily="18" charset="0"/>
                           </a:rPr>
                           <m:t>𝐷</m:t>
@@ -6192,14 +8087,14 @@
                         <m:sSub>
                           <m:sSubPr>
                             <m:ctrlPr>
-                              <a:rPr lang="pl-PL" i="1" smtClean="0">
+                              <a:rPr lang="pl-PL" sz="2000" i="1">
                                 <a:latin typeface="Cambria Math" panose="02040503050406030204" pitchFamily="18" charset="0"/>
                               </a:rPr>
                             </m:ctrlPr>
                           </m:sSubPr>
                           <m:e>
                             <m:r>
-                              <a:rPr lang="pl-PL" b="0" i="1" smtClean="0">
+                              <a:rPr lang="pl-PL" sz="2000" b="0" i="1">
                                 <a:latin typeface="Cambria Math" panose="02040503050406030204" pitchFamily="18" charset="0"/>
                               </a:rPr>
                               <m:t>𝐾</m:t>
@@ -6207,7 +8102,7 @@
                           </m:e>
                           <m:sub>
                             <m:r>
-                              <a:rPr lang="pl-PL" b="0" i="1" smtClean="0">
+                              <a:rPr lang="pl-PL" sz="2000" b="0" i="1">
                                 <a:latin typeface="Cambria Math" panose="02040503050406030204" pitchFamily="18" charset="0"/>
                               </a:rPr>
                               <m:t>1</m:t>
@@ -6219,7 +8114,7 @@
                   </m:oMath>
                 </a14:m>
                 <a:r>
-                  <a:rPr lang="pl-PL" dirty="0"/>
+                  <a:rPr lang="pl-PL" sz="2000" dirty="0"/>
                   <a:t>, </a:t>
                 </a:r>
                 <a14:m>
@@ -6227,14 +8122,14 @@
                     <m:sSub>
                       <m:sSubPr>
                         <m:ctrlPr>
-                          <a:rPr lang="pl-PL" i="1" smtClean="0">
+                          <a:rPr lang="pl-PL" sz="2000" i="1">
                             <a:latin typeface="Cambria Math" panose="02040503050406030204" pitchFamily="18" charset="0"/>
                           </a:rPr>
                         </m:ctrlPr>
                       </m:sSubPr>
                       <m:e>
                         <m:r>
-                          <a:rPr lang="pl-PL" b="0" i="1" smtClean="0">
+                          <a:rPr lang="pl-PL" sz="2000" b="0" i="1">
                             <a:latin typeface="Cambria Math" panose="02040503050406030204" pitchFamily="18" charset="0"/>
                           </a:rPr>
                           <m:t>𝐷</m:t>
@@ -6244,14 +8139,14 @@
                         <m:sSub>
                           <m:sSubPr>
                             <m:ctrlPr>
-                              <a:rPr lang="pl-PL" i="1" smtClean="0">
+                              <a:rPr lang="pl-PL" sz="2000" i="1">
                                 <a:latin typeface="Cambria Math" panose="02040503050406030204" pitchFamily="18" charset="0"/>
                               </a:rPr>
                             </m:ctrlPr>
                           </m:sSubPr>
                           <m:e>
                             <m:r>
-                              <a:rPr lang="pl-PL" b="0" i="1" smtClean="0">
+                              <a:rPr lang="pl-PL" sz="2000" b="0" i="1">
                                 <a:latin typeface="Cambria Math" panose="02040503050406030204" pitchFamily="18" charset="0"/>
                               </a:rPr>
                               <m:t>𝐾</m:t>
@@ -6259,7 +8154,7 @@
                           </m:e>
                           <m:sub>
                             <m:r>
-                              <a:rPr lang="pl-PL" b="0" i="1" smtClean="0">
+                              <a:rPr lang="pl-PL" sz="2000" b="0" i="1">
                                 <a:latin typeface="Cambria Math" panose="02040503050406030204" pitchFamily="18" charset="0"/>
                               </a:rPr>
                               <m:t>2</m:t>
@@ -6271,7 +8166,7 @@
                   </m:oMath>
                 </a14:m>
                 <a:r>
-                  <a:rPr lang="pl-PL" dirty="0"/>
+                  <a:rPr lang="pl-PL" sz="2000" dirty="0"/>
                   <a:t>- deszyfrowanie kluczami </a:t>
                 </a:r>
                 <a14:m>
@@ -6279,14 +8174,14 @@
                     <m:sSub>
                       <m:sSubPr>
                         <m:ctrlPr>
-                          <a:rPr lang="pl-PL" i="1" smtClean="0">
+                          <a:rPr lang="pl-PL" sz="2000" i="1">
                             <a:latin typeface="Cambria Math" panose="02040503050406030204" pitchFamily="18" charset="0"/>
                           </a:rPr>
                         </m:ctrlPr>
                       </m:sSubPr>
                       <m:e>
                         <m:r>
-                          <a:rPr lang="pl-PL" b="0" i="1" smtClean="0">
+                          <a:rPr lang="pl-PL" sz="2000" b="0" i="1">
                             <a:latin typeface="Cambria Math" panose="02040503050406030204" pitchFamily="18" charset="0"/>
                           </a:rPr>
                           <m:t>𝐾</m:t>
@@ -6294,7 +8189,7 @@
                       </m:e>
                       <m:sub>
                         <m:r>
-                          <a:rPr lang="pl-PL" b="0" i="1" smtClean="0">
+                          <a:rPr lang="pl-PL" sz="2000" b="0" i="1">
                             <a:latin typeface="Cambria Math" panose="02040503050406030204" pitchFamily="18" charset="0"/>
                           </a:rPr>
                           <m:t>1</m:t>
@@ -6304,7 +8199,7 @@
                   </m:oMath>
                 </a14:m>
                 <a:r>
-                  <a:rPr lang="pl-PL" dirty="0"/>
+                  <a:rPr lang="pl-PL" sz="2000" dirty="0"/>
                   <a:t> i </a:t>
                 </a:r>
                 <a14:m>
@@ -6312,14 +8207,14 @@
                     <m:sSub>
                       <m:sSubPr>
                         <m:ctrlPr>
-                          <a:rPr lang="pl-PL" i="1" smtClean="0">
+                          <a:rPr lang="pl-PL" sz="2000" i="1">
                             <a:latin typeface="Cambria Math" panose="02040503050406030204" pitchFamily="18" charset="0"/>
                           </a:rPr>
                         </m:ctrlPr>
                       </m:sSubPr>
                       <m:e>
                         <m:r>
-                          <a:rPr lang="pl-PL" b="0" i="1" smtClean="0">
+                          <a:rPr lang="pl-PL" sz="2000" b="0" i="1">
                             <a:latin typeface="Cambria Math" panose="02040503050406030204" pitchFamily="18" charset="0"/>
                           </a:rPr>
                           <m:t>𝐾</m:t>
@@ -6327,7 +8222,7 @@
                       </m:e>
                       <m:sub>
                         <m:r>
-                          <a:rPr lang="pl-PL" b="0" i="1" smtClean="0">
+                          <a:rPr lang="pl-PL" sz="2000" b="0" i="1">
                             <a:latin typeface="Cambria Math" panose="02040503050406030204" pitchFamily="18" charset="0"/>
                           </a:rPr>
                           <m:t>2</m:t>
@@ -6336,25 +8231,31 @@
                     </m:sSub>
                   </m:oMath>
                 </a14:m>
-                <a:endParaRPr lang="pl-PL" dirty="0"/>
+                <a:endParaRPr lang="pl-PL" sz="2000" dirty="0"/>
               </a:p>
               <a:p>
-                <a:endParaRPr lang="pl-PL" dirty="0"/>
+                <a:pPr marL="0" indent="0">
+                  <a:buNone/>
+                </a:pPr>
+                <a:endParaRPr lang="pl-PL" sz="2000" dirty="0"/>
               </a:p>
               <a:p>
+                <a:pPr marL="0" indent="0" algn="ctr">
+                  <a:buNone/>
+                </a:pPr>
                 <a14:m>
                   <m:oMath xmlns:m="http://schemas.openxmlformats.org/officeDocument/2006/math">
                     <m:sSub>
                       <m:sSubPr>
                         <m:ctrlPr>
-                          <a:rPr lang="pl-PL" i="1" smtClean="0">
+                          <a:rPr lang="pl-PL" sz="2000" i="1">
                             <a:latin typeface="Cambria Math" panose="02040503050406030204" pitchFamily="18" charset="0"/>
                           </a:rPr>
                         </m:ctrlPr>
                       </m:sSubPr>
                       <m:e>
                         <m:r>
-                          <a:rPr lang="pl-PL" b="0" i="1" smtClean="0">
+                          <a:rPr lang="pl-PL" sz="2000" b="0" i="1">
                             <a:latin typeface="Cambria Math" panose="02040503050406030204" pitchFamily="18" charset="0"/>
                           </a:rPr>
                           <m:t>𝐶</m:t>
@@ -6364,14 +8265,14 @@
                         <m:sSub>
                           <m:sSubPr>
                             <m:ctrlPr>
-                              <a:rPr lang="pl-PL" i="1" smtClean="0">
+                              <a:rPr lang="pl-PL" sz="2000" i="1">
                                 <a:latin typeface="Cambria Math" panose="02040503050406030204" pitchFamily="18" charset="0"/>
                               </a:rPr>
                             </m:ctrlPr>
                           </m:sSubPr>
                           <m:e>
                             <m:r>
-                              <a:rPr lang="pl-PL" b="0" i="1" smtClean="0">
+                              <a:rPr lang="pl-PL" sz="2000" b="0" i="1">
                                 <a:latin typeface="Cambria Math" panose="02040503050406030204" pitchFamily="18" charset="0"/>
                               </a:rPr>
                               <m:t>𝐾</m:t>
@@ -6379,7 +8280,7 @@
                           </m:e>
                           <m:sub>
                             <m:r>
-                              <a:rPr lang="pl-PL" b="0" i="1" smtClean="0">
+                              <a:rPr lang="pl-PL" sz="2000" b="0" i="1">
                                 <a:latin typeface="Cambria Math" panose="02040503050406030204" pitchFamily="18" charset="0"/>
                               </a:rPr>
                               <m:t>1</m:t>
@@ -6391,7 +8292,7 @@
                     <m:d>
                       <m:dPr>
                         <m:ctrlPr>
-                          <a:rPr lang="pl-PL" b="0" i="1" smtClean="0">
+                          <a:rPr lang="pl-PL" sz="2000" b="0" i="1">
                             <a:latin typeface="Cambria Math" panose="02040503050406030204" pitchFamily="18" charset="0"/>
                           </a:rPr>
                         </m:ctrlPr>
@@ -6400,14 +8301,14 @@
                         <m:sSub>
                           <m:sSubPr>
                             <m:ctrlPr>
-                              <a:rPr lang="pl-PL" i="1" smtClean="0">
+                              <a:rPr lang="pl-PL" sz="2000" i="1">
                                 <a:latin typeface="Cambria Math" panose="02040503050406030204" pitchFamily="18" charset="0"/>
                               </a:rPr>
                             </m:ctrlPr>
                           </m:sSubPr>
                           <m:e>
                             <m:r>
-                              <a:rPr lang="pl-PL" b="0" i="1" smtClean="0">
+                              <a:rPr lang="pl-PL" sz="2000" b="0" i="1">
                                 <a:latin typeface="Cambria Math" panose="02040503050406030204" pitchFamily="18" charset="0"/>
                               </a:rPr>
                               <m:t>𝐶</m:t>
@@ -6417,14 +8318,14 @@
                             <m:sSub>
                               <m:sSubPr>
                                 <m:ctrlPr>
-                                  <a:rPr lang="pl-PL" i="1" smtClean="0">
+                                  <a:rPr lang="pl-PL" sz="2000" i="1">
                                     <a:latin typeface="Cambria Math" panose="02040503050406030204" pitchFamily="18" charset="0"/>
                                   </a:rPr>
                                 </m:ctrlPr>
                               </m:sSubPr>
                               <m:e>
                                 <m:r>
-                                  <a:rPr lang="pl-PL" b="0" i="1" smtClean="0">
+                                  <a:rPr lang="pl-PL" sz="2000" b="0" i="1">
                                     <a:latin typeface="Cambria Math" panose="02040503050406030204" pitchFamily="18" charset="0"/>
                                   </a:rPr>
                                   <m:t>𝐾</m:t>
@@ -6432,7 +8333,7 @@
                               </m:e>
                               <m:sub>
                                 <m:r>
-                                  <a:rPr lang="pl-PL" b="0" i="1" smtClean="0">
+                                  <a:rPr lang="pl-PL" sz="2000" b="0" i="1">
                                     <a:latin typeface="Cambria Math" panose="02040503050406030204" pitchFamily="18" charset="0"/>
                                   </a:rPr>
                                   <m:t>2</m:t>
@@ -6444,14 +8345,14 @@
                         <m:d>
                           <m:dPr>
                             <m:ctrlPr>
-                              <a:rPr lang="pl-PL" b="0" i="1" smtClean="0">
+                              <a:rPr lang="pl-PL" sz="2000" b="0" i="1">
                                 <a:latin typeface="Cambria Math" panose="02040503050406030204" pitchFamily="18" charset="0"/>
                               </a:rPr>
                             </m:ctrlPr>
                           </m:dPr>
                           <m:e>
                             <m:r>
-                              <a:rPr lang="pl-PL" b="0" i="1" smtClean="0">
+                              <a:rPr lang="pl-PL" sz="2000" b="0" i="1">
                                 <a:latin typeface="Cambria Math" panose="02040503050406030204" pitchFamily="18" charset="0"/>
                               </a:rPr>
                               <m:t>𝑀</m:t>
@@ -6461,7 +8362,7 @@
                       </m:e>
                     </m:d>
                     <m:r>
-                      <a:rPr lang="pl-PL" b="0" i="1" smtClean="0">
+                      <a:rPr lang="pl-PL" sz="2000" b="0" i="1">
                         <a:latin typeface="Cambria Math" panose="02040503050406030204" pitchFamily="18" charset="0"/>
                       </a:rPr>
                       <m:t>=</m:t>
@@ -6469,7 +8370,7 @@
                   </m:oMath>
                 </a14:m>
                 <a:r>
-                  <a:rPr lang="pl-PL" dirty="0"/>
+                  <a:rPr lang="pl-PL" sz="2000" dirty="0"/>
                   <a:t> </a:t>
                 </a:r>
                 <a14:m>
@@ -6477,14 +8378,14 @@
                     <m:sSub>
                       <m:sSubPr>
                         <m:ctrlPr>
-                          <a:rPr lang="pl-PL" i="1" smtClean="0">
+                          <a:rPr lang="pl-PL" sz="2000" i="1">
                             <a:latin typeface="Cambria Math" panose="02040503050406030204" pitchFamily="18" charset="0"/>
                           </a:rPr>
                         </m:ctrlPr>
                       </m:sSubPr>
                       <m:e>
                         <m:r>
-                          <a:rPr lang="pl-PL" b="0" i="1" smtClean="0">
+                          <a:rPr lang="pl-PL" sz="2000" b="0" i="1">
                             <a:latin typeface="Cambria Math" panose="02040503050406030204" pitchFamily="18" charset="0"/>
                           </a:rPr>
                           <m:t>𝐶</m:t>
@@ -6494,14 +8395,14 @@
                         <m:sSub>
                           <m:sSubPr>
                             <m:ctrlPr>
-                              <a:rPr lang="pl-PL" i="1" smtClean="0">
+                              <a:rPr lang="pl-PL" sz="2000" i="1">
                                 <a:latin typeface="Cambria Math" panose="02040503050406030204" pitchFamily="18" charset="0"/>
                               </a:rPr>
                             </m:ctrlPr>
                           </m:sSubPr>
                           <m:e>
                             <m:r>
-                              <a:rPr lang="pl-PL" b="0" i="1" smtClean="0">
+                              <a:rPr lang="pl-PL" sz="2000" b="0" i="1">
                                 <a:latin typeface="Cambria Math" panose="02040503050406030204" pitchFamily="18" charset="0"/>
                               </a:rPr>
                               <m:t>𝐾</m:t>
@@ -6509,7 +8410,7 @@
                           </m:e>
                           <m:sub>
                             <m:r>
-                              <a:rPr lang="pl-PL" b="0" i="1" smtClean="0">
+                              <a:rPr lang="pl-PL" sz="2000" b="0" i="1">
                                 <a:latin typeface="Cambria Math" panose="02040503050406030204" pitchFamily="18" charset="0"/>
                               </a:rPr>
                               <m:t>2</m:t>
@@ -6521,7 +8422,7 @@
                     <m:d>
                       <m:dPr>
                         <m:ctrlPr>
-                          <a:rPr lang="pl-PL" b="0" i="1" smtClean="0">
+                          <a:rPr lang="pl-PL" sz="2000" b="0" i="1">
                             <a:latin typeface="Cambria Math" panose="02040503050406030204" pitchFamily="18" charset="0"/>
                           </a:rPr>
                         </m:ctrlPr>
@@ -6530,14 +8431,14 @@
                         <m:sSub>
                           <m:sSubPr>
                             <m:ctrlPr>
-                              <a:rPr lang="pl-PL" i="1" smtClean="0">
+                              <a:rPr lang="pl-PL" sz="2000" i="1">
                                 <a:latin typeface="Cambria Math" panose="02040503050406030204" pitchFamily="18" charset="0"/>
                               </a:rPr>
                             </m:ctrlPr>
                           </m:sSubPr>
                           <m:e>
                             <m:r>
-                              <a:rPr lang="pl-PL" b="0" i="1" smtClean="0">
+                              <a:rPr lang="pl-PL" sz="2000" b="0" i="1">
                                 <a:latin typeface="Cambria Math" panose="02040503050406030204" pitchFamily="18" charset="0"/>
                               </a:rPr>
                               <m:t>𝐶</m:t>
@@ -6547,14 +8448,14 @@
                             <m:sSub>
                               <m:sSubPr>
                                 <m:ctrlPr>
-                                  <a:rPr lang="pl-PL" i="1" smtClean="0">
+                                  <a:rPr lang="pl-PL" sz="2000" i="1">
                                     <a:latin typeface="Cambria Math" panose="02040503050406030204" pitchFamily="18" charset="0"/>
                                   </a:rPr>
                                 </m:ctrlPr>
                               </m:sSubPr>
                               <m:e>
                                 <m:r>
-                                  <a:rPr lang="pl-PL" b="0" i="1" smtClean="0">
+                                  <a:rPr lang="pl-PL" sz="2000" b="0" i="1">
                                     <a:latin typeface="Cambria Math" panose="02040503050406030204" pitchFamily="18" charset="0"/>
                                   </a:rPr>
                                   <m:t>𝐾</m:t>
@@ -6562,7 +8463,7 @@
                               </m:e>
                               <m:sub>
                                 <m:r>
-                                  <a:rPr lang="pl-PL" b="0" i="1" smtClean="0">
+                                  <a:rPr lang="pl-PL" sz="2000" b="0" i="1">
                                     <a:latin typeface="Cambria Math" panose="02040503050406030204" pitchFamily="18" charset="0"/>
                                   </a:rPr>
                                   <m:t>1</m:t>
@@ -6574,14 +8475,14 @@
                         <m:d>
                           <m:dPr>
                             <m:ctrlPr>
-                              <a:rPr lang="pl-PL" b="0" i="1" smtClean="0">
+                              <a:rPr lang="pl-PL" sz="2000" b="0" i="1">
                                 <a:latin typeface="Cambria Math" panose="02040503050406030204" pitchFamily="18" charset="0"/>
                               </a:rPr>
                             </m:ctrlPr>
                           </m:dPr>
                           <m:e>
                             <m:r>
-                              <a:rPr lang="pl-PL" b="0" i="1" smtClean="0">
+                              <a:rPr lang="pl-PL" sz="2000" b="0" i="1">
                                 <a:latin typeface="Cambria Math" panose="02040503050406030204" pitchFamily="18" charset="0"/>
                               </a:rPr>
                               <m:t>𝑀</m:t>
@@ -6593,24 +8494,40 @@
                   </m:oMath>
                 </a14:m>
                 <a:r>
-                  <a:rPr lang="pl-PL" dirty="0"/>
-                  <a:t> - przemienność szyfrowania</a:t>
+                  <a:rPr lang="pl-PL" sz="2000" dirty="0"/>
+                  <a:t>  </a:t>
+                </a:r>
+                <a:br>
+                  <a:rPr lang="pl-PL" sz="2000" dirty="0"/>
+                </a:br>
+                <a:r>
+                  <a:rPr lang="pl-PL" sz="2000" dirty="0"/>
+                  <a:t>przemienność szyfrowania</a:t>
                 </a:r>
               </a:p>
               <a:p>
+                <a:pPr marL="0" indent="0">
+                  <a:buNone/>
+                </a:pPr>
+                <a:endParaRPr lang="pl-PL" sz="2000" dirty="0"/>
+              </a:p>
+              <a:p>
+                <a:pPr marL="0" indent="0" algn="ctr">
+                  <a:buNone/>
+                </a:pPr>
                 <a14:m>
                   <m:oMath xmlns:m="http://schemas.openxmlformats.org/officeDocument/2006/math">
                     <m:sSub>
                       <m:sSubPr>
                         <m:ctrlPr>
-                          <a:rPr lang="pl-PL" i="1" smtClean="0">
+                          <a:rPr lang="pl-PL" sz="2000" i="1">
                             <a:latin typeface="Cambria Math" panose="02040503050406030204" pitchFamily="18" charset="0"/>
                           </a:rPr>
                         </m:ctrlPr>
                       </m:sSubPr>
                       <m:e>
                         <m:r>
-                          <a:rPr lang="pl-PL" b="0" i="1" smtClean="0">
+                          <a:rPr lang="pl-PL" sz="2000" b="0" i="1">
                             <a:latin typeface="Cambria Math" panose="02040503050406030204" pitchFamily="18" charset="0"/>
                           </a:rPr>
                           <m:t>𝐷</m:t>
@@ -6620,14 +8537,14 @@
                         <m:sSub>
                           <m:sSubPr>
                             <m:ctrlPr>
-                              <a:rPr lang="pl-PL" i="1" smtClean="0">
+                              <a:rPr lang="pl-PL" sz="2000" i="1">
                                 <a:latin typeface="Cambria Math" panose="02040503050406030204" pitchFamily="18" charset="0"/>
                               </a:rPr>
                             </m:ctrlPr>
                           </m:sSubPr>
                           <m:e>
                             <m:r>
-                              <a:rPr lang="pl-PL" b="0" i="1" smtClean="0">
+                              <a:rPr lang="pl-PL" sz="2000" b="0" i="1">
                                 <a:latin typeface="Cambria Math" panose="02040503050406030204" pitchFamily="18" charset="0"/>
                               </a:rPr>
                               <m:t>𝐾</m:t>
@@ -6635,7 +8552,7 @@
                           </m:e>
                           <m:sub>
                             <m:r>
-                              <a:rPr lang="pl-PL" b="0" i="1" smtClean="0">
+                              <a:rPr lang="pl-PL" sz="2000" b="0" i="1">
                                 <a:latin typeface="Cambria Math" panose="02040503050406030204" pitchFamily="18" charset="0"/>
                               </a:rPr>
                               <m:t>1</m:t>
@@ -6647,7 +8564,7 @@
                     <m:d>
                       <m:dPr>
                         <m:ctrlPr>
-                          <a:rPr lang="pl-PL" b="0" i="1" smtClean="0">
+                          <a:rPr lang="pl-PL" sz="2000" b="0" i="1">
                             <a:latin typeface="Cambria Math" panose="02040503050406030204" pitchFamily="18" charset="0"/>
                           </a:rPr>
                         </m:ctrlPr>
@@ -6656,14 +8573,14 @@
                         <m:sSub>
                           <m:sSubPr>
                             <m:ctrlPr>
-                              <a:rPr lang="pl-PL" i="1" smtClean="0">
+                              <a:rPr lang="pl-PL" sz="2000" i="1">
                                 <a:latin typeface="Cambria Math" panose="02040503050406030204" pitchFamily="18" charset="0"/>
                               </a:rPr>
                             </m:ctrlPr>
                           </m:sSubPr>
                           <m:e>
                             <m:r>
-                              <a:rPr lang="pl-PL" b="0" i="1" smtClean="0">
+                              <a:rPr lang="pl-PL" sz="2000" b="0" i="1">
                                 <a:latin typeface="Cambria Math" panose="02040503050406030204" pitchFamily="18" charset="0"/>
                               </a:rPr>
                               <m:t>𝐷</m:t>
@@ -6673,14 +8590,14 @@
                             <m:sSub>
                               <m:sSubPr>
                                 <m:ctrlPr>
-                                  <a:rPr lang="pl-PL" i="1" smtClean="0">
+                                  <a:rPr lang="pl-PL" sz="2000" i="1">
                                     <a:latin typeface="Cambria Math" panose="02040503050406030204" pitchFamily="18" charset="0"/>
                                   </a:rPr>
                                 </m:ctrlPr>
                               </m:sSubPr>
                               <m:e>
                                 <m:r>
-                                  <a:rPr lang="pl-PL" b="0" i="1" smtClean="0">
+                                  <a:rPr lang="pl-PL" sz="2000" b="0" i="1">
                                     <a:latin typeface="Cambria Math" panose="02040503050406030204" pitchFamily="18" charset="0"/>
                                   </a:rPr>
                                   <m:t>𝐾</m:t>
@@ -6688,7 +8605,7 @@
                               </m:e>
                               <m:sub>
                                 <m:r>
-                                  <a:rPr lang="pl-PL" b="0" i="1" smtClean="0">
+                                  <a:rPr lang="pl-PL" sz="2000" b="0" i="1">
                                     <a:latin typeface="Cambria Math" panose="02040503050406030204" pitchFamily="18" charset="0"/>
                                   </a:rPr>
                                   <m:t>2</m:t>
@@ -6700,14 +8617,14 @@
                         <m:d>
                           <m:dPr>
                             <m:ctrlPr>
-                              <a:rPr lang="pl-PL" b="0" i="1" smtClean="0">
+                              <a:rPr lang="pl-PL" sz="2000" b="0" i="1">
                                 <a:latin typeface="Cambria Math" panose="02040503050406030204" pitchFamily="18" charset="0"/>
                               </a:rPr>
                             </m:ctrlPr>
                           </m:dPr>
                           <m:e>
                             <m:r>
-                              <a:rPr lang="pl-PL" b="0" i="1" smtClean="0">
+                              <a:rPr lang="pl-PL" sz="2000" b="0" i="1">
                                 <a:latin typeface="Cambria Math" panose="02040503050406030204" pitchFamily="18" charset="0"/>
                               </a:rPr>
                               <m:t>𝑀</m:t>
@@ -6717,7 +8634,7 @@
                       </m:e>
                     </m:d>
                     <m:r>
-                      <a:rPr lang="pl-PL" b="0" i="1" smtClean="0">
+                      <a:rPr lang="pl-PL" sz="2000" b="0" i="1">
                         <a:latin typeface="Cambria Math" panose="02040503050406030204" pitchFamily="18" charset="0"/>
                       </a:rPr>
                       <m:t>=</m:t>
@@ -6725,7 +8642,7 @@
                   </m:oMath>
                 </a14:m>
                 <a:r>
-                  <a:rPr lang="pl-PL" dirty="0"/>
+                  <a:rPr lang="pl-PL" sz="2000" dirty="0"/>
                   <a:t> </a:t>
                 </a:r>
                 <a14:m>
@@ -6733,14 +8650,14 @@
                     <m:sSub>
                       <m:sSubPr>
                         <m:ctrlPr>
-                          <a:rPr lang="pl-PL" i="1" smtClean="0">
+                          <a:rPr lang="pl-PL" sz="2000" i="1">
                             <a:latin typeface="Cambria Math" panose="02040503050406030204" pitchFamily="18" charset="0"/>
                           </a:rPr>
                         </m:ctrlPr>
                       </m:sSubPr>
                       <m:e>
                         <m:r>
-                          <a:rPr lang="pl-PL" b="0" i="1" smtClean="0">
+                          <a:rPr lang="pl-PL" sz="2000" b="0" i="1">
                             <a:latin typeface="Cambria Math" panose="02040503050406030204" pitchFamily="18" charset="0"/>
                           </a:rPr>
                           <m:t>𝐷</m:t>
@@ -6750,14 +8667,14 @@
                         <m:sSub>
                           <m:sSubPr>
                             <m:ctrlPr>
-                              <a:rPr lang="pl-PL" i="1" smtClean="0">
+                              <a:rPr lang="pl-PL" sz="2000" i="1">
                                 <a:latin typeface="Cambria Math" panose="02040503050406030204" pitchFamily="18" charset="0"/>
                               </a:rPr>
                             </m:ctrlPr>
                           </m:sSubPr>
                           <m:e>
                             <m:r>
-                              <a:rPr lang="pl-PL" b="0" i="1" smtClean="0">
+                              <a:rPr lang="pl-PL" sz="2000" b="0" i="1">
                                 <a:latin typeface="Cambria Math" panose="02040503050406030204" pitchFamily="18" charset="0"/>
                               </a:rPr>
                               <m:t>𝐾</m:t>
@@ -6765,7 +8682,7 @@
                           </m:e>
                           <m:sub>
                             <m:r>
-                              <a:rPr lang="pl-PL" b="0" i="1" smtClean="0">
+                              <a:rPr lang="pl-PL" sz="2000" b="0" i="1">
                                 <a:latin typeface="Cambria Math" panose="02040503050406030204" pitchFamily="18" charset="0"/>
                               </a:rPr>
                               <m:t>2</m:t>
@@ -6777,7 +8694,7 @@
                     <m:d>
                       <m:dPr>
                         <m:ctrlPr>
-                          <a:rPr lang="pl-PL" b="0" i="1" smtClean="0">
+                          <a:rPr lang="pl-PL" sz="2000" b="0" i="1">
                             <a:latin typeface="Cambria Math" panose="02040503050406030204" pitchFamily="18" charset="0"/>
                           </a:rPr>
                         </m:ctrlPr>
@@ -6786,14 +8703,14 @@
                         <m:sSub>
                           <m:sSubPr>
                             <m:ctrlPr>
-                              <a:rPr lang="pl-PL" i="1" smtClean="0">
+                              <a:rPr lang="pl-PL" sz="2000" i="1">
                                 <a:latin typeface="Cambria Math" panose="02040503050406030204" pitchFamily="18" charset="0"/>
                               </a:rPr>
                             </m:ctrlPr>
                           </m:sSubPr>
                           <m:e>
                             <m:r>
-                              <a:rPr lang="pl-PL" b="0" i="1" smtClean="0">
+                              <a:rPr lang="pl-PL" sz="2000" b="0" i="1">
                                 <a:latin typeface="Cambria Math" panose="02040503050406030204" pitchFamily="18" charset="0"/>
                               </a:rPr>
                               <m:t>𝐷</m:t>
@@ -6803,14 +8720,14 @@
                             <m:sSub>
                               <m:sSubPr>
                                 <m:ctrlPr>
-                                  <a:rPr lang="pl-PL" i="1" smtClean="0">
+                                  <a:rPr lang="pl-PL" sz="2000" i="1">
                                     <a:latin typeface="Cambria Math" panose="02040503050406030204" pitchFamily="18" charset="0"/>
                                   </a:rPr>
                                 </m:ctrlPr>
                               </m:sSubPr>
                               <m:e>
                                 <m:r>
-                                  <a:rPr lang="pl-PL" b="0" i="1" smtClean="0">
+                                  <a:rPr lang="pl-PL" sz="2000" b="0" i="1">
                                     <a:latin typeface="Cambria Math" panose="02040503050406030204" pitchFamily="18" charset="0"/>
                                   </a:rPr>
                                   <m:t>𝐾</m:t>
@@ -6818,7 +8735,7 @@
                               </m:e>
                               <m:sub>
                                 <m:r>
-                                  <a:rPr lang="pl-PL" b="0" i="1" smtClean="0">
+                                  <a:rPr lang="pl-PL" sz="2000" b="0" i="1">
                                     <a:latin typeface="Cambria Math" panose="02040503050406030204" pitchFamily="18" charset="0"/>
                                   </a:rPr>
                                   <m:t>1</m:t>
@@ -6830,14 +8747,14 @@
                         <m:d>
                           <m:dPr>
                             <m:ctrlPr>
-                              <a:rPr lang="pl-PL" b="0" i="1" smtClean="0">
+                              <a:rPr lang="pl-PL" sz="2000" b="0" i="1">
                                 <a:latin typeface="Cambria Math" panose="02040503050406030204" pitchFamily="18" charset="0"/>
                               </a:rPr>
                             </m:ctrlPr>
                           </m:dPr>
                           <m:e>
                             <m:r>
-                              <a:rPr lang="pl-PL" b="0" i="1" smtClean="0">
+                              <a:rPr lang="pl-PL" sz="2000" b="0" i="1">
                                 <a:latin typeface="Cambria Math" panose="02040503050406030204" pitchFamily="18" charset="0"/>
                               </a:rPr>
                               <m:t>𝑀</m:t>
@@ -6849,8 +8766,15 @@
                   </m:oMath>
                 </a14:m>
                 <a:r>
-                  <a:rPr lang="pl-PL" dirty="0"/>
-                  <a:t> - przemienność deszyfrowania</a:t>
+                  <a:rPr lang="pl-PL" sz="2000" dirty="0"/>
+                  <a:t>  </a:t>
+                </a:r>
+                <a:br>
+                  <a:rPr lang="pl-PL" sz="2000" dirty="0"/>
+                </a:br>
+                <a:r>
+                  <a:rPr lang="pl-PL" sz="2000" dirty="0"/>
+                  <a:t>przemienność deszyfrowania</a:t>
                 </a:r>
               </a:p>
             </p:txBody>
@@ -6874,10 +8798,14 @@
               </p:nvPr>
             </p:nvSpPr>
             <p:spPr>
+              <a:xfrm>
+                <a:off x="6219688" y="2249766"/>
+                <a:ext cx="5826538" cy="4070303"/>
+              </a:xfrm>
               <a:blipFill>
-                <a:blip r:embed="rId2"/>
+                <a:blip r:embed="rId3"/>
                 <a:stretch>
-                  <a:fillRect t="-1961"/>
+                  <a:fillRect/>
                 </a:stretch>
               </a:blipFill>
             </p:spPr>
@@ -6886,7 +8814,7 @@
               <a:lstStyle/>
               <a:p>
                 <a:r>
-                  <a:rPr lang="pl-PL">
+                  <a:rPr lang="en-US">
                     <a:noFill/>
                   </a:rPr>
                   <a:t> </a:t>
@@ -6912,6 +8840,14 @@
 <file path=ppt/slides/slide8.xml><?xml version="1.0" encoding="utf-8"?>
 <p:sld xmlns:a="http://schemas.openxmlformats.org/drawingml/2006/main" xmlns:r="http://schemas.openxmlformats.org/officeDocument/2006/relationships" xmlns:p="http://schemas.openxmlformats.org/presentationml/2006/main">
   <p:cSld>
+    <p:bg>
+      <p:bgPr>
+        <a:solidFill>
+          <a:schemeClr val="bg1"/>
+        </a:solidFill>
+        <a:effectLst/>
+      </p:bgPr>
+    </p:bg>
     <p:spTree>
       <p:nvGrpSpPr>
         <p:cNvPr id="1" name=""/>
@@ -6942,13 +8878,20 @@
             <p:ph type="title"/>
           </p:nvPr>
         </p:nvSpPr>
-        <p:spPr/>
-        <p:txBody>
-          <a:bodyPr/>
+        <p:spPr>
+          <a:xfrm>
+            <a:off x="876693" y="741391"/>
+            <a:ext cx="4355265" cy="1616203"/>
+          </a:xfrm>
+        </p:spPr>
+        <p:txBody>
+          <a:bodyPr anchor="b">
+            <a:normAutofit/>
+          </a:bodyPr>
           <a:lstStyle/>
           <a:p>
             <a:r>
-              <a:rPr lang="pl-PL" dirty="0"/>
+              <a:rPr lang="pl-PL" sz="3200"/>
               <a:t>Podpis cyfrowy</a:t>
             </a:r>
           </a:p>
@@ -6970,30 +8913,397 @@
             <p:ph idx="1"/>
           </p:nvPr>
         </p:nvSpPr>
-        <p:spPr/>
-        <p:txBody>
-          <a:bodyPr/>
+        <p:spPr>
+          <a:xfrm>
+            <a:off x="876692" y="2533476"/>
+            <a:ext cx="5148093" cy="3447832"/>
+          </a:xfrm>
+        </p:spPr>
+        <p:txBody>
+          <a:bodyPr anchor="ctr">
+            <a:normAutofit/>
+          </a:bodyPr>
           <a:lstStyle/>
           <a:p>
-            <a:r>
-              <a:rPr lang="pl-PL" dirty="0"/>
+            <a:pPr>
+              <a:spcAft>
+                <a:spcPts val="1200"/>
+              </a:spcAft>
+            </a:pPr>
+            <a:r>
+              <a:rPr lang="pl-PL" sz="2000" dirty="0"/>
               <a:t>Sposób sprawdzenia autentyczności dokumentów i wiadomości elektronicznych</a:t>
             </a:r>
           </a:p>
           <a:p>
-            <a:r>
-              <a:rPr lang="pl-PL" dirty="0"/>
+            <a:pPr>
+              <a:spcAft>
+                <a:spcPts val="1200"/>
+              </a:spcAft>
+            </a:pPr>
+            <a:r>
+              <a:rPr lang="pl-PL" sz="2000" dirty="0"/>
               <a:t>Potwierdza nadawcę wiadomości</a:t>
             </a:r>
           </a:p>
           <a:p>
-            <a:r>
-              <a:rPr lang="pl-PL" dirty="0"/>
+            <a:pPr>
+              <a:spcAft>
+                <a:spcPts val="1200"/>
+              </a:spcAft>
+            </a:pPr>
+            <a:r>
+              <a:rPr lang="pl-PL" sz="2000" dirty="0"/>
               <a:t>Zapewnia, że wiadomość nie została zmieniona</a:t>
             </a:r>
           </a:p>
           <a:p>
-            <a:endParaRPr lang="pl-PL" dirty="0"/>
+            <a:endParaRPr lang="pl-PL" sz="2000" dirty="0"/>
+          </a:p>
+        </p:txBody>
+      </p:sp>
+      <p:pic>
+        <p:nvPicPr>
+          <p:cNvPr id="14" name="Picture 4" descr="Wykrzyknik na żółtym tle">
+            <a:extLst>
+              <a:ext uri="{FF2B5EF4-FFF2-40B4-BE49-F238E27FC236}">
+                <a16:creationId xmlns:a16="http://schemas.microsoft.com/office/drawing/2014/main" id="{AF1D259C-8CE6-20CA-671B-F029FA4BC25C}"/>
+              </a:ext>
+            </a:extLst>
+          </p:cNvPr>
+          <p:cNvPicPr>
+            <a:picLocks noChangeAspect="1"/>
+          </p:cNvPicPr>
+          <p:nvPr/>
+        </p:nvPicPr>
+        <p:blipFill rotWithShape="1">
+          <a:blip r:embed="rId2"/>
+          <a:srcRect l="23125" r="10208"/>
+          <a:stretch/>
+        </p:blipFill>
+        <p:spPr>
+          <a:xfrm>
+            <a:off x="6096000" y="10"/>
+            <a:ext cx="6095999" cy="6857990"/>
+          </a:xfrm>
+          <a:prstGeom prst="rect">
+            <a:avLst/>
+          </a:prstGeom>
+        </p:spPr>
+      </p:pic>
+      <p:sp>
+        <p:nvSpPr>
+          <p:cNvPr id="16" name="Rectangle 8">
+            <a:extLst>
+              <a:ext uri="{FF2B5EF4-FFF2-40B4-BE49-F238E27FC236}">
+                <a16:creationId xmlns:a16="http://schemas.microsoft.com/office/drawing/2014/main" id="{AE3A741D-C19B-960A-5803-1C5887147820}"/>
+              </a:ext>
+              <a:ext uri="{C183D7F6-B498-43B3-948B-1728B52AA6E4}">
+                <adec:decorative xmlns:adec="http://schemas.microsoft.com/office/drawing/2017/decorative" val="1"/>
+              </a:ext>
+            </a:extLst>
+          </p:cNvPr>
+          <p:cNvSpPr>
+            <a:spLocks noGrp="1" noRot="1" noChangeAspect="1" noMove="1" noResize="1" noEditPoints="1" noAdjustHandles="1" noChangeArrowheads="1" noChangeShapeType="1" noTextEdit="1"/>
+          </p:cNvSpPr>
+          <p:nvPr>
+            <p:extLst>
+              <p:ext uri="{386F3935-93C4-4BCD-93E2-E3B085C9AB24}">
+                <p16:designElem xmlns:p16="http://schemas.microsoft.com/office/powerpoint/2015/main" val="1"/>
+              </p:ext>
+            </p:extLst>
+          </p:nvPr>
+        </p:nvSpPr>
+        <p:spPr>
+          <a:xfrm rot="5400000">
+            <a:off x="8369424" y="3028872"/>
+            <a:ext cx="1559464" cy="6106313"/>
+          </a:xfrm>
+          <a:prstGeom prst="rect">
+            <a:avLst/>
+          </a:prstGeom>
+          <a:gradFill>
+            <a:gsLst>
+              <a:gs pos="0">
+                <a:schemeClr val="accent5">
+                  <a:alpha val="77000"/>
+                </a:schemeClr>
+              </a:gs>
+              <a:gs pos="57000">
+                <a:schemeClr val="accent5">
+                  <a:lumMod val="60000"/>
+                  <a:lumOff val="40000"/>
+                  <a:alpha val="0"/>
+                </a:schemeClr>
+              </a:gs>
+            </a:gsLst>
+            <a:lin ang="11100000" scaled="0"/>
+          </a:gradFill>
+          <a:ln>
+            <a:noFill/>
+          </a:ln>
+        </p:spPr>
+        <p:style>
+          <a:lnRef idx="2">
+            <a:schemeClr val="accent1">
+              <a:shade val="50000"/>
+            </a:schemeClr>
+          </a:lnRef>
+          <a:fillRef idx="1">
+            <a:schemeClr val="accent1"/>
+          </a:fillRef>
+          <a:effectRef idx="0">
+            <a:schemeClr val="accent1"/>
+          </a:effectRef>
+          <a:fontRef idx="minor">
+            <a:schemeClr val="lt1"/>
+          </a:fontRef>
+        </p:style>
+        <p:txBody>
+          <a:bodyPr rtlCol="0" anchor="ctr"/>
+          <a:lstStyle/>
+          <a:p>
+            <a:pPr algn="ctr"/>
+            <a:endParaRPr lang="en-US"/>
+          </a:p>
+        </p:txBody>
+      </p:sp>
+      <p:sp>
+        <p:nvSpPr>
+          <p:cNvPr id="17" name="Rectangle 10">
+            <a:extLst>
+              <a:ext uri="{FF2B5EF4-FFF2-40B4-BE49-F238E27FC236}">
+                <a16:creationId xmlns:a16="http://schemas.microsoft.com/office/drawing/2014/main" id="{9C3A50E9-9119-7BC3-083B-2D84CCC78E47}"/>
+              </a:ext>
+              <a:ext uri="{C183D7F6-B498-43B3-948B-1728B52AA6E4}">
+                <adec:decorative xmlns:adec="http://schemas.microsoft.com/office/drawing/2017/decorative" val="1"/>
+              </a:ext>
+            </a:extLst>
+          </p:cNvPr>
+          <p:cNvSpPr>
+            <a:spLocks noGrp="1" noRot="1" noChangeAspect="1" noMove="1" noResize="1" noEditPoints="1" noAdjustHandles="1" noChangeArrowheads="1" noChangeShapeType="1" noTextEdit="1"/>
+          </p:cNvSpPr>
+          <p:nvPr>
+            <p:extLst>
+              <p:ext uri="{386F3935-93C4-4BCD-93E2-E3B085C9AB24}">
+                <p16:designElem xmlns:p16="http://schemas.microsoft.com/office/powerpoint/2015/main" val="1"/>
+              </p:ext>
+            </p:extLst>
+          </p:nvPr>
+        </p:nvSpPr>
+        <p:spPr>
+          <a:xfrm>
+            <a:off x="10015441" y="-3760"/>
+            <a:ext cx="2176557" cy="6857999"/>
+          </a:xfrm>
+          <a:prstGeom prst="rect">
+            <a:avLst/>
+          </a:prstGeom>
+          <a:gradFill flip="none" rotWithShape="1">
+            <a:gsLst>
+              <a:gs pos="0">
+                <a:schemeClr val="accent2"/>
+              </a:gs>
+              <a:gs pos="40000">
+                <a:schemeClr val="accent2">
+                  <a:alpha val="0"/>
+                </a:schemeClr>
+              </a:gs>
+            </a:gsLst>
+            <a:lin ang="11400000" scaled="0"/>
+            <a:tileRect/>
+          </a:gradFill>
+          <a:ln>
+            <a:noFill/>
+          </a:ln>
+        </p:spPr>
+        <p:style>
+          <a:lnRef idx="2">
+            <a:schemeClr val="accent1">
+              <a:shade val="50000"/>
+            </a:schemeClr>
+          </a:lnRef>
+          <a:fillRef idx="1">
+            <a:schemeClr val="accent1"/>
+          </a:fillRef>
+          <a:effectRef idx="0">
+            <a:schemeClr val="accent1"/>
+          </a:effectRef>
+          <a:fontRef idx="minor">
+            <a:schemeClr val="lt1"/>
+          </a:fontRef>
+        </p:style>
+        <p:txBody>
+          <a:bodyPr rtlCol="0" anchor="ctr"/>
+          <a:lstStyle/>
+          <a:p>
+            <a:pPr algn="ctr"/>
+            <a:endParaRPr lang="en-US"/>
+          </a:p>
+        </p:txBody>
+      </p:sp>
+      <p:sp>
+        <p:nvSpPr>
+          <p:cNvPr id="13" name="Rectangle 12">
+            <a:extLst>
+              <a:ext uri="{FF2B5EF4-FFF2-40B4-BE49-F238E27FC236}">
+                <a16:creationId xmlns:a16="http://schemas.microsoft.com/office/drawing/2014/main" id="{DC39DE25-0E4E-0AA7-0932-1D78C2372786}"/>
+              </a:ext>
+              <a:ext uri="{C183D7F6-B498-43B3-948B-1728B52AA6E4}">
+                <adec:decorative xmlns:adec="http://schemas.microsoft.com/office/drawing/2017/decorative" val="1"/>
+              </a:ext>
+            </a:extLst>
+          </p:cNvPr>
+          <p:cNvSpPr>
+            <a:spLocks noGrp="1" noRot="1" noChangeAspect="1" noMove="1" noResize="1" noEditPoints="1" noAdjustHandles="1" noChangeArrowheads="1" noChangeShapeType="1" noTextEdit="1"/>
+          </p:cNvSpPr>
+          <p:nvPr>
+            <p:extLst>
+              <p:ext uri="{386F3935-93C4-4BCD-93E2-E3B085C9AB24}">
+                <p16:designElem xmlns:p16="http://schemas.microsoft.com/office/powerpoint/2015/main" val="1"/>
+              </p:ext>
+            </p:extLst>
+          </p:nvPr>
+        </p:nvSpPr>
+        <p:spPr>
+          <a:xfrm flipV="1">
+            <a:off x="6096000" y="5502302"/>
+            <a:ext cx="6106314" cy="1359456"/>
+          </a:xfrm>
+          <a:prstGeom prst="rect">
+            <a:avLst/>
+          </a:prstGeom>
+          <a:gradFill flip="none" rotWithShape="1">
+            <a:gsLst>
+              <a:gs pos="0">
+                <a:schemeClr val="accent2">
+                  <a:alpha val="89000"/>
+                </a:schemeClr>
+              </a:gs>
+              <a:gs pos="38000">
+                <a:schemeClr val="accent5">
+                  <a:lumMod val="60000"/>
+                  <a:lumOff val="40000"/>
+                  <a:alpha val="0"/>
+                </a:schemeClr>
+              </a:gs>
+            </a:gsLst>
+            <a:lin ang="4200000" scaled="0"/>
+            <a:tileRect/>
+          </a:gradFill>
+          <a:ln w="12700" cap="flat" cmpd="sng" algn="ctr">
+            <a:noFill/>
+            <a:prstDash val="solid"/>
+            <a:miter lim="800000"/>
+          </a:ln>
+          <a:effectLst/>
+        </p:spPr>
+        <p:style>
+          <a:lnRef idx="2">
+            <a:schemeClr val="accent1">
+              <a:shade val="50000"/>
+            </a:schemeClr>
+          </a:lnRef>
+          <a:fillRef idx="1">
+            <a:schemeClr val="accent1"/>
+          </a:fillRef>
+          <a:effectRef idx="0">
+            <a:schemeClr val="accent1"/>
+          </a:effectRef>
+          <a:fontRef idx="minor">
+            <a:schemeClr val="lt1"/>
+          </a:fontRef>
+        </p:style>
+        <p:txBody>
+          <a:bodyPr rtlCol="0" anchor="ctr"/>
+          <a:lstStyle/>
+          <a:p>
+            <a:pPr algn="r"/>
+            <a:endParaRPr lang="en-US"/>
+          </a:p>
+        </p:txBody>
+      </p:sp>
+      <p:sp>
+        <p:nvSpPr>
+          <p:cNvPr id="15" name="Rectangle 14">
+            <a:extLst>
+              <a:ext uri="{FF2B5EF4-FFF2-40B4-BE49-F238E27FC236}">
+                <a16:creationId xmlns:a16="http://schemas.microsoft.com/office/drawing/2014/main" id="{8D6EA299-0840-6DEA-E670-C49AEBC87E89}"/>
+              </a:ext>
+              <a:ext uri="{C183D7F6-B498-43B3-948B-1728B52AA6E4}">
+                <adec:decorative xmlns:adec="http://schemas.microsoft.com/office/drawing/2017/decorative" val="1"/>
+              </a:ext>
+            </a:extLst>
+          </p:cNvPr>
+          <p:cNvSpPr>
+            <a:spLocks noGrp="1" noRot="1" noChangeAspect="1" noMove="1" noResize="1" noEditPoints="1" noAdjustHandles="1" noChangeArrowheads="1" noChangeShapeType="1" noTextEdit="1"/>
+          </p:cNvSpPr>
+          <p:nvPr>
+            <p:extLst>
+              <p:ext uri="{386F3935-93C4-4BCD-93E2-E3B085C9AB24}">
+                <p16:designElem xmlns:p16="http://schemas.microsoft.com/office/powerpoint/2015/main" val="1"/>
+              </p:ext>
+            </p:extLst>
+          </p:nvPr>
+        </p:nvSpPr>
+        <p:spPr>
+          <a:xfrm rot="10800000">
+            <a:off x="9026892" y="2939627"/>
+            <a:ext cx="3162908" cy="3914612"/>
+          </a:xfrm>
+          <a:prstGeom prst="rect">
+            <a:avLst/>
+          </a:prstGeom>
+          <a:gradFill flip="none" rotWithShape="1">
+            <a:gsLst>
+              <a:gs pos="0">
+                <a:schemeClr val="accent5">
+                  <a:lumMod val="60000"/>
+                  <a:lumOff val="40000"/>
+                </a:schemeClr>
+              </a:gs>
+              <a:gs pos="51000">
+                <a:schemeClr val="accent5">
+                  <a:lumMod val="60000"/>
+                  <a:lumOff val="40000"/>
+                  <a:alpha val="0"/>
+                </a:schemeClr>
+              </a:gs>
+            </a:gsLst>
+            <a:path path="circle">
+              <a:fillToRect r="100000" b="100000"/>
+            </a:path>
+            <a:tileRect l="-100000" t="-100000"/>
+          </a:gradFill>
+          <a:ln w="12700" cap="flat" cmpd="sng" algn="ctr">
+            <a:noFill/>
+            <a:prstDash val="solid"/>
+            <a:miter lim="800000"/>
+          </a:ln>
+          <a:effectLst/>
+        </p:spPr>
+        <p:style>
+          <a:lnRef idx="2">
+            <a:schemeClr val="accent1">
+              <a:shade val="50000"/>
+            </a:schemeClr>
+          </a:lnRef>
+          <a:fillRef idx="1">
+            <a:schemeClr val="accent1"/>
+          </a:fillRef>
+          <a:effectRef idx="0">
+            <a:schemeClr val="accent1"/>
+          </a:effectRef>
+          <a:fontRef idx="minor">
+            <a:schemeClr val="lt1"/>
+          </a:fontRef>
+        </p:style>
+        <p:txBody>
+          <a:bodyPr rtlCol="0" anchor="ctr"/>
+          <a:lstStyle/>
+          <a:p>
+            <a:pPr algn="r"/>
+            <a:endParaRPr lang="en-US"/>
           </a:p>
         </p:txBody>
       </p:sp>
@@ -7013,6 +9323,14 @@
 <file path=ppt/slides/slide9.xml><?xml version="1.0" encoding="utf-8"?>
 <p:sld xmlns:a="http://schemas.openxmlformats.org/drawingml/2006/main" xmlns:r="http://schemas.openxmlformats.org/officeDocument/2006/relationships" xmlns:p="http://schemas.openxmlformats.org/presentationml/2006/main">
   <p:cSld>
+    <p:bg>
+      <p:bgPr>
+        <a:solidFill>
+          <a:schemeClr val="bg1"/>
+        </a:solidFill>
+        <a:effectLst/>
+      </p:bgPr>
+    </p:bg>
     <p:spTree>
       <p:nvGrpSpPr>
         <p:cNvPr id="1" name=""/>
@@ -7043,14 +9361,21 @@
             <p:ph type="title"/>
           </p:nvPr>
         </p:nvSpPr>
-        <p:spPr/>
-        <p:txBody>
-          <a:bodyPr/>
+        <p:spPr>
+          <a:xfrm>
+            <a:off x="876693" y="741391"/>
+            <a:ext cx="4355265" cy="1616203"/>
+          </a:xfrm>
+        </p:spPr>
+        <p:txBody>
+          <a:bodyPr anchor="b">
+            <a:normAutofit/>
+          </a:bodyPr>
           <a:lstStyle/>
           <a:p>
             <a:r>
-              <a:rPr lang="pl-PL" dirty="0"/>
-              <a:t>Podpis cyfrowy - działanie</a:t>
+              <a:rPr lang="pl-PL" sz="3200" dirty="0"/>
+              <a:t>Podpis cyfrowy: działanie</a:t>
             </a:r>
           </a:p>
         </p:txBody>
@@ -7071,59 +9396,446 @@
             <p:ph idx="1"/>
           </p:nvPr>
         </p:nvSpPr>
-        <p:spPr/>
-        <p:txBody>
-          <a:bodyPr/>
+        <p:spPr>
+          <a:xfrm>
+            <a:off x="876692" y="2533476"/>
+            <a:ext cx="5079727" cy="3447832"/>
+          </a:xfrm>
+        </p:spPr>
+        <p:txBody>
+          <a:bodyPr anchor="ctr">
+            <a:normAutofit/>
+          </a:bodyPr>
           <a:lstStyle/>
           <a:p>
-            <a:r>
-              <a:rPr lang="pl-PL" dirty="0"/>
+            <a:pPr marL="342900" indent="-342900">
+              <a:spcAft>
+                <a:spcPts val="1200"/>
+              </a:spcAft>
+              <a:buFont typeface="+mj-lt"/>
+              <a:buAutoNum type="arabicPeriod"/>
+            </a:pPr>
+            <a:r>
+              <a:rPr lang="pl-PL" sz="1700" dirty="0"/>
               <a:t>Tworzymy </a:t>
             </a:r>
             <a:r>
-              <a:rPr lang="pl-PL" b="1" dirty="0"/>
+              <a:rPr lang="pl-PL" sz="1700" b="1" dirty="0"/>
               <a:t>skrót</a:t>
             </a:r>
             <a:r>
-              <a:rPr lang="pl-PL" dirty="0"/>
+              <a:rPr lang="pl-PL" sz="1700" dirty="0"/>
               <a:t> wiadomości (używając funkcji haszującej)</a:t>
             </a:r>
           </a:p>
           <a:p>
-            <a:r>
-              <a:rPr lang="pl-PL" dirty="0"/>
+            <a:pPr marL="342900" indent="-342900">
+              <a:spcAft>
+                <a:spcPts val="1200"/>
+              </a:spcAft>
+              <a:buFont typeface="+mj-lt"/>
+              <a:buAutoNum type="arabicPeriod"/>
+            </a:pPr>
+            <a:r>
+              <a:rPr lang="pl-PL" sz="1700" dirty="0"/>
               <a:t>Szyfrujemy go </a:t>
             </a:r>
             <a:r>
-              <a:rPr lang="pl-PL" b="1" dirty="0"/>
+              <a:rPr lang="pl-PL" sz="1700" b="1" dirty="0"/>
               <a:t>kluczem prywatnym</a:t>
             </a:r>
           </a:p>
           <a:p>
-            <a:r>
-              <a:rPr lang="pl-PL" dirty="0"/>
+            <a:pPr marL="342900" indent="-342900">
+              <a:spcAft>
+                <a:spcPts val="1200"/>
+              </a:spcAft>
+              <a:buFont typeface="+mj-lt"/>
+              <a:buAutoNum type="arabicPeriod"/>
+            </a:pPr>
+            <a:r>
+              <a:rPr lang="pl-PL" sz="1700" dirty="0"/>
               <a:t>Wysyłamy razem z oryginalną wiadomością</a:t>
             </a:r>
           </a:p>
           <a:p>
-            <a:r>
-              <a:rPr lang="pl-PL" dirty="0"/>
+            <a:pPr marL="342900" indent="-342900">
+              <a:spcAft>
+                <a:spcPts val="1200"/>
+              </a:spcAft>
+              <a:buFont typeface="+mj-lt"/>
+              <a:buAutoNum type="arabicPeriod"/>
+            </a:pPr>
+            <a:r>
+              <a:rPr lang="pl-PL" sz="1700" dirty="0"/>
               <a:t>Odbiorca potwierdza naszą tożsamość </a:t>
             </a:r>
             <a:r>
-              <a:rPr lang="pl-PL" b="1" dirty="0"/>
+              <a:rPr lang="pl-PL" sz="1700" b="1" dirty="0"/>
               <a:t>odszyfrowując naszym kluczem publicznym</a:t>
             </a:r>
           </a:p>
           <a:p>
-            <a:r>
-              <a:rPr lang="pl-PL" dirty="0"/>
+            <a:pPr marL="342900" indent="-342900">
+              <a:spcAft>
+                <a:spcPts val="1200"/>
+              </a:spcAft>
+              <a:buFont typeface="+mj-lt"/>
+              <a:buAutoNum type="arabicPeriod"/>
+            </a:pPr>
+            <a:r>
+              <a:rPr lang="pl-PL" sz="1700" dirty="0"/>
               <a:t>Potwierdza, że wiadomość nie została zmieniona, </a:t>
             </a:r>
             <a:r>
-              <a:rPr lang="pl-PL" b="1" dirty="0"/>
+              <a:rPr lang="pl-PL" sz="1700" b="1" dirty="0"/>
               <a:t>ponownie obliczając skrót wiadomości</a:t>
             </a:r>
+          </a:p>
+        </p:txBody>
+      </p:sp>
+      <p:pic>
+        <p:nvPicPr>
+          <p:cNvPr id="5" name="Picture 4" descr="Klawisze antycznej kasy">
+            <a:extLst>
+              <a:ext uri="{FF2B5EF4-FFF2-40B4-BE49-F238E27FC236}">
+                <a16:creationId xmlns:a16="http://schemas.microsoft.com/office/drawing/2014/main" id="{6F373B5C-E46C-1796-EE01-0CDEA9E49F7B}"/>
+              </a:ext>
+            </a:extLst>
+          </p:cNvPr>
+          <p:cNvPicPr>
+            <a:picLocks noChangeAspect="1"/>
+          </p:cNvPicPr>
+          <p:nvPr/>
+        </p:nvPicPr>
+        <p:blipFill rotWithShape="1">
+          <a:blip r:embed="rId2"/>
+          <a:srcRect l="18763" r="22126"/>
+          <a:stretch/>
+        </p:blipFill>
+        <p:spPr>
+          <a:xfrm>
+            <a:off x="6096000" y="10"/>
+            <a:ext cx="6095999" cy="6857990"/>
+          </a:xfrm>
+          <a:prstGeom prst="rect">
+            <a:avLst/>
+          </a:prstGeom>
+        </p:spPr>
+      </p:pic>
+      <p:sp>
+        <p:nvSpPr>
+          <p:cNvPr id="16" name="Rectangle 8">
+            <a:extLst>
+              <a:ext uri="{FF2B5EF4-FFF2-40B4-BE49-F238E27FC236}">
+                <a16:creationId xmlns:a16="http://schemas.microsoft.com/office/drawing/2014/main" id="{AE3A741D-C19B-960A-5803-1C5887147820}"/>
+              </a:ext>
+              <a:ext uri="{C183D7F6-B498-43B3-948B-1728B52AA6E4}">
+                <adec:decorative xmlns:adec="http://schemas.microsoft.com/office/drawing/2017/decorative" val="1"/>
+              </a:ext>
+            </a:extLst>
+          </p:cNvPr>
+          <p:cNvSpPr>
+            <a:spLocks noGrp="1" noRot="1" noChangeAspect="1" noMove="1" noResize="1" noEditPoints="1" noAdjustHandles="1" noChangeArrowheads="1" noChangeShapeType="1" noTextEdit="1"/>
+          </p:cNvSpPr>
+          <p:nvPr>
+            <p:extLst>
+              <p:ext uri="{386F3935-93C4-4BCD-93E2-E3B085C9AB24}">
+                <p16:designElem xmlns:p16="http://schemas.microsoft.com/office/powerpoint/2015/main" val="1"/>
+              </p:ext>
+            </p:extLst>
+          </p:nvPr>
+        </p:nvSpPr>
+        <p:spPr>
+          <a:xfrm rot="5400000">
+            <a:off x="8369424" y="3028872"/>
+            <a:ext cx="1559464" cy="6106313"/>
+          </a:xfrm>
+          <a:prstGeom prst="rect">
+            <a:avLst/>
+          </a:prstGeom>
+          <a:gradFill>
+            <a:gsLst>
+              <a:gs pos="0">
+                <a:schemeClr val="accent5">
+                  <a:alpha val="77000"/>
+                </a:schemeClr>
+              </a:gs>
+              <a:gs pos="57000">
+                <a:schemeClr val="accent5">
+                  <a:lumMod val="60000"/>
+                  <a:lumOff val="40000"/>
+                  <a:alpha val="0"/>
+                </a:schemeClr>
+              </a:gs>
+            </a:gsLst>
+            <a:lin ang="11100000" scaled="0"/>
+          </a:gradFill>
+          <a:ln>
+            <a:noFill/>
+          </a:ln>
+        </p:spPr>
+        <p:style>
+          <a:lnRef idx="2">
+            <a:schemeClr val="accent1">
+              <a:shade val="50000"/>
+            </a:schemeClr>
+          </a:lnRef>
+          <a:fillRef idx="1">
+            <a:schemeClr val="accent1"/>
+          </a:fillRef>
+          <a:effectRef idx="0">
+            <a:schemeClr val="accent1"/>
+          </a:effectRef>
+          <a:fontRef idx="minor">
+            <a:schemeClr val="lt1"/>
+          </a:fontRef>
+        </p:style>
+        <p:txBody>
+          <a:bodyPr rtlCol="0" anchor="ctr"/>
+          <a:lstStyle/>
+          <a:p>
+            <a:pPr algn="ctr"/>
+            <a:endParaRPr lang="en-US"/>
+          </a:p>
+        </p:txBody>
+      </p:sp>
+      <p:sp>
+        <p:nvSpPr>
+          <p:cNvPr id="11" name="Rectangle 10">
+            <a:extLst>
+              <a:ext uri="{FF2B5EF4-FFF2-40B4-BE49-F238E27FC236}">
+                <a16:creationId xmlns:a16="http://schemas.microsoft.com/office/drawing/2014/main" id="{9C3A50E9-9119-7BC3-083B-2D84CCC78E47}"/>
+              </a:ext>
+              <a:ext uri="{C183D7F6-B498-43B3-948B-1728B52AA6E4}">
+                <adec:decorative xmlns:adec="http://schemas.microsoft.com/office/drawing/2017/decorative" val="1"/>
+              </a:ext>
+            </a:extLst>
+          </p:cNvPr>
+          <p:cNvSpPr>
+            <a:spLocks noGrp="1" noRot="1" noChangeAspect="1" noMove="1" noResize="1" noEditPoints="1" noAdjustHandles="1" noChangeArrowheads="1" noChangeShapeType="1" noTextEdit="1"/>
+          </p:cNvSpPr>
+          <p:nvPr>
+            <p:extLst>
+              <p:ext uri="{386F3935-93C4-4BCD-93E2-E3B085C9AB24}">
+                <p16:designElem xmlns:p16="http://schemas.microsoft.com/office/powerpoint/2015/main" val="1"/>
+              </p:ext>
+            </p:extLst>
+          </p:nvPr>
+        </p:nvSpPr>
+        <p:spPr>
+          <a:xfrm>
+            <a:off x="10015441" y="-3760"/>
+            <a:ext cx="2176557" cy="6857999"/>
+          </a:xfrm>
+          <a:prstGeom prst="rect">
+            <a:avLst/>
+          </a:prstGeom>
+          <a:gradFill flip="none" rotWithShape="1">
+            <a:gsLst>
+              <a:gs pos="0">
+                <a:schemeClr val="accent2"/>
+              </a:gs>
+              <a:gs pos="40000">
+                <a:schemeClr val="accent2">
+                  <a:alpha val="0"/>
+                </a:schemeClr>
+              </a:gs>
+            </a:gsLst>
+            <a:lin ang="11400000" scaled="0"/>
+            <a:tileRect/>
+          </a:gradFill>
+          <a:ln>
+            <a:noFill/>
+          </a:ln>
+        </p:spPr>
+        <p:style>
+          <a:lnRef idx="2">
+            <a:schemeClr val="accent1">
+              <a:shade val="50000"/>
+            </a:schemeClr>
+          </a:lnRef>
+          <a:fillRef idx="1">
+            <a:schemeClr val="accent1"/>
+          </a:fillRef>
+          <a:effectRef idx="0">
+            <a:schemeClr val="accent1"/>
+          </a:effectRef>
+          <a:fontRef idx="minor">
+            <a:schemeClr val="lt1"/>
+          </a:fontRef>
+        </p:style>
+        <p:txBody>
+          <a:bodyPr rtlCol="0" anchor="ctr"/>
+          <a:lstStyle/>
+          <a:p>
+            <a:pPr algn="ctr"/>
+            <a:endParaRPr lang="en-US"/>
+          </a:p>
+        </p:txBody>
+      </p:sp>
+      <p:sp>
+        <p:nvSpPr>
+          <p:cNvPr id="17" name="Rectangle 12">
+            <a:extLst>
+              <a:ext uri="{FF2B5EF4-FFF2-40B4-BE49-F238E27FC236}">
+                <a16:creationId xmlns:a16="http://schemas.microsoft.com/office/drawing/2014/main" id="{DC39DE25-0E4E-0AA7-0932-1D78C2372786}"/>
+              </a:ext>
+              <a:ext uri="{C183D7F6-B498-43B3-948B-1728B52AA6E4}">
+                <adec:decorative xmlns:adec="http://schemas.microsoft.com/office/drawing/2017/decorative" val="1"/>
+              </a:ext>
+            </a:extLst>
+          </p:cNvPr>
+          <p:cNvSpPr>
+            <a:spLocks noGrp="1" noRot="1" noChangeAspect="1" noMove="1" noResize="1" noEditPoints="1" noAdjustHandles="1" noChangeArrowheads="1" noChangeShapeType="1" noTextEdit="1"/>
+          </p:cNvSpPr>
+          <p:nvPr>
+            <p:extLst>
+              <p:ext uri="{386F3935-93C4-4BCD-93E2-E3B085C9AB24}">
+                <p16:designElem xmlns:p16="http://schemas.microsoft.com/office/powerpoint/2015/main" val="1"/>
+              </p:ext>
+            </p:extLst>
+          </p:nvPr>
+        </p:nvSpPr>
+        <p:spPr>
+          <a:xfrm flipV="1">
+            <a:off x="6096000" y="5502302"/>
+            <a:ext cx="6106314" cy="1359456"/>
+          </a:xfrm>
+          <a:prstGeom prst="rect">
+            <a:avLst/>
+          </a:prstGeom>
+          <a:gradFill flip="none" rotWithShape="1">
+            <a:gsLst>
+              <a:gs pos="0">
+                <a:schemeClr val="accent2">
+                  <a:alpha val="89000"/>
+                </a:schemeClr>
+              </a:gs>
+              <a:gs pos="38000">
+                <a:schemeClr val="accent5">
+                  <a:lumMod val="60000"/>
+                  <a:lumOff val="40000"/>
+                  <a:alpha val="0"/>
+                </a:schemeClr>
+              </a:gs>
+            </a:gsLst>
+            <a:lin ang="4200000" scaled="0"/>
+            <a:tileRect/>
+          </a:gradFill>
+          <a:ln w="12700" cap="flat" cmpd="sng" algn="ctr">
+            <a:noFill/>
+            <a:prstDash val="solid"/>
+            <a:miter lim="800000"/>
+          </a:ln>
+          <a:effectLst/>
+        </p:spPr>
+        <p:style>
+          <a:lnRef idx="2">
+            <a:schemeClr val="accent1">
+              <a:shade val="50000"/>
+            </a:schemeClr>
+          </a:lnRef>
+          <a:fillRef idx="1">
+            <a:schemeClr val="accent1"/>
+          </a:fillRef>
+          <a:effectRef idx="0">
+            <a:schemeClr val="accent1"/>
+          </a:effectRef>
+          <a:fontRef idx="minor">
+            <a:schemeClr val="lt1"/>
+          </a:fontRef>
+        </p:style>
+        <p:txBody>
+          <a:bodyPr rtlCol="0" anchor="ctr"/>
+          <a:lstStyle/>
+          <a:p>
+            <a:pPr algn="r"/>
+            <a:endParaRPr lang="en-US"/>
+          </a:p>
+        </p:txBody>
+      </p:sp>
+      <p:sp>
+        <p:nvSpPr>
+          <p:cNvPr id="15" name="Rectangle 14">
+            <a:extLst>
+              <a:ext uri="{FF2B5EF4-FFF2-40B4-BE49-F238E27FC236}">
+                <a16:creationId xmlns:a16="http://schemas.microsoft.com/office/drawing/2014/main" id="{8D6EA299-0840-6DEA-E670-C49AEBC87E89}"/>
+              </a:ext>
+              <a:ext uri="{C183D7F6-B498-43B3-948B-1728B52AA6E4}">
+                <adec:decorative xmlns:adec="http://schemas.microsoft.com/office/drawing/2017/decorative" val="1"/>
+              </a:ext>
+            </a:extLst>
+          </p:cNvPr>
+          <p:cNvSpPr>
+            <a:spLocks noGrp="1" noRot="1" noChangeAspect="1" noMove="1" noResize="1" noEditPoints="1" noAdjustHandles="1" noChangeArrowheads="1" noChangeShapeType="1" noTextEdit="1"/>
+          </p:cNvSpPr>
+          <p:nvPr>
+            <p:extLst>
+              <p:ext uri="{386F3935-93C4-4BCD-93E2-E3B085C9AB24}">
+                <p16:designElem xmlns:p16="http://schemas.microsoft.com/office/powerpoint/2015/main" val="1"/>
+              </p:ext>
+            </p:extLst>
+          </p:nvPr>
+        </p:nvSpPr>
+        <p:spPr>
+          <a:xfrm rot="10800000">
+            <a:off x="9026892" y="2939627"/>
+            <a:ext cx="3162908" cy="3914612"/>
+          </a:xfrm>
+          <a:prstGeom prst="rect">
+            <a:avLst/>
+          </a:prstGeom>
+          <a:gradFill flip="none" rotWithShape="1">
+            <a:gsLst>
+              <a:gs pos="0">
+                <a:schemeClr val="accent5">
+                  <a:lumMod val="60000"/>
+                  <a:lumOff val="40000"/>
+                </a:schemeClr>
+              </a:gs>
+              <a:gs pos="51000">
+                <a:schemeClr val="accent5">
+                  <a:lumMod val="60000"/>
+                  <a:lumOff val="40000"/>
+                  <a:alpha val="0"/>
+                </a:schemeClr>
+              </a:gs>
+            </a:gsLst>
+            <a:path path="circle">
+              <a:fillToRect r="100000" b="100000"/>
+            </a:path>
+            <a:tileRect l="-100000" t="-100000"/>
+          </a:gradFill>
+          <a:ln w="12700" cap="flat" cmpd="sng" algn="ctr">
+            <a:noFill/>
+            <a:prstDash val="solid"/>
+            <a:miter lim="800000"/>
+          </a:ln>
+          <a:effectLst/>
+        </p:spPr>
+        <p:style>
+          <a:lnRef idx="2">
+            <a:schemeClr val="accent1">
+              <a:shade val="50000"/>
+            </a:schemeClr>
+          </a:lnRef>
+          <a:fillRef idx="1">
+            <a:schemeClr val="accent1"/>
+          </a:fillRef>
+          <a:effectRef idx="0">
+            <a:schemeClr val="accent1"/>
+          </a:effectRef>
+          <a:fontRef idx="minor">
+            <a:schemeClr val="lt1"/>
+          </a:fontRef>
+        </p:style>
+        <p:txBody>
+          <a:bodyPr rtlCol="0" anchor="ctr"/>
+          <a:lstStyle/>
+          <a:p>
+            <a:pPr algn="r"/>
+            <a:endParaRPr lang="en-US"/>
           </a:p>
         </p:txBody>
       </p:sp>
